--- a/Build a Watson AI Chatbot from Db2/Build-a-Watson-AI-Chatbot-from-Db2.pptx
+++ b/Build a Watson AI Chatbot from Db2/Build-a-Watson-AI-Chatbot-from-Db2.pptx
@@ -5,10 +5,10 @@
     <p:sldMasterId id="2147486616" r:id="rId1"/>
   </p:sldMasterIdLst>
   <p:notesMasterIdLst>
-    <p:notesMasterId r:id="rId33"/>
+    <p:notesMasterId r:id="rId54"/>
   </p:notesMasterIdLst>
   <p:handoutMasterIdLst>
-    <p:handoutMasterId r:id="rId34"/>
+    <p:handoutMasterId r:id="rId55"/>
   </p:handoutMasterIdLst>
   <p:sldIdLst>
     <p:sldId id="2142534296" r:id="rId2"/>
@@ -19,29 +19,50 @@
     <p:sldId id="2142534372" r:id="rId7"/>
     <p:sldId id="2142534380" r:id="rId8"/>
     <p:sldId id="2142534381" r:id="rId9"/>
-    <p:sldId id="2142534373" r:id="rId10"/>
-    <p:sldId id="2142534382" r:id="rId11"/>
-    <p:sldId id="2142534383" r:id="rId12"/>
-    <p:sldId id="2142534384" r:id="rId13"/>
-    <p:sldId id="2142534385" r:id="rId14"/>
-    <p:sldId id="2142534391" r:id="rId15"/>
-    <p:sldId id="2142534392" r:id="rId16"/>
-    <p:sldId id="2142534393" r:id="rId17"/>
-    <p:sldId id="2142534394" r:id="rId18"/>
-    <p:sldId id="2142534395" r:id="rId19"/>
-    <p:sldId id="2142534374" r:id="rId20"/>
-    <p:sldId id="2142534370" r:id="rId21"/>
-    <p:sldId id="2142534396" r:id="rId22"/>
-    <p:sldId id="2142534375" r:id="rId23"/>
-    <p:sldId id="2142534397" r:id="rId24"/>
-    <p:sldId id="2142534390" r:id="rId25"/>
-    <p:sldId id="2142534369" r:id="rId26"/>
-    <p:sldId id="2142534346" r:id="rId27"/>
-    <p:sldId id="2142534368" r:id="rId28"/>
-    <p:sldId id="2142534367" r:id="rId29"/>
-    <p:sldId id="2142534340" r:id="rId30"/>
-    <p:sldId id="2626" r:id="rId31"/>
-    <p:sldId id="2142534301" r:id="rId32"/>
+    <p:sldId id="2142534398" r:id="rId10"/>
+    <p:sldId id="2142534385" r:id="rId11"/>
+    <p:sldId id="2142534391" r:id="rId12"/>
+    <p:sldId id="2142534373" r:id="rId13"/>
+    <p:sldId id="2142534382" r:id="rId14"/>
+    <p:sldId id="2142534418" r:id="rId15"/>
+    <p:sldId id="2142534383" r:id="rId16"/>
+    <p:sldId id="2142534384" r:id="rId17"/>
+    <p:sldId id="2142534392" r:id="rId18"/>
+    <p:sldId id="2142534394" r:id="rId19"/>
+    <p:sldId id="2142534395" r:id="rId20"/>
+    <p:sldId id="2142534399" r:id="rId21"/>
+    <p:sldId id="2142534400" r:id="rId22"/>
+    <p:sldId id="2142534401" r:id="rId23"/>
+    <p:sldId id="2142534402" r:id="rId24"/>
+    <p:sldId id="2142534403" r:id="rId25"/>
+    <p:sldId id="2142534404" r:id="rId26"/>
+    <p:sldId id="2142534405" r:id="rId27"/>
+    <p:sldId id="2142534407" r:id="rId28"/>
+    <p:sldId id="2142534406" r:id="rId29"/>
+    <p:sldId id="2142534408" r:id="rId30"/>
+    <p:sldId id="2142534374" r:id="rId31"/>
+    <p:sldId id="2142534410" r:id="rId32"/>
+    <p:sldId id="2142534411" r:id="rId33"/>
+    <p:sldId id="2142534368" r:id="rId34"/>
+    <p:sldId id="2142534409" r:id="rId35"/>
+    <p:sldId id="2142534370" r:id="rId36"/>
+    <p:sldId id="2142534396" r:id="rId37"/>
+    <p:sldId id="2142534375" r:id="rId38"/>
+    <p:sldId id="2142534416" r:id="rId39"/>
+    <p:sldId id="2142534417" r:id="rId40"/>
+    <p:sldId id="2142534393" r:id="rId41"/>
+    <p:sldId id="2142534419" r:id="rId42"/>
+    <p:sldId id="2142534412" r:id="rId43"/>
+    <p:sldId id="2142534420" r:id="rId44"/>
+    <p:sldId id="2142534397" r:id="rId45"/>
+    <p:sldId id="2142534413" r:id="rId46"/>
+    <p:sldId id="2142534414" r:id="rId47"/>
+    <p:sldId id="2142534415" r:id="rId48"/>
+    <p:sldId id="2142534390" r:id="rId49"/>
+    <p:sldId id="2142534367" r:id="rId50"/>
+    <p:sldId id="2142534340" r:id="rId51"/>
+    <p:sldId id="2626" r:id="rId52"/>
+    <p:sldId id="2142534301" r:id="rId53"/>
   </p:sldIdLst>
   <p:sldSz cx="12192000" cy="6858000"/>
   <p:notesSz cx="7010400" cy="9296400"/>
@@ -279,7 +300,7 @@
           <a:p>
             <a:fld id="{F8A71C4C-FF3F-0C4F-8795-A2475369391B}" type="datetime1">
               <a:rPr lang="en-US" smtClean="0"/>
-              <a:t>10/25/2024</a:t>
+              <a:t>10/28/2024</a:t>
             </a:fld>
             <a:endParaRPr lang="en-US" dirty="0"/>
           </a:p>
@@ -454,7 +475,7 @@
             </a:pPr>
             <a:fld id="{575E4D0F-365E-634C-91A3-A7A1E50E5DCF}" type="datetime1">
               <a:rPr lang="en-US" smtClean="0"/>
-              <a:t>10/25/2024</a:t>
+              <a:t>10/28/2024</a:t>
             </a:fld>
             <a:endParaRPr lang="en-US" dirty="0"/>
           </a:p>
@@ -833,7 +854,97 @@
               <a:pPr>
                 <a:defRPr/>
               </a:pPr>
-              <a:t>28</a:t>
+              <a:t>20</a:t>
+            </a:fld>
+            <a:endParaRPr lang="en-US" dirty="0"/>
+          </a:p>
+        </p:txBody>
+      </p:sp>
+    </p:spTree>
+    <p:extLst>
+      <p:ext uri="{BB962C8B-B14F-4D97-AF65-F5344CB8AC3E}">
+        <p14:creationId xmlns:p14="http://schemas.microsoft.com/office/powerpoint/2010/main" val="1764817129"/>
+      </p:ext>
+    </p:extLst>
+  </p:cSld>
+  <p:clrMapOvr>
+    <a:masterClrMapping/>
+  </p:clrMapOvr>
+</p:notes>
+</file>
+
+<file path=ppt/notesSlides/notesSlide2.xml><?xml version="1.0" encoding="utf-8"?>
+<p:notes xmlns:a="http://schemas.openxmlformats.org/drawingml/2006/main" xmlns:r="http://schemas.openxmlformats.org/officeDocument/2006/relationships" xmlns:p="http://schemas.openxmlformats.org/presentationml/2006/main">
+  <p:cSld>
+    <p:spTree>
+      <p:nvGrpSpPr>
+        <p:cNvPr id="1" name=""/>
+        <p:cNvGrpSpPr/>
+        <p:nvPr/>
+      </p:nvGrpSpPr>
+      <p:grpSpPr>
+        <a:xfrm>
+          <a:off x="0" y="0"/>
+          <a:ext cx="0" cy="0"/>
+          <a:chOff x="0" y="0"/>
+          <a:chExt cx="0" cy="0"/>
+        </a:xfrm>
+      </p:grpSpPr>
+      <p:sp>
+        <p:nvSpPr>
+          <p:cNvPr id="2" name="Slide Image Placeholder 1"/>
+          <p:cNvSpPr>
+            <a:spLocks noGrp="1" noRot="1" noChangeAspect="1"/>
+          </p:cNvSpPr>
+          <p:nvPr>
+            <p:ph type="sldImg"/>
+          </p:nvPr>
+        </p:nvSpPr>
+        <p:spPr/>
+      </p:sp>
+      <p:sp>
+        <p:nvSpPr>
+          <p:cNvPr id="3" name="Notes Placeholder 2"/>
+          <p:cNvSpPr>
+            <a:spLocks noGrp="1"/>
+          </p:cNvSpPr>
+          <p:nvPr>
+            <p:ph type="body" idx="1"/>
+          </p:nvPr>
+        </p:nvSpPr>
+        <p:spPr/>
+        <p:txBody>
+          <a:bodyPr/>
+          <a:lstStyle/>
+          <a:p>
+            <a:endParaRPr lang="en-CA" dirty="0"/>
+          </a:p>
+        </p:txBody>
+      </p:sp>
+      <p:sp>
+        <p:nvSpPr>
+          <p:cNvPr id="4" name="Slide Number Placeholder 3"/>
+          <p:cNvSpPr>
+            <a:spLocks noGrp="1"/>
+          </p:cNvSpPr>
+          <p:nvPr>
+            <p:ph type="sldNum" sz="quarter" idx="5"/>
+          </p:nvPr>
+        </p:nvSpPr>
+        <p:spPr/>
+        <p:txBody>
+          <a:bodyPr/>
+          <a:lstStyle/>
+          <a:p>
+            <a:pPr>
+              <a:defRPr/>
+            </a:pPr>
+            <a:fld id="{A7F235BB-2532-4321-A1BC-BCA4D9D1C26A}" type="slidenum">
+              <a:rPr lang="en-US" smtClean="0"/>
+              <a:pPr>
+                <a:defRPr/>
+              </a:pPr>
+              <a:t>49</a:t>
             </a:fld>
             <a:endParaRPr lang="en-US" dirty="0"/>
           </a:p>
@@ -25470,29 +25581,132 @@
               <a:rPr lang="en-CA" b="1" dirty="0">
                 <a:latin typeface="+mj-lt"/>
               </a:rPr>
-              <a:t>Create </a:t>
-            </a:r>
-            <a:r>
-              <a:rPr lang="en-CA" b="1" dirty="0" err="1">
+              <a:t>What are Actions and Phrases?</a:t>
+            </a:r>
+          </a:p>
+        </p:txBody>
+      </p:sp>
+      <p:sp>
+        <p:nvSpPr>
+          <p:cNvPr id="11" name="Text Placeholder 5">
+            <a:extLst>
+              <a:ext uri="{FF2B5EF4-FFF2-40B4-BE49-F238E27FC236}">
+                <a16:creationId xmlns:a16="http://schemas.microsoft.com/office/drawing/2014/main" id="{0185FCFB-918F-D08F-F8B5-A5D26564E9BD}"/>
+              </a:ext>
+            </a:extLst>
+          </p:cNvPr>
+          <p:cNvSpPr>
+            <a:spLocks noGrp="1"/>
+          </p:cNvSpPr>
+          <p:nvPr>
+            <p:ph type="body" sz="quarter" idx="15"/>
+          </p:nvPr>
+        </p:nvSpPr>
+        <p:spPr>
+          <a:xfrm>
+            <a:off x="402818" y="832104"/>
+            <a:ext cx="5204533" cy="5414147"/>
+          </a:xfrm>
+        </p:spPr>
+        <p:txBody>
+          <a:bodyPr/>
+          <a:lstStyle/>
+          <a:p>
+            <a:r>
+              <a:rPr lang="en-US" dirty="0">
+                <a:solidFill>
+                  <a:srgbClr val="1670FF"/>
+                </a:solidFill>
                 <a:latin typeface="+mj-lt"/>
               </a:rPr>
-              <a:t>Watsonx</a:t>
-            </a:r>
-            <a:r>
-              <a:rPr lang="en-CA" b="1" dirty="0">
+              <a:t>An </a:t>
+            </a:r>
+            <a:r>
+              <a:rPr lang="en-US" i="1" u="sng" dirty="0">
+                <a:solidFill>
+                  <a:srgbClr val="1670FF"/>
+                </a:solidFill>
                 <a:latin typeface="+mj-lt"/>
               </a:rPr>
-              <a:t> Assistant</a:t>
+              <a:t>action</a:t>
+            </a:r>
+            <a:r>
+              <a:rPr lang="en-US" dirty="0">
+                <a:solidFill>
+                  <a:srgbClr val="1670FF"/>
+                </a:solidFill>
+                <a:latin typeface="+mj-lt"/>
+              </a:rPr>
+              <a:t> is a problem or a task that your customer wants to resolve</a:t>
+            </a:r>
+          </a:p>
+          <a:p>
+            <a:endParaRPr lang="en-US" dirty="0">
+              <a:solidFill>
+                <a:srgbClr val="1670FF"/>
+              </a:solidFill>
+              <a:latin typeface="+mj-lt"/>
+            </a:endParaRPr>
+          </a:p>
+          <a:p>
+            <a:r>
+              <a:rPr lang="en-US" i="1" u="sng" dirty="0">
+                <a:latin typeface="+mj-lt"/>
+              </a:rPr>
+              <a:t>Phrases</a:t>
+            </a:r>
+            <a:r>
+              <a:rPr lang="en-US" dirty="0">
+                <a:latin typeface="+mj-lt"/>
+              </a:rPr>
+              <a:t> are what customers type or say </a:t>
+            </a:r>
+            <a:r>
+              <a:rPr lang="en-CA" dirty="0">
+                <a:latin typeface="+mj-lt"/>
+              </a:rPr>
+              <a:t>to start an </a:t>
+            </a:r>
+            <a:r>
+              <a:rPr lang="en-CA" i="1" u="sng" dirty="0">
+                <a:latin typeface="+mj-lt"/>
+              </a:rPr>
+              <a:t>action</a:t>
+            </a:r>
+          </a:p>
+          <a:p>
+            <a:endParaRPr lang="en-CA" dirty="0">
+              <a:latin typeface="+mj-lt"/>
+            </a:endParaRPr>
+          </a:p>
+          <a:p>
+            <a:r>
+              <a:rPr lang="en-CA" dirty="0">
+                <a:latin typeface="+mj-lt"/>
+              </a:rPr>
+              <a:t>Add multiple </a:t>
+            </a:r>
+            <a:r>
+              <a:rPr lang="en-CA" i="1" u="sng" dirty="0">
+                <a:latin typeface="+mj-lt"/>
+              </a:rPr>
+              <a:t>phrases</a:t>
+            </a:r>
+            <a:r>
+              <a:rPr lang="en-CA" dirty="0">
+                <a:latin typeface="+mj-lt"/>
+              </a:rPr>
+              <a:t> to better train your assistant to recognize what customers want</a:t>
             </a:r>
           </a:p>
         </p:txBody>
       </p:sp>
       <p:pic>
         <p:nvPicPr>
-          <p:cNvPr id="3" name="Picture 2">
+          <p:cNvPr id="13" name="Picture 12">
             <a:extLst>
               <a:ext uri="{FF2B5EF4-FFF2-40B4-BE49-F238E27FC236}">
-                <a16:creationId xmlns:a16="http://schemas.microsoft.com/office/drawing/2014/main" id="{E4DAD3FA-D469-9714-795B-3E4131D619CB}"/>
+                <a16:creationId xmlns:a16="http://schemas.microsoft.com/office/drawing/2014/main" id="{68223809-DE45-9C5E-6B8C-C0C8C72B5EDD}"/>
               </a:ext>
             </a:extLst>
           </p:cNvPr>
@@ -25509,8 +25723,8 @@
         </p:blipFill>
         <p:spPr>
           <a:xfrm>
-            <a:off x="2320899" y="955040"/>
-            <a:ext cx="7550201" cy="5471160"/>
+            <a:off x="6871313" y="935510"/>
+            <a:ext cx="3863363" cy="1321529"/>
           </a:xfrm>
           <a:prstGeom prst="rect">
             <a:avLst/>
@@ -25524,10 +25738,77 @@
           </a:effectLst>
         </p:spPr>
       </p:pic>
+      <p:pic>
+        <p:nvPicPr>
+          <p:cNvPr id="21" name="Picture 20">
+            <a:extLst>
+              <a:ext uri="{FF2B5EF4-FFF2-40B4-BE49-F238E27FC236}">
+                <a16:creationId xmlns:a16="http://schemas.microsoft.com/office/drawing/2014/main" id="{7DE5192A-9349-B34B-1894-B378D1EF41ED}"/>
+              </a:ext>
+            </a:extLst>
+          </p:cNvPr>
+          <p:cNvPicPr>
+            <a:picLocks noChangeAspect="1"/>
+          </p:cNvPicPr>
+          <p:nvPr/>
+        </p:nvPicPr>
+        <p:blipFill>
+          <a:blip r:embed="rId3"/>
+          <a:stretch>
+            <a:fillRect/>
+          </a:stretch>
+        </p:blipFill>
+        <p:spPr>
+          <a:xfrm>
+            <a:off x="745173" y="3288266"/>
+            <a:ext cx="4252255" cy="3176258"/>
+          </a:xfrm>
+          <a:prstGeom prst="rect">
+            <a:avLst/>
+          </a:prstGeom>
+        </p:spPr>
+      </p:pic>
+      <p:pic>
+        <p:nvPicPr>
+          <p:cNvPr id="23" name="Picture 22">
+            <a:extLst>
+              <a:ext uri="{FF2B5EF4-FFF2-40B4-BE49-F238E27FC236}">
+                <a16:creationId xmlns:a16="http://schemas.microsoft.com/office/drawing/2014/main" id="{95DB0C9C-7C7B-EDE5-076C-A105660D7F6B}"/>
+              </a:ext>
+            </a:extLst>
+          </p:cNvPr>
+          <p:cNvPicPr>
+            <a:picLocks noChangeAspect="1"/>
+          </p:cNvPicPr>
+          <p:nvPr/>
+        </p:nvPicPr>
+        <p:blipFill>
+          <a:blip r:embed="rId4"/>
+          <a:stretch>
+            <a:fillRect/>
+          </a:stretch>
+        </p:blipFill>
+        <p:spPr>
+          <a:xfrm>
+            <a:off x="6712714" y="2549987"/>
+            <a:ext cx="4180562" cy="3846117"/>
+          </a:xfrm>
+          <a:prstGeom prst="rect">
+            <a:avLst/>
+          </a:prstGeom>
+          <a:effectLst>
+            <a:outerShdw blurRad="63500" sx="102000" sy="102000" algn="ctr" rotWithShape="0">
+              <a:prstClr val="black">
+                <a:alpha val="40000"/>
+              </a:prstClr>
+            </a:outerShdw>
+          </a:effectLst>
+        </p:spPr>
+      </p:pic>
     </p:spTree>
     <p:extLst>
       <p:ext uri="{BB962C8B-B14F-4D97-AF65-F5344CB8AC3E}">
-        <p14:creationId xmlns:p14="http://schemas.microsoft.com/office/powerpoint/2010/main" val="2973931131"/>
+        <p14:creationId xmlns:p14="http://schemas.microsoft.com/office/powerpoint/2010/main" val="580651693"/>
       </p:ext>
     </p:extLst>
   </p:cSld>
@@ -25579,17 +25860,17 @@
               <a:rPr lang="en-CA" b="1" dirty="0">
                 <a:latin typeface="+mj-lt"/>
               </a:rPr>
-              <a:t>Personalize Your Assistant</a:t>
+              <a:t>What are Steps and Conditions?</a:t>
             </a:r>
           </a:p>
         </p:txBody>
       </p:sp>
       <p:pic>
         <p:nvPicPr>
-          <p:cNvPr id="4" name="Picture 3">
+          <p:cNvPr id="3" name="Picture 2">
             <a:extLst>
               <a:ext uri="{FF2B5EF4-FFF2-40B4-BE49-F238E27FC236}">
-                <a16:creationId xmlns:a16="http://schemas.microsoft.com/office/drawing/2014/main" id="{B062FF3C-6152-96FB-F4D2-8DEA77168B33}"/>
+                <a16:creationId xmlns:a16="http://schemas.microsoft.com/office/drawing/2014/main" id="{5BC45DDE-DF0C-885E-A1F3-12E6F2C26EEE}"/>
               </a:ext>
             </a:extLst>
           </p:cNvPr>
@@ -25606,8 +25887,8 @@
         </p:blipFill>
         <p:spPr>
           <a:xfrm>
-            <a:off x="1071721" y="882168"/>
-            <a:ext cx="10048558" cy="5544032"/>
+            <a:off x="3752858" y="932887"/>
+            <a:ext cx="4022456" cy="5427312"/>
           </a:xfrm>
           <a:prstGeom prst="rect">
             <a:avLst/>
@@ -25621,10 +25902,195 @@
           </a:effectLst>
         </p:spPr>
       </p:pic>
+      <p:sp>
+        <p:nvSpPr>
+          <p:cNvPr id="4" name="Text Placeholder 5">
+            <a:extLst>
+              <a:ext uri="{FF2B5EF4-FFF2-40B4-BE49-F238E27FC236}">
+                <a16:creationId xmlns:a16="http://schemas.microsoft.com/office/drawing/2014/main" id="{1DC8779D-0152-A3FF-54D3-EE2D7598A096}"/>
+              </a:ext>
+            </a:extLst>
+          </p:cNvPr>
+          <p:cNvSpPr>
+            <a:spLocks noGrp="1"/>
+          </p:cNvSpPr>
+          <p:nvPr>
+            <p:ph type="body" sz="quarter" idx="15"/>
+          </p:nvPr>
+        </p:nvSpPr>
+        <p:spPr>
+          <a:xfrm>
+            <a:off x="310897" y="832104"/>
+            <a:ext cx="3134947" cy="5414147"/>
+          </a:xfrm>
+        </p:spPr>
+        <p:txBody>
+          <a:bodyPr/>
+          <a:lstStyle/>
+          <a:p>
+            <a:r>
+              <a:rPr lang="en-US" dirty="0">
+                <a:solidFill>
+                  <a:srgbClr val="1670FF"/>
+                </a:solidFill>
+                <a:latin typeface="+mj-lt"/>
+              </a:rPr>
+              <a:t>A </a:t>
+            </a:r>
+            <a:r>
+              <a:rPr lang="en-US" i="1" u="sng" dirty="0">
+                <a:solidFill>
+                  <a:srgbClr val="1670FF"/>
+                </a:solidFill>
+                <a:latin typeface="+mj-lt"/>
+              </a:rPr>
+              <a:t>step</a:t>
+            </a:r>
+            <a:r>
+              <a:rPr lang="en-US" dirty="0">
+                <a:solidFill>
+                  <a:srgbClr val="1670FF"/>
+                </a:solidFill>
+                <a:latin typeface="+mj-lt"/>
+              </a:rPr>
+              <a:t> is a back-and-forth interaction between your assistant and your customer</a:t>
+            </a:r>
+          </a:p>
+          <a:p>
+            <a:pPr marL="0" indent="0">
+              <a:buNone/>
+            </a:pPr>
+            <a:endParaRPr lang="en-US" dirty="0">
+              <a:solidFill>
+                <a:srgbClr val="1670FF"/>
+              </a:solidFill>
+              <a:latin typeface="+mj-lt"/>
+            </a:endParaRPr>
+          </a:p>
+          <a:p>
+            <a:r>
+              <a:rPr lang="en-US" b="0" i="1" u="sng" dirty="0">
+                <a:solidFill>
+                  <a:srgbClr val="000000"/>
+                </a:solidFill>
+                <a:effectLst/>
+                <a:latin typeface="IBM Plex Sans" panose="020B0503050203000203" pitchFamily="34" charset="0"/>
+              </a:rPr>
+              <a:t>Conditions</a:t>
+            </a:r>
+            <a:r>
+              <a:rPr lang="en-US" b="0" i="0" dirty="0">
+                <a:solidFill>
+                  <a:srgbClr val="000000"/>
+                </a:solidFill>
+                <a:effectLst/>
+                <a:latin typeface="IBM Plex Sans" panose="020B0503050203000203" pitchFamily="34" charset="0"/>
+              </a:rPr>
+              <a:t> are requirements which must be met for the step to be triggered</a:t>
+            </a:r>
+            <a:endParaRPr lang="en-US" dirty="0">
+              <a:solidFill>
+                <a:srgbClr val="1670FF"/>
+              </a:solidFill>
+              <a:latin typeface="+mj-lt"/>
+            </a:endParaRPr>
+          </a:p>
+        </p:txBody>
+      </p:sp>
+      <p:pic>
+        <p:nvPicPr>
+          <p:cNvPr id="7" name="Picture 6">
+            <a:extLst>
+              <a:ext uri="{FF2B5EF4-FFF2-40B4-BE49-F238E27FC236}">
+                <a16:creationId xmlns:a16="http://schemas.microsoft.com/office/drawing/2014/main" id="{B45546AC-0B68-C66B-3A39-AC956529FA24}"/>
+              </a:ext>
+            </a:extLst>
+          </p:cNvPr>
+          <p:cNvPicPr>
+            <a:picLocks noChangeAspect="1"/>
+          </p:cNvPicPr>
+          <p:nvPr/>
+        </p:nvPicPr>
+        <p:blipFill>
+          <a:blip r:embed="rId3"/>
+          <a:stretch>
+            <a:fillRect/>
+          </a:stretch>
+        </p:blipFill>
+        <p:spPr>
+          <a:xfrm>
+            <a:off x="8633860" y="932887"/>
+            <a:ext cx="2839454" cy="5427312"/>
+          </a:xfrm>
+          <a:prstGeom prst="rect">
+            <a:avLst/>
+          </a:prstGeom>
+          <a:effectLst>
+            <a:outerShdw blurRad="63500" sx="102000" sy="102000" algn="ctr" rotWithShape="0">
+              <a:prstClr val="black">
+                <a:alpha val="40000"/>
+              </a:prstClr>
+            </a:outerShdw>
+          </a:effectLst>
+        </p:spPr>
+      </p:pic>
+      <p:cxnSp>
+        <p:nvCxnSpPr>
+          <p:cNvPr id="8" name="Straight Arrow Connector 7">
+            <a:extLst>
+              <a:ext uri="{FF2B5EF4-FFF2-40B4-BE49-F238E27FC236}">
+                <a16:creationId xmlns:a16="http://schemas.microsoft.com/office/drawing/2014/main" id="{D4F70EAA-052C-5007-2A6D-BD6521D7CD75}"/>
+              </a:ext>
+            </a:extLst>
+          </p:cNvPr>
+          <p:cNvCxnSpPr>
+            <a:cxnSpLocks/>
+            <a:stCxn id="3" idx="3"/>
+            <a:endCxn id="7" idx="1"/>
+          </p:cNvCxnSpPr>
+          <p:nvPr/>
+        </p:nvCxnSpPr>
+        <p:spPr>
+          <a:xfrm>
+            <a:off x="7775314" y="3646543"/>
+            <a:ext cx="858546" cy="0"/>
+          </a:xfrm>
+          <a:prstGeom prst="straightConnector1">
+            <a:avLst/>
+          </a:prstGeom>
+          <a:ln>
+            <a:solidFill>
+              <a:srgbClr val="1670FF"/>
+            </a:solidFill>
+            <a:tailEnd type="triangle"/>
+          </a:ln>
+          <a:effectLst>
+            <a:outerShdw blurRad="63500" sx="102000" sy="102000" algn="ctr" rotWithShape="0">
+              <a:prstClr val="black">
+                <a:alpha val="40000"/>
+              </a:prstClr>
+            </a:outerShdw>
+          </a:effectLst>
+        </p:spPr>
+        <p:style>
+          <a:lnRef idx="2">
+            <a:schemeClr val="accent1"/>
+          </a:lnRef>
+          <a:fillRef idx="0">
+            <a:schemeClr val="accent1"/>
+          </a:fillRef>
+          <a:effectRef idx="1">
+            <a:schemeClr val="accent1"/>
+          </a:effectRef>
+          <a:fontRef idx="minor">
+            <a:schemeClr val="tx1"/>
+          </a:fontRef>
+        </p:style>
+      </p:cxnSp>
     </p:spTree>
     <p:extLst>
       <p:ext uri="{BB962C8B-B14F-4D97-AF65-F5344CB8AC3E}">
-        <p14:creationId xmlns:p14="http://schemas.microsoft.com/office/powerpoint/2010/main" val="2259643644"/>
+        <p14:creationId xmlns:p14="http://schemas.microsoft.com/office/powerpoint/2010/main" val="2398221322"/>
       </p:ext>
     </p:extLst>
   </p:cSld>
@@ -25653,10 +26119,10 @@
       </p:grpSpPr>
       <p:sp>
         <p:nvSpPr>
-          <p:cNvPr id="5" name="Title 4">
+          <p:cNvPr id="6" name="Title 5">
             <a:extLst>
               <a:ext uri="{FF2B5EF4-FFF2-40B4-BE49-F238E27FC236}">
-                <a16:creationId xmlns:a16="http://schemas.microsoft.com/office/drawing/2014/main" id="{E164C9CA-47E7-5B76-54C2-D3CB1CA576C9}"/>
+                <a16:creationId xmlns:a16="http://schemas.microsoft.com/office/drawing/2014/main" id="{4ED1E0B2-0440-F85E-027D-40EBDA946C15}"/>
               </a:ext>
             </a:extLst>
           </p:cNvPr>
@@ -25667,61 +26133,32 @@
             <p:ph type="title"/>
           </p:nvPr>
         </p:nvSpPr>
-        <p:spPr/>
+        <p:spPr>
+          <a:xfrm>
+            <a:off x="990600" y="3207757"/>
+            <a:ext cx="10210800" cy="442486"/>
+          </a:xfrm>
+        </p:spPr>
         <p:txBody>
-          <a:bodyPr/>
+          <a:bodyPr>
+            <a:noAutofit/>
+          </a:bodyPr>
           <a:lstStyle/>
           <a:p>
-            <a:r>
-              <a:rPr lang="en-CA" b="1" dirty="0">
+            <a:pPr algn="ctr"/>
+            <a:r>
+              <a:rPr lang="en-US" sz="4500" b="1" dirty="0">
                 <a:latin typeface="+mj-lt"/>
               </a:rPr>
-              <a:t>Customize Your Chat UI</a:t>
+              <a:t>Let’s Build a Chatbot</a:t>
             </a:r>
           </a:p>
         </p:txBody>
       </p:sp>
-      <p:pic>
-        <p:nvPicPr>
-          <p:cNvPr id="6" name="Picture 5">
-            <a:extLst>
-              <a:ext uri="{FF2B5EF4-FFF2-40B4-BE49-F238E27FC236}">
-                <a16:creationId xmlns:a16="http://schemas.microsoft.com/office/drawing/2014/main" id="{3C125AF0-5AF4-E916-258A-F523250ED5F4}"/>
-              </a:ext>
-            </a:extLst>
-          </p:cNvPr>
-          <p:cNvPicPr>
-            <a:picLocks noChangeAspect="1"/>
-          </p:cNvPicPr>
-          <p:nvPr/>
-        </p:nvPicPr>
-        <p:blipFill>
-          <a:blip r:embed="rId2"/>
-          <a:stretch>
-            <a:fillRect/>
-          </a:stretch>
-        </p:blipFill>
-        <p:spPr>
-          <a:xfrm>
-            <a:off x="1407160" y="993122"/>
-            <a:ext cx="9377680" cy="5391325"/>
-          </a:xfrm>
-          <a:prstGeom prst="rect">
-            <a:avLst/>
-          </a:prstGeom>
-          <a:effectLst>
-            <a:outerShdw blurRad="63500" sx="102000" sy="102000" algn="ctr" rotWithShape="0">
-              <a:prstClr val="black">
-                <a:alpha val="40000"/>
-              </a:prstClr>
-            </a:outerShdw>
-          </a:effectLst>
-        </p:spPr>
-      </p:pic>
     </p:spTree>
     <p:extLst>
       <p:ext uri="{BB962C8B-B14F-4D97-AF65-F5344CB8AC3E}">
-        <p14:creationId xmlns:p14="http://schemas.microsoft.com/office/powerpoint/2010/main" val="1527323027"/>
+        <p14:creationId xmlns:p14="http://schemas.microsoft.com/office/powerpoint/2010/main" val="644033277"/>
       </p:ext>
     </p:extLst>
   </p:cSld>
@@ -25773,15 +26210,64 @@
               <a:rPr lang="en-CA" b="1" dirty="0">
                 <a:latin typeface="+mj-lt"/>
               </a:rPr>
-              <a:t>Create an Action</a:t>
+              <a:t>Create </a:t>
+            </a:r>
+            <a:r>
+              <a:rPr lang="en-CA" b="1" dirty="0" err="1">
+                <a:latin typeface="+mj-lt"/>
+              </a:rPr>
+              <a:t>Watsonx</a:t>
+            </a:r>
+            <a:r>
+              <a:rPr lang="en-CA" b="1" dirty="0">
+                <a:latin typeface="+mj-lt"/>
+              </a:rPr>
+              <a:t> Assistant Instance</a:t>
             </a:r>
           </a:p>
         </p:txBody>
       </p:sp>
+      <p:pic>
+        <p:nvPicPr>
+          <p:cNvPr id="4" name="Picture 3">
+            <a:extLst>
+              <a:ext uri="{FF2B5EF4-FFF2-40B4-BE49-F238E27FC236}">
+                <a16:creationId xmlns:a16="http://schemas.microsoft.com/office/drawing/2014/main" id="{BDAB4607-88D4-67C6-0F55-666DA9C9FF9C}"/>
+              </a:ext>
+            </a:extLst>
+          </p:cNvPr>
+          <p:cNvPicPr>
+            <a:picLocks noChangeAspect="1"/>
+          </p:cNvPicPr>
+          <p:nvPr/>
+        </p:nvPicPr>
+        <p:blipFill>
+          <a:blip r:embed="rId2"/>
+          <a:stretch>
+            <a:fillRect/>
+          </a:stretch>
+        </p:blipFill>
+        <p:spPr>
+          <a:xfrm>
+            <a:off x="621374" y="972152"/>
+            <a:ext cx="10949252" cy="5370897"/>
+          </a:xfrm>
+          <a:prstGeom prst="rect">
+            <a:avLst/>
+          </a:prstGeom>
+          <a:effectLst>
+            <a:outerShdw blurRad="63500" sx="102000" sy="102000" algn="ctr" rotWithShape="0">
+              <a:prstClr val="black">
+                <a:alpha val="40000"/>
+              </a:prstClr>
+            </a:outerShdw>
+          </a:effectLst>
+        </p:spPr>
+      </p:pic>
     </p:spTree>
     <p:extLst>
       <p:ext uri="{BB962C8B-B14F-4D97-AF65-F5344CB8AC3E}">
-        <p14:creationId xmlns:p14="http://schemas.microsoft.com/office/powerpoint/2010/main" val="580651693"/>
+        <p14:creationId xmlns:p14="http://schemas.microsoft.com/office/powerpoint/2010/main" val="2973931131"/>
       </p:ext>
     </p:extLst>
   </p:cSld>
@@ -25833,15 +26319,64 @@
               <a:rPr lang="en-CA" b="1" dirty="0">
                 <a:latin typeface="+mj-lt"/>
               </a:rPr>
-              <a:t>Add Conversational Steps</a:t>
+              <a:t>Create </a:t>
+            </a:r>
+            <a:r>
+              <a:rPr lang="en-CA" b="1" dirty="0" err="1">
+                <a:latin typeface="+mj-lt"/>
+              </a:rPr>
+              <a:t>Watsonx</a:t>
+            </a:r>
+            <a:r>
+              <a:rPr lang="en-CA" b="1" dirty="0">
+                <a:latin typeface="+mj-lt"/>
+              </a:rPr>
+              <a:t> Assistant</a:t>
             </a:r>
           </a:p>
         </p:txBody>
       </p:sp>
+      <p:pic>
+        <p:nvPicPr>
+          <p:cNvPr id="3" name="Picture 2">
+            <a:extLst>
+              <a:ext uri="{FF2B5EF4-FFF2-40B4-BE49-F238E27FC236}">
+                <a16:creationId xmlns:a16="http://schemas.microsoft.com/office/drawing/2014/main" id="{E4DAD3FA-D469-9714-795B-3E4131D619CB}"/>
+              </a:ext>
+            </a:extLst>
+          </p:cNvPr>
+          <p:cNvPicPr>
+            <a:picLocks noChangeAspect="1"/>
+          </p:cNvPicPr>
+          <p:nvPr/>
+        </p:nvPicPr>
+        <p:blipFill>
+          <a:blip r:embed="rId2"/>
+          <a:stretch>
+            <a:fillRect/>
+          </a:stretch>
+        </p:blipFill>
+        <p:spPr>
+          <a:xfrm>
+            <a:off x="2320899" y="955040"/>
+            <a:ext cx="7550201" cy="5471160"/>
+          </a:xfrm>
+          <a:prstGeom prst="rect">
+            <a:avLst/>
+          </a:prstGeom>
+          <a:effectLst>
+            <a:outerShdw blurRad="63500" sx="102000" sy="102000" algn="ctr" rotWithShape="0">
+              <a:prstClr val="black">
+                <a:alpha val="40000"/>
+              </a:prstClr>
+            </a:outerShdw>
+          </a:effectLst>
+        </p:spPr>
+      </p:pic>
     </p:spTree>
     <p:extLst>
       <p:ext uri="{BB962C8B-B14F-4D97-AF65-F5344CB8AC3E}">
-        <p14:creationId xmlns:p14="http://schemas.microsoft.com/office/powerpoint/2010/main" val="2398221322"/>
+        <p14:creationId xmlns:p14="http://schemas.microsoft.com/office/powerpoint/2010/main" val="12490494"/>
       </p:ext>
     </p:extLst>
   </p:cSld>
@@ -25893,15 +26428,52 @@
               <a:rPr lang="en-CA" b="1" dirty="0">
                 <a:latin typeface="+mj-lt"/>
               </a:rPr>
-              <a:t>Add Conversational Steps</a:t>
+              <a:t>Personalize Your Assistant</a:t>
             </a:r>
           </a:p>
         </p:txBody>
       </p:sp>
+      <p:pic>
+        <p:nvPicPr>
+          <p:cNvPr id="4" name="Picture 3">
+            <a:extLst>
+              <a:ext uri="{FF2B5EF4-FFF2-40B4-BE49-F238E27FC236}">
+                <a16:creationId xmlns:a16="http://schemas.microsoft.com/office/drawing/2014/main" id="{B062FF3C-6152-96FB-F4D2-8DEA77168B33}"/>
+              </a:ext>
+            </a:extLst>
+          </p:cNvPr>
+          <p:cNvPicPr>
+            <a:picLocks noChangeAspect="1"/>
+          </p:cNvPicPr>
+          <p:nvPr/>
+        </p:nvPicPr>
+        <p:blipFill>
+          <a:blip r:embed="rId2"/>
+          <a:stretch>
+            <a:fillRect/>
+          </a:stretch>
+        </p:blipFill>
+        <p:spPr>
+          <a:xfrm>
+            <a:off x="1071721" y="882168"/>
+            <a:ext cx="10048558" cy="5544032"/>
+          </a:xfrm>
+          <a:prstGeom prst="rect">
+            <a:avLst/>
+          </a:prstGeom>
+          <a:effectLst>
+            <a:outerShdw blurRad="63500" sx="102000" sy="102000" algn="ctr" rotWithShape="0">
+              <a:prstClr val="black">
+                <a:alpha val="40000"/>
+              </a:prstClr>
+            </a:outerShdw>
+          </a:effectLst>
+        </p:spPr>
+      </p:pic>
     </p:spTree>
     <p:extLst>
       <p:ext uri="{BB962C8B-B14F-4D97-AF65-F5344CB8AC3E}">
-        <p14:creationId xmlns:p14="http://schemas.microsoft.com/office/powerpoint/2010/main" val="1954331717"/>
+        <p14:creationId xmlns:p14="http://schemas.microsoft.com/office/powerpoint/2010/main" val="2259643644"/>
       </p:ext>
     </p:extLst>
   </p:cSld>
@@ -25953,15 +26525,52 @@
               <a:rPr lang="en-CA" b="1" dirty="0">
                 <a:latin typeface="+mj-lt"/>
               </a:rPr>
-              <a:t>AAAAA</a:t>
+              <a:t>Customize Your Chat UI</a:t>
             </a:r>
           </a:p>
         </p:txBody>
       </p:sp>
+      <p:pic>
+        <p:nvPicPr>
+          <p:cNvPr id="6" name="Picture 5">
+            <a:extLst>
+              <a:ext uri="{FF2B5EF4-FFF2-40B4-BE49-F238E27FC236}">
+                <a16:creationId xmlns:a16="http://schemas.microsoft.com/office/drawing/2014/main" id="{3C125AF0-5AF4-E916-258A-F523250ED5F4}"/>
+              </a:ext>
+            </a:extLst>
+          </p:cNvPr>
+          <p:cNvPicPr>
+            <a:picLocks noChangeAspect="1"/>
+          </p:cNvPicPr>
+          <p:nvPr/>
+        </p:nvPicPr>
+        <p:blipFill>
+          <a:blip r:embed="rId2"/>
+          <a:stretch>
+            <a:fillRect/>
+          </a:stretch>
+        </p:blipFill>
+        <p:spPr>
+          <a:xfrm>
+            <a:off x="1407160" y="993122"/>
+            <a:ext cx="9377680" cy="5391325"/>
+          </a:xfrm>
+          <a:prstGeom prst="rect">
+            <a:avLst/>
+          </a:prstGeom>
+          <a:effectLst>
+            <a:outerShdw blurRad="63500" sx="102000" sy="102000" algn="ctr" rotWithShape="0">
+              <a:prstClr val="black">
+                <a:alpha val="40000"/>
+              </a:prstClr>
+            </a:outerShdw>
+          </a:effectLst>
+        </p:spPr>
+      </p:pic>
     </p:spTree>
     <p:extLst>
       <p:ext uri="{BB962C8B-B14F-4D97-AF65-F5344CB8AC3E}">
-        <p14:creationId xmlns:p14="http://schemas.microsoft.com/office/powerpoint/2010/main" val="1109067121"/>
+        <p14:creationId xmlns:p14="http://schemas.microsoft.com/office/powerpoint/2010/main" val="1527323027"/>
       </p:ext>
     </p:extLst>
   </p:cSld>
@@ -26013,7 +26622,312 @@
               <a:rPr lang="en-CA" b="1" dirty="0">
                 <a:latin typeface="+mj-lt"/>
               </a:rPr>
-              <a:t>AAAAA</a:t>
+              <a:t>Create Action From Scratch and Set Initial Phrase</a:t>
+            </a:r>
+          </a:p>
+        </p:txBody>
+      </p:sp>
+      <p:pic>
+        <p:nvPicPr>
+          <p:cNvPr id="3" name="Picture 2">
+            <a:extLst>
+              <a:ext uri="{FF2B5EF4-FFF2-40B4-BE49-F238E27FC236}">
+                <a16:creationId xmlns:a16="http://schemas.microsoft.com/office/drawing/2014/main" id="{BB0DC798-0B65-8A02-7BAD-711DE3360831}"/>
+              </a:ext>
+            </a:extLst>
+          </p:cNvPr>
+          <p:cNvPicPr>
+            <a:picLocks noChangeAspect="1"/>
+          </p:cNvPicPr>
+          <p:nvPr/>
+        </p:nvPicPr>
+        <p:blipFill>
+          <a:blip r:embed="rId2"/>
+          <a:stretch>
+            <a:fillRect/>
+          </a:stretch>
+        </p:blipFill>
+        <p:spPr>
+          <a:xfrm>
+            <a:off x="2842707" y="3697774"/>
+            <a:ext cx="6506585" cy="2765534"/>
+          </a:xfrm>
+          <a:prstGeom prst="rect">
+            <a:avLst/>
+          </a:prstGeom>
+          <a:effectLst>
+            <a:outerShdw blurRad="63500" sx="102000" sy="102000" algn="ctr" rotWithShape="0">
+              <a:prstClr val="black">
+                <a:alpha val="40000"/>
+              </a:prstClr>
+            </a:outerShdw>
+          </a:effectLst>
+        </p:spPr>
+      </p:pic>
+      <p:pic>
+        <p:nvPicPr>
+          <p:cNvPr id="6" name="Picture 5">
+            <a:extLst>
+              <a:ext uri="{FF2B5EF4-FFF2-40B4-BE49-F238E27FC236}">
+                <a16:creationId xmlns:a16="http://schemas.microsoft.com/office/drawing/2014/main" id="{C0C030FF-E3A6-4395-7129-553F47C8B6D1}"/>
+              </a:ext>
+            </a:extLst>
+          </p:cNvPr>
+          <p:cNvPicPr>
+            <a:picLocks noChangeAspect="1"/>
+          </p:cNvPicPr>
+          <p:nvPr/>
+        </p:nvPicPr>
+        <p:blipFill>
+          <a:blip r:embed="rId3"/>
+          <a:stretch>
+            <a:fillRect/>
+          </a:stretch>
+        </p:blipFill>
+        <p:spPr>
+          <a:xfrm>
+            <a:off x="2842707" y="1023515"/>
+            <a:ext cx="6506585" cy="2136712"/>
+          </a:xfrm>
+          <a:prstGeom prst="rect">
+            <a:avLst/>
+          </a:prstGeom>
+          <a:effectLst>
+            <a:outerShdw blurRad="63500" sx="102000" sy="102000" algn="ctr" rotWithShape="0">
+              <a:prstClr val="black">
+                <a:alpha val="40000"/>
+              </a:prstClr>
+            </a:outerShdw>
+          </a:effectLst>
+        </p:spPr>
+      </p:pic>
+      <p:cxnSp>
+        <p:nvCxnSpPr>
+          <p:cNvPr id="7" name="Straight Arrow Connector 6">
+            <a:extLst>
+              <a:ext uri="{FF2B5EF4-FFF2-40B4-BE49-F238E27FC236}">
+                <a16:creationId xmlns:a16="http://schemas.microsoft.com/office/drawing/2014/main" id="{5E551B73-5094-BA44-6AC2-C6E7F105990B}"/>
+              </a:ext>
+            </a:extLst>
+          </p:cNvPr>
+          <p:cNvCxnSpPr>
+            <a:cxnSpLocks/>
+            <a:stCxn id="6" idx="2"/>
+            <a:endCxn id="3" idx="0"/>
+          </p:cNvCxnSpPr>
+          <p:nvPr/>
+        </p:nvCxnSpPr>
+        <p:spPr>
+          <a:xfrm>
+            <a:off x="6096000" y="3160227"/>
+            <a:ext cx="0" cy="537547"/>
+          </a:xfrm>
+          <a:prstGeom prst="straightConnector1">
+            <a:avLst/>
+          </a:prstGeom>
+          <a:ln>
+            <a:solidFill>
+              <a:srgbClr val="1670FF"/>
+            </a:solidFill>
+            <a:tailEnd type="triangle"/>
+          </a:ln>
+          <a:effectLst>
+            <a:outerShdw blurRad="63500" sx="102000" sy="102000" algn="ctr" rotWithShape="0">
+              <a:prstClr val="black">
+                <a:alpha val="40000"/>
+              </a:prstClr>
+            </a:outerShdw>
+          </a:effectLst>
+        </p:spPr>
+        <p:style>
+          <a:lnRef idx="2">
+            <a:schemeClr val="accent1"/>
+          </a:lnRef>
+          <a:fillRef idx="0">
+            <a:schemeClr val="accent1"/>
+          </a:fillRef>
+          <a:effectRef idx="1">
+            <a:schemeClr val="accent1"/>
+          </a:effectRef>
+          <a:fontRef idx="minor">
+            <a:schemeClr val="tx1"/>
+          </a:fontRef>
+        </p:style>
+      </p:cxnSp>
+      <p:cxnSp>
+        <p:nvCxnSpPr>
+          <p:cNvPr id="11" name="Straight Arrow Connector 10">
+            <a:extLst>
+              <a:ext uri="{FF2B5EF4-FFF2-40B4-BE49-F238E27FC236}">
+                <a16:creationId xmlns:a16="http://schemas.microsoft.com/office/drawing/2014/main" id="{93983105-40A8-42BD-04B9-DA2CE4B3989B}"/>
+              </a:ext>
+            </a:extLst>
+          </p:cNvPr>
+          <p:cNvCxnSpPr>
+            <a:cxnSpLocks/>
+            <a:stCxn id="12" idx="3"/>
+          </p:cNvCxnSpPr>
+          <p:nvPr/>
+        </p:nvCxnSpPr>
+        <p:spPr>
+          <a:xfrm>
+            <a:off x="2544324" y="2396690"/>
+            <a:ext cx="535760" cy="0"/>
+          </a:xfrm>
+          <a:prstGeom prst="straightConnector1">
+            <a:avLst/>
+          </a:prstGeom>
+          <a:ln>
+            <a:solidFill>
+              <a:srgbClr val="1670FF"/>
+            </a:solidFill>
+            <a:tailEnd type="triangle"/>
+          </a:ln>
+          <a:effectLst>
+            <a:outerShdw blurRad="63500" sx="102000" sy="102000" algn="ctr" rotWithShape="0">
+              <a:prstClr val="black">
+                <a:alpha val="40000"/>
+              </a:prstClr>
+            </a:outerShdw>
+          </a:effectLst>
+        </p:spPr>
+        <p:style>
+          <a:lnRef idx="2">
+            <a:schemeClr val="accent1"/>
+          </a:lnRef>
+          <a:fillRef idx="0">
+            <a:schemeClr val="accent1"/>
+          </a:fillRef>
+          <a:effectRef idx="1">
+            <a:schemeClr val="accent1"/>
+          </a:effectRef>
+          <a:fontRef idx="minor">
+            <a:schemeClr val="tx1"/>
+          </a:fontRef>
+        </p:style>
+      </p:cxnSp>
+      <p:sp>
+        <p:nvSpPr>
+          <p:cNvPr id="12" name="TextBox 11">
+            <a:extLst>
+              <a:ext uri="{FF2B5EF4-FFF2-40B4-BE49-F238E27FC236}">
+                <a16:creationId xmlns:a16="http://schemas.microsoft.com/office/drawing/2014/main" id="{77B204BD-7C41-C259-DD25-3028F959EFCF}"/>
+              </a:ext>
+            </a:extLst>
+          </p:cNvPr>
+          <p:cNvSpPr txBox="1"/>
+          <p:nvPr/>
+        </p:nvSpPr>
+        <p:spPr>
+          <a:xfrm>
+            <a:off x="2256414" y="2212024"/>
+            <a:ext cx="287910" cy="369332"/>
+          </a:xfrm>
+          <a:prstGeom prst="rect">
+            <a:avLst/>
+          </a:prstGeom>
+          <a:noFill/>
+        </p:spPr>
+        <p:txBody>
+          <a:bodyPr wrap="square">
+            <a:spAutoFit/>
+          </a:bodyPr>
+          <a:lstStyle/>
+          <a:p>
+            <a:r>
+              <a:rPr lang="en-CA" dirty="0">
+                <a:latin typeface="+mj-lt"/>
+              </a:rPr>
+              <a:t>1</a:t>
+            </a:r>
+          </a:p>
+        </p:txBody>
+      </p:sp>
+      <p:cxnSp>
+        <p:nvCxnSpPr>
+          <p:cNvPr id="21" name="Straight Arrow Connector 20">
+            <a:extLst>
+              <a:ext uri="{FF2B5EF4-FFF2-40B4-BE49-F238E27FC236}">
+                <a16:creationId xmlns:a16="http://schemas.microsoft.com/office/drawing/2014/main" id="{92779BDF-C2D7-0F5D-9F77-F1F61BD198EA}"/>
+              </a:ext>
+            </a:extLst>
+          </p:cNvPr>
+          <p:cNvCxnSpPr>
+            <a:cxnSpLocks/>
+            <a:stCxn id="22" idx="1"/>
+          </p:cNvCxnSpPr>
+          <p:nvPr/>
+        </p:nvCxnSpPr>
+        <p:spPr>
+          <a:xfrm flipH="1">
+            <a:off x="9009246" y="4945780"/>
+            <a:ext cx="653747" cy="0"/>
+          </a:xfrm>
+          <a:prstGeom prst="straightConnector1">
+            <a:avLst/>
+          </a:prstGeom>
+          <a:ln>
+            <a:solidFill>
+              <a:srgbClr val="1670FF"/>
+            </a:solidFill>
+            <a:tailEnd type="triangle"/>
+          </a:ln>
+          <a:effectLst>
+            <a:outerShdw blurRad="63500" sx="102000" sy="102000" algn="ctr" rotWithShape="0">
+              <a:prstClr val="black">
+                <a:alpha val="40000"/>
+              </a:prstClr>
+            </a:outerShdw>
+          </a:effectLst>
+        </p:spPr>
+        <p:style>
+          <a:lnRef idx="2">
+            <a:schemeClr val="accent1"/>
+          </a:lnRef>
+          <a:fillRef idx="0">
+            <a:schemeClr val="accent1"/>
+          </a:fillRef>
+          <a:effectRef idx="1">
+            <a:schemeClr val="accent1"/>
+          </a:effectRef>
+          <a:fontRef idx="minor">
+            <a:schemeClr val="tx1"/>
+          </a:fontRef>
+        </p:style>
+      </p:cxnSp>
+      <p:sp>
+        <p:nvSpPr>
+          <p:cNvPr id="22" name="TextBox 21">
+            <a:extLst>
+              <a:ext uri="{FF2B5EF4-FFF2-40B4-BE49-F238E27FC236}">
+                <a16:creationId xmlns:a16="http://schemas.microsoft.com/office/drawing/2014/main" id="{2958445E-3AC9-F78B-B7F9-E6B7E6B65F3F}"/>
+              </a:ext>
+            </a:extLst>
+          </p:cNvPr>
+          <p:cNvSpPr txBox="1"/>
+          <p:nvPr/>
+        </p:nvSpPr>
+        <p:spPr>
+          <a:xfrm>
+            <a:off x="9662993" y="4761114"/>
+            <a:ext cx="287910" cy="369332"/>
+          </a:xfrm>
+          <a:prstGeom prst="rect">
+            <a:avLst/>
+          </a:prstGeom>
+          <a:noFill/>
+        </p:spPr>
+        <p:txBody>
+          <a:bodyPr wrap="square">
+            <a:spAutoFit/>
+          </a:bodyPr>
+          <a:lstStyle/>
+          <a:p>
+            <a:r>
+              <a:rPr lang="en-CA" dirty="0">
+                <a:latin typeface="+mj-lt"/>
+              </a:rPr>
+              <a:t>2</a:t>
             </a:r>
           </a:p>
         </p:txBody>
@@ -26021,7 +26935,7 @@
     </p:spTree>
     <p:extLst>
       <p:ext uri="{BB962C8B-B14F-4D97-AF65-F5344CB8AC3E}">
-        <p14:creationId xmlns:p14="http://schemas.microsoft.com/office/powerpoint/2010/main" val="1995336089"/>
+        <p14:creationId xmlns:p14="http://schemas.microsoft.com/office/powerpoint/2010/main" val="1954331717"/>
       </p:ext>
     </p:extLst>
   </p:cSld>
@@ -26073,7 +26987,262 @@
               <a:rPr lang="en-CA" b="1" dirty="0">
                 <a:latin typeface="+mj-lt"/>
               </a:rPr>
-              <a:t>AAAAA</a:t>
+              <a:t>Add More Example Phrases</a:t>
+            </a:r>
+          </a:p>
+        </p:txBody>
+      </p:sp>
+      <p:pic>
+        <p:nvPicPr>
+          <p:cNvPr id="3" name="Picture 2">
+            <a:extLst>
+              <a:ext uri="{FF2B5EF4-FFF2-40B4-BE49-F238E27FC236}">
+                <a16:creationId xmlns:a16="http://schemas.microsoft.com/office/drawing/2014/main" id="{68690E9C-A97A-F4DC-F0E6-6C690996F6D1}"/>
+              </a:ext>
+            </a:extLst>
+          </p:cNvPr>
+          <p:cNvPicPr>
+            <a:picLocks noChangeAspect="1"/>
+          </p:cNvPicPr>
+          <p:nvPr/>
+        </p:nvPicPr>
+        <p:blipFill>
+          <a:blip r:embed="rId2"/>
+          <a:stretch>
+            <a:fillRect/>
+          </a:stretch>
+        </p:blipFill>
+        <p:spPr>
+          <a:xfrm>
+            <a:off x="3094101" y="847024"/>
+            <a:ext cx="6003797" cy="5522012"/>
+          </a:xfrm>
+          <a:prstGeom prst="rect">
+            <a:avLst/>
+          </a:prstGeom>
+          <a:effectLst>
+            <a:outerShdw blurRad="63500" sx="102000" sy="102000" algn="ctr" rotWithShape="0">
+              <a:prstClr val="black">
+                <a:alpha val="40000"/>
+              </a:prstClr>
+            </a:outerShdw>
+          </a:effectLst>
+        </p:spPr>
+      </p:pic>
+      <p:sp>
+        <p:nvSpPr>
+          <p:cNvPr id="4" name="Rectangle 3">
+            <a:extLst>
+              <a:ext uri="{FF2B5EF4-FFF2-40B4-BE49-F238E27FC236}">
+                <a16:creationId xmlns:a16="http://schemas.microsoft.com/office/drawing/2014/main" id="{2B4B231D-9A9A-CAF5-6832-444CAB3115B3}"/>
+              </a:ext>
+            </a:extLst>
+          </p:cNvPr>
+          <p:cNvSpPr/>
+          <p:nvPr/>
+        </p:nvSpPr>
+        <p:spPr>
+          <a:xfrm>
+            <a:off x="3272588" y="2011680"/>
+            <a:ext cx="4167739" cy="442762"/>
+          </a:xfrm>
+          <a:prstGeom prst="rect">
+            <a:avLst/>
+          </a:prstGeom>
+          <a:ln w="28575">
+            <a:solidFill>
+              <a:srgbClr val="1670FF"/>
+            </a:solidFill>
+          </a:ln>
+        </p:spPr>
+        <p:txBody>
+          <a:bodyPr wrap="square" lIns="0" tIns="0" rIns="0" bIns="0" rtlCol="0" anchor="ctr">
+            <a:noAutofit/>
+          </a:bodyPr>
+          <a:lstStyle/>
+          <a:p>
+            <a:pPr algn="ctr"/>
+            <a:endParaRPr lang="en-CA" sz="1200" dirty="0" err="1">
+              <a:solidFill>
+                <a:srgbClr val="FFFFFF"/>
+              </a:solidFill>
+              <a:latin typeface="Arial"/>
+              <a:cs typeface="Arial"/>
+            </a:endParaRPr>
+          </a:p>
+        </p:txBody>
+      </p:sp>
+      <p:cxnSp>
+        <p:nvCxnSpPr>
+          <p:cNvPr id="6" name="Straight Arrow Connector 5">
+            <a:extLst>
+              <a:ext uri="{FF2B5EF4-FFF2-40B4-BE49-F238E27FC236}">
+                <a16:creationId xmlns:a16="http://schemas.microsoft.com/office/drawing/2014/main" id="{8498B6F6-37A4-364A-E589-25A4D1659635}"/>
+              </a:ext>
+            </a:extLst>
+          </p:cNvPr>
+          <p:cNvCxnSpPr>
+            <a:cxnSpLocks/>
+          </p:cNvCxnSpPr>
+          <p:nvPr/>
+        </p:nvCxnSpPr>
+        <p:spPr>
+          <a:xfrm flipH="1">
+            <a:off x="7517331" y="2233061"/>
+            <a:ext cx="1934676" cy="0"/>
+          </a:xfrm>
+          <a:prstGeom prst="straightConnector1">
+            <a:avLst/>
+          </a:prstGeom>
+          <a:ln>
+            <a:solidFill>
+              <a:srgbClr val="1670FF"/>
+            </a:solidFill>
+            <a:tailEnd type="triangle"/>
+          </a:ln>
+          <a:effectLst>
+            <a:outerShdw blurRad="63500" sx="102000" sy="102000" algn="ctr" rotWithShape="0">
+              <a:prstClr val="black">
+                <a:alpha val="40000"/>
+              </a:prstClr>
+            </a:outerShdw>
+          </a:effectLst>
+        </p:spPr>
+        <p:style>
+          <a:lnRef idx="2">
+            <a:schemeClr val="accent1"/>
+          </a:lnRef>
+          <a:fillRef idx="0">
+            <a:schemeClr val="accent1"/>
+          </a:fillRef>
+          <a:effectRef idx="1">
+            <a:schemeClr val="accent1"/>
+          </a:effectRef>
+          <a:fontRef idx="minor">
+            <a:schemeClr val="tx1"/>
+          </a:fontRef>
+        </p:style>
+      </p:cxnSp>
+      <p:sp>
+        <p:nvSpPr>
+          <p:cNvPr id="11" name="TextBox 10">
+            <a:extLst>
+              <a:ext uri="{FF2B5EF4-FFF2-40B4-BE49-F238E27FC236}">
+                <a16:creationId xmlns:a16="http://schemas.microsoft.com/office/drawing/2014/main" id="{D3DB10E5-3146-6392-396A-7703C237927D}"/>
+              </a:ext>
+            </a:extLst>
+          </p:cNvPr>
+          <p:cNvSpPr txBox="1"/>
+          <p:nvPr/>
+        </p:nvSpPr>
+        <p:spPr>
+          <a:xfrm>
+            <a:off x="9413507" y="2048395"/>
+            <a:ext cx="483670" cy="369332"/>
+          </a:xfrm>
+          <a:prstGeom prst="rect">
+            <a:avLst/>
+          </a:prstGeom>
+          <a:noFill/>
+        </p:spPr>
+        <p:txBody>
+          <a:bodyPr wrap="square">
+            <a:spAutoFit/>
+          </a:bodyPr>
+          <a:lstStyle/>
+          <a:p>
+            <a:r>
+              <a:rPr lang="en-CA" dirty="0"/>
+              <a:t>⭐</a:t>
+            </a:r>
+          </a:p>
+        </p:txBody>
+      </p:sp>
+      <p:cxnSp>
+        <p:nvCxnSpPr>
+          <p:cNvPr id="13" name="Straight Arrow Connector 12">
+            <a:extLst>
+              <a:ext uri="{FF2B5EF4-FFF2-40B4-BE49-F238E27FC236}">
+                <a16:creationId xmlns:a16="http://schemas.microsoft.com/office/drawing/2014/main" id="{8AB429D8-091D-9DDA-CB79-7432481D9A6C}"/>
+              </a:ext>
+            </a:extLst>
+          </p:cNvPr>
+          <p:cNvCxnSpPr>
+            <a:cxnSpLocks/>
+            <a:stCxn id="14" idx="1"/>
+          </p:cNvCxnSpPr>
+          <p:nvPr/>
+        </p:nvCxnSpPr>
+        <p:spPr>
+          <a:xfrm flipH="1">
+            <a:off x="8210349" y="3097729"/>
+            <a:ext cx="1241658" cy="0"/>
+          </a:xfrm>
+          <a:prstGeom prst="straightConnector1">
+            <a:avLst/>
+          </a:prstGeom>
+          <a:ln>
+            <a:solidFill>
+              <a:srgbClr val="1670FF"/>
+            </a:solidFill>
+            <a:tailEnd type="triangle"/>
+          </a:ln>
+          <a:effectLst>
+            <a:outerShdw blurRad="63500" sx="102000" sy="102000" algn="ctr" rotWithShape="0">
+              <a:prstClr val="black">
+                <a:alpha val="40000"/>
+              </a:prstClr>
+            </a:outerShdw>
+          </a:effectLst>
+        </p:spPr>
+        <p:style>
+          <a:lnRef idx="2">
+            <a:schemeClr val="accent1"/>
+          </a:lnRef>
+          <a:fillRef idx="0">
+            <a:schemeClr val="accent1"/>
+          </a:fillRef>
+          <a:effectRef idx="1">
+            <a:schemeClr val="accent1"/>
+          </a:effectRef>
+          <a:fontRef idx="minor">
+            <a:schemeClr val="tx1"/>
+          </a:fontRef>
+        </p:style>
+      </p:cxnSp>
+      <p:sp>
+        <p:nvSpPr>
+          <p:cNvPr id="14" name="TextBox 13">
+            <a:extLst>
+              <a:ext uri="{FF2B5EF4-FFF2-40B4-BE49-F238E27FC236}">
+                <a16:creationId xmlns:a16="http://schemas.microsoft.com/office/drawing/2014/main" id="{04DDF428-07D4-4333-485D-431AAA05048B}"/>
+              </a:ext>
+            </a:extLst>
+          </p:cNvPr>
+          <p:cNvSpPr txBox="1"/>
+          <p:nvPr/>
+        </p:nvSpPr>
+        <p:spPr>
+          <a:xfrm>
+            <a:off x="9452007" y="2913063"/>
+            <a:ext cx="287910" cy="369332"/>
+          </a:xfrm>
+          <a:prstGeom prst="rect">
+            <a:avLst/>
+          </a:prstGeom>
+          <a:noFill/>
+        </p:spPr>
+        <p:txBody>
+          <a:bodyPr wrap="square">
+            <a:spAutoFit/>
+          </a:bodyPr>
+          <a:lstStyle/>
+          <a:p>
+            <a:r>
+              <a:rPr lang="en-CA" dirty="0">
+                <a:latin typeface="+mj-lt"/>
+              </a:rPr>
+              <a:t>3</a:t>
             </a:r>
           </a:p>
         </p:txBody>
@@ -26081,7 +27250,7 @@
     </p:spTree>
     <p:extLst>
       <p:ext uri="{BB962C8B-B14F-4D97-AF65-F5344CB8AC3E}">
-        <p14:creationId xmlns:p14="http://schemas.microsoft.com/office/powerpoint/2010/main" val="3083271078"/>
+        <p14:creationId xmlns:p14="http://schemas.microsoft.com/office/powerpoint/2010/main" val="1995336089"/>
       </p:ext>
     </p:extLst>
   </p:cSld>
@@ -26110,10 +27279,10 @@
       </p:grpSpPr>
       <p:sp>
         <p:nvSpPr>
-          <p:cNvPr id="6" name="Title 5">
+          <p:cNvPr id="5" name="Title 4">
             <a:extLst>
               <a:ext uri="{FF2B5EF4-FFF2-40B4-BE49-F238E27FC236}">
-                <a16:creationId xmlns:a16="http://schemas.microsoft.com/office/drawing/2014/main" id="{4ED1E0B2-0440-F85E-027D-40EBDA946C15}"/>
+                <a16:creationId xmlns:a16="http://schemas.microsoft.com/office/drawing/2014/main" id="{E164C9CA-47E7-5B76-54C2-D3CB1CA576C9}"/>
               </a:ext>
             </a:extLst>
           </p:cNvPr>
@@ -26124,36 +27293,142 @@
             <p:ph type="title"/>
           </p:nvPr>
         </p:nvSpPr>
-        <p:spPr>
-          <a:xfrm>
-            <a:off x="990600" y="3207757"/>
-            <a:ext cx="10210800" cy="442486"/>
-          </a:xfrm>
-        </p:spPr>
+        <p:spPr/>
         <p:txBody>
-          <a:bodyPr>
-            <a:noAutofit/>
+          <a:bodyPr/>
+          <a:lstStyle/>
+          <a:p>
+            <a:r>
+              <a:rPr lang="en-CA" b="1" dirty="0">
+                <a:latin typeface="+mj-lt"/>
+              </a:rPr>
+              <a:t>Create First Step</a:t>
+            </a:r>
+          </a:p>
+        </p:txBody>
+      </p:sp>
+      <p:pic>
+        <p:nvPicPr>
+          <p:cNvPr id="8" name="Picture 7">
+            <a:extLst>
+              <a:ext uri="{FF2B5EF4-FFF2-40B4-BE49-F238E27FC236}">
+                <a16:creationId xmlns:a16="http://schemas.microsoft.com/office/drawing/2014/main" id="{6DCC631B-FCE9-E3B0-8095-A9722330E72E}"/>
+              </a:ext>
+            </a:extLst>
+          </p:cNvPr>
+          <p:cNvPicPr>
+            <a:picLocks noChangeAspect="1"/>
+          </p:cNvPicPr>
+          <p:nvPr/>
+        </p:nvPicPr>
+        <p:blipFill>
+          <a:blip r:embed="rId2"/>
+          <a:stretch>
+            <a:fillRect/>
+          </a:stretch>
+        </p:blipFill>
+        <p:spPr>
+          <a:xfrm>
+            <a:off x="1296442" y="1033812"/>
+            <a:ext cx="9599115" cy="5030104"/>
+          </a:xfrm>
+          <a:prstGeom prst="rect">
+            <a:avLst/>
+          </a:prstGeom>
+          <a:effectLst>
+            <a:outerShdw blurRad="63500" sx="102000" sy="102000" algn="ctr" rotWithShape="0">
+              <a:prstClr val="black">
+                <a:alpha val="40000"/>
+              </a:prstClr>
+            </a:outerShdw>
+          </a:effectLst>
+        </p:spPr>
+      </p:pic>
+      <p:cxnSp>
+        <p:nvCxnSpPr>
+          <p:cNvPr id="9" name="Straight Arrow Connector 8">
+            <a:extLst>
+              <a:ext uri="{FF2B5EF4-FFF2-40B4-BE49-F238E27FC236}">
+                <a16:creationId xmlns:a16="http://schemas.microsoft.com/office/drawing/2014/main" id="{9624A099-BE34-9EE7-00AF-FB5EA60E60B6}"/>
+              </a:ext>
+            </a:extLst>
+          </p:cNvPr>
+          <p:cNvCxnSpPr>
+            <a:cxnSpLocks/>
+            <a:stCxn id="10" idx="1"/>
+          </p:cNvCxnSpPr>
+          <p:nvPr/>
+        </p:nvCxnSpPr>
+        <p:spPr>
+          <a:xfrm flipH="1">
+            <a:off x="10558914" y="3921675"/>
+            <a:ext cx="654516" cy="0"/>
+          </a:xfrm>
+          <a:prstGeom prst="straightConnector1">
+            <a:avLst/>
+          </a:prstGeom>
+          <a:ln>
+            <a:solidFill>
+              <a:srgbClr val="1670FF"/>
+            </a:solidFill>
+            <a:tailEnd type="triangle"/>
+          </a:ln>
+          <a:effectLst>
+            <a:outerShdw blurRad="63500" sx="102000" sy="102000" algn="ctr" rotWithShape="0">
+              <a:prstClr val="black">
+                <a:alpha val="40000"/>
+              </a:prstClr>
+            </a:outerShdw>
+          </a:effectLst>
+        </p:spPr>
+        <p:style>
+          <a:lnRef idx="2">
+            <a:schemeClr val="accent1"/>
+          </a:lnRef>
+          <a:fillRef idx="0">
+            <a:schemeClr val="accent1"/>
+          </a:fillRef>
+          <a:effectRef idx="1">
+            <a:schemeClr val="accent1"/>
+          </a:effectRef>
+          <a:fontRef idx="minor">
+            <a:schemeClr val="tx1"/>
+          </a:fontRef>
+        </p:style>
+      </p:cxnSp>
+      <p:sp>
+        <p:nvSpPr>
+          <p:cNvPr id="10" name="TextBox 9">
+            <a:extLst>
+              <a:ext uri="{FF2B5EF4-FFF2-40B4-BE49-F238E27FC236}">
+                <a16:creationId xmlns:a16="http://schemas.microsoft.com/office/drawing/2014/main" id="{4E01CCD3-ADA6-B378-753A-4E2E23800360}"/>
+              </a:ext>
+            </a:extLst>
+          </p:cNvPr>
+          <p:cNvSpPr txBox="1"/>
+          <p:nvPr/>
+        </p:nvSpPr>
+        <p:spPr>
+          <a:xfrm>
+            <a:off x="11213430" y="3737009"/>
+            <a:ext cx="287910" cy="369332"/>
+          </a:xfrm>
+          <a:prstGeom prst="rect">
+            <a:avLst/>
+          </a:prstGeom>
+          <a:noFill/>
+        </p:spPr>
+        <p:txBody>
+          <a:bodyPr wrap="square">
+            <a:spAutoFit/>
           </a:bodyPr>
           <a:lstStyle/>
           <a:p>
-            <a:pPr algn="ctr"/>
-            <a:r>
-              <a:rPr lang="en-US" sz="4500" b="1" dirty="0">
+            <a:r>
+              <a:rPr lang="en-CA" dirty="0">
                 <a:latin typeface="+mj-lt"/>
               </a:rPr>
-              <a:t>Integrate with </a:t>
-            </a:r>
-            <a:r>
-              <a:rPr lang="en-US" sz="4500" b="1" dirty="0" err="1">
-                <a:latin typeface="+mj-lt"/>
-              </a:rPr>
-              <a:t>Watsonx</a:t>
-            </a:r>
-            <a:r>
-              <a:rPr lang="en-US" sz="4500" b="1" dirty="0">
-                <a:latin typeface="+mj-lt"/>
-              </a:rPr>
-              <a:t> Discovery</a:t>
+              <a:t>4</a:t>
             </a:r>
           </a:p>
         </p:txBody>
@@ -26161,7 +27436,7 @@
     </p:spTree>
     <p:extLst>
       <p:ext uri="{BB962C8B-B14F-4D97-AF65-F5344CB8AC3E}">
-        <p14:creationId xmlns:p14="http://schemas.microsoft.com/office/powerpoint/2010/main" val="1027759065"/>
+        <p14:creationId xmlns:p14="http://schemas.microsoft.com/office/powerpoint/2010/main" val="3083271078"/>
       </p:ext>
     </p:extLst>
   </p:cSld>
@@ -26281,7 +27556,7 @@
               <a:rPr lang="en-CA" dirty="0">
                 <a:latin typeface="+mj-lt"/>
               </a:rPr>
-              <a:t>Let’s Build a Chatbot</a:t>
+              <a:t>Terminology You Should Know</a:t>
             </a:r>
           </a:p>
           <a:p>
@@ -26294,16 +27569,51 @@
               <a:rPr lang="en-CA" dirty="0">
                 <a:latin typeface="+mj-lt"/>
               </a:rPr>
+              <a:t>Let’s Build a Chatbot</a:t>
+            </a:r>
+          </a:p>
+          <a:p>
+            <a:endParaRPr lang="en-CA" dirty="0">
+              <a:latin typeface="+mj-lt"/>
+            </a:endParaRPr>
+          </a:p>
+          <a:p>
+            <a:r>
+              <a:rPr lang="en-CA" dirty="0">
+                <a:latin typeface="+mj-lt"/>
+              </a:rPr>
+              <a:t>Refine Your Assistant</a:t>
+            </a:r>
+          </a:p>
+          <a:p>
+            <a:endParaRPr lang="en-CA" dirty="0">
+              <a:latin typeface="+mj-lt"/>
+            </a:endParaRPr>
+          </a:p>
+          <a:p>
+            <a:r>
+              <a:rPr lang="en-CA" dirty="0">
+                <a:highlight>
+                  <a:srgbClr val="FFFF00"/>
+                </a:highlight>
+                <a:latin typeface="+mj-lt"/>
+              </a:rPr>
               <a:t>Integrate with </a:t>
             </a:r>
             <a:r>
               <a:rPr lang="en-CA" dirty="0" err="1">
+                <a:highlight>
+                  <a:srgbClr val="FFFF00"/>
+                </a:highlight>
                 <a:latin typeface="+mj-lt"/>
               </a:rPr>
               <a:t>Watsonx</a:t>
             </a:r>
             <a:r>
               <a:rPr lang="en-CA" dirty="0">
+                <a:highlight>
+                  <a:srgbClr val="FFFF00"/>
+                </a:highlight>
                 <a:latin typeface="+mj-lt"/>
               </a:rPr>
               <a:t> Discovery</a:t>
@@ -26320,22 +27630,6 @@
                 <a:latin typeface="+mj-lt"/>
               </a:rPr>
               <a:t>Integrate with Db2</a:t>
-            </a:r>
-          </a:p>
-          <a:p>
-            <a:pPr marL="0" indent="0">
-              <a:buNone/>
-            </a:pPr>
-            <a:endParaRPr lang="en-CA" dirty="0">
-              <a:latin typeface="+mj-lt"/>
-            </a:endParaRPr>
-          </a:p>
-          <a:p>
-            <a:r>
-              <a:rPr lang="en-CA" dirty="0">
-                <a:latin typeface="+mj-lt"/>
-              </a:rPr>
-              <a:t>Next Steps</a:t>
             </a:r>
           </a:p>
         </p:txBody>
@@ -26395,62 +27689,267 @@
               <a:rPr lang="en-CA" b="1" dirty="0">
                 <a:latin typeface="+mj-lt"/>
               </a:rPr>
-              <a:t>AAAAA</a:t>
+              <a:t>Add Custom Response Options</a:t>
             </a:r>
           </a:p>
         </p:txBody>
       </p:sp>
       <p:pic>
         <p:nvPicPr>
-          <p:cNvPr id="2050" name="Picture 2" descr="High-level archicture">
+          <p:cNvPr id="3" name="Picture 2">
             <a:extLst>
               <a:ext uri="{FF2B5EF4-FFF2-40B4-BE49-F238E27FC236}">
-                <a16:creationId xmlns:a16="http://schemas.microsoft.com/office/drawing/2014/main" id="{342A3BF2-ECCA-352F-A565-78D6131B9432}"/>
+                <a16:creationId xmlns:a16="http://schemas.microsoft.com/office/drawing/2014/main" id="{A47A45A7-D298-F784-1676-DF0B18842000}"/>
               </a:ext>
             </a:extLst>
           </p:cNvPr>
           <p:cNvPicPr>
-            <a:picLocks noChangeAspect="1" noChangeArrowheads="1"/>
+            <a:picLocks noChangeAspect="1"/>
           </p:cNvPicPr>
           <p:nvPr/>
         </p:nvPicPr>
         <p:blipFill>
-          <a:blip r:embed="rId2" cstate="print">
-            <a:extLst>
-              <a:ext uri="{28A0092B-C50C-407E-A947-70E740481C1C}">
-                <a14:useLocalDpi xmlns:a14="http://schemas.microsoft.com/office/drawing/2010/main" val="0"/>
-              </a:ext>
-            </a:extLst>
-          </a:blip>
-          <a:srcRect/>
+          <a:blip r:embed="rId3"/>
           <a:stretch>
             <a:fillRect/>
           </a:stretch>
         </p:blipFill>
-        <p:spPr bwMode="auto">
-          <a:xfrm>
-            <a:off x="2581952" y="2131944"/>
-            <a:ext cx="6817152" cy="3421891"/>
+        <p:spPr>
+          <a:xfrm>
+            <a:off x="686997" y="2085000"/>
+            <a:ext cx="5004740" cy="3169261"/>
+          </a:xfrm>
+          <a:prstGeom prst="rect">
+            <a:avLst/>
+          </a:prstGeom>
+          <a:effectLst>
+            <a:outerShdw blurRad="63500" sx="102000" sy="102000" algn="ctr" rotWithShape="0">
+              <a:prstClr val="black">
+                <a:alpha val="40000"/>
+              </a:prstClr>
+            </a:outerShdw>
+          </a:effectLst>
+        </p:spPr>
+      </p:pic>
+      <p:pic>
+        <p:nvPicPr>
+          <p:cNvPr id="6" name="Picture 5">
+            <a:extLst>
+              <a:ext uri="{FF2B5EF4-FFF2-40B4-BE49-F238E27FC236}">
+                <a16:creationId xmlns:a16="http://schemas.microsoft.com/office/drawing/2014/main" id="{DC43675B-D02B-FEB5-5CED-87173282F56A}"/>
+              </a:ext>
+            </a:extLst>
+          </p:cNvPr>
+          <p:cNvPicPr>
+            <a:picLocks noChangeAspect="1"/>
+          </p:cNvPicPr>
+          <p:nvPr/>
+        </p:nvPicPr>
+        <p:blipFill>
+          <a:blip r:embed="rId4"/>
+          <a:stretch>
+            <a:fillRect/>
+          </a:stretch>
+        </p:blipFill>
+        <p:spPr>
+          <a:xfrm>
+            <a:off x="6134500" y="1422406"/>
+            <a:ext cx="5415783" cy="4494450"/>
+          </a:xfrm>
+          <a:prstGeom prst="rect">
+            <a:avLst/>
+          </a:prstGeom>
+          <a:effectLst>
+            <a:outerShdw blurRad="63500" sx="102000" sy="102000" algn="ctr" rotWithShape="0">
+              <a:prstClr val="black">
+                <a:alpha val="40000"/>
+              </a:prstClr>
+            </a:outerShdw>
+          </a:effectLst>
+        </p:spPr>
+      </p:pic>
+      <p:cxnSp>
+        <p:nvCxnSpPr>
+          <p:cNvPr id="12" name="Straight Arrow Connector 11">
+            <a:extLst>
+              <a:ext uri="{FF2B5EF4-FFF2-40B4-BE49-F238E27FC236}">
+                <a16:creationId xmlns:a16="http://schemas.microsoft.com/office/drawing/2014/main" id="{8263B6A7-775E-0503-B928-30D15BB28B6E}"/>
+              </a:ext>
+            </a:extLst>
+          </p:cNvPr>
+          <p:cNvCxnSpPr>
+            <a:cxnSpLocks/>
+            <a:stCxn id="13" idx="3"/>
+          </p:cNvCxnSpPr>
+          <p:nvPr/>
+        </p:nvCxnSpPr>
+        <p:spPr>
+          <a:xfrm>
+            <a:off x="446791" y="2925263"/>
+            <a:ext cx="380979" cy="0"/>
+          </a:xfrm>
+          <a:prstGeom prst="straightConnector1">
+            <a:avLst/>
+          </a:prstGeom>
+          <a:ln>
+            <a:solidFill>
+              <a:srgbClr val="1670FF"/>
+            </a:solidFill>
+            <a:tailEnd type="triangle"/>
+          </a:ln>
+          <a:effectLst>
+            <a:outerShdw blurRad="63500" sx="102000" sy="102000" algn="ctr" rotWithShape="0">
+              <a:prstClr val="black">
+                <a:alpha val="40000"/>
+              </a:prstClr>
+            </a:outerShdw>
+          </a:effectLst>
+        </p:spPr>
+        <p:style>
+          <a:lnRef idx="2">
+            <a:schemeClr val="accent1"/>
+          </a:lnRef>
+          <a:fillRef idx="0">
+            <a:schemeClr val="accent1"/>
+          </a:fillRef>
+          <a:effectRef idx="1">
+            <a:schemeClr val="accent1"/>
+          </a:effectRef>
+          <a:fontRef idx="minor">
+            <a:schemeClr val="tx1"/>
+          </a:fontRef>
+        </p:style>
+      </p:cxnSp>
+      <p:sp>
+        <p:nvSpPr>
+          <p:cNvPr id="13" name="TextBox 12">
+            <a:extLst>
+              <a:ext uri="{FF2B5EF4-FFF2-40B4-BE49-F238E27FC236}">
+                <a16:creationId xmlns:a16="http://schemas.microsoft.com/office/drawing/2014/main" id="{41554BE7-FCE5-A60C-96D3-DB382BB38E49}"/>
+              </a:ext>
+            </a:extLst>
+          </p:cNvPr>
+          <p:cNvSpPr txBox="1"/>
+          <p:nvPr/>
+        </p:nvSpPr>
+        <p:spPr>
+          <a:xfrm>
+            <a:off x="158881" y="2740597"/>
+            <a:ext cx="287910" cy="369332"/>
           </a:xfrm>
           <a:prstGeom prst="rect">
             <a:avLst/>
           </a:prstGeom>
           <a:noFill/>
-          <a:extLst>
-            <a:ext uri="{909E8E84-426E-40DD-AFC4-6F175D3DCCD1}">
-              <a14:hiddenFill xmlns:a14="http://schemas.microsoft.com/office/drawing/2010/main">
-                <a:solidFill>
-                  <a:srgbClr val="FFFFFF"/>
-                </a:solidFill>
-              </a14:hiddenFill>
-            </a:ext>
-          </a:extLst>
-        </p:spPr>
-      </p:pic>
+        </p:spPr>
+        <p:txBody>
+          <a:bodyPr wrap="square">
+            <a:spAutoFit/>
+          </a:bodyPr>
+          <a:lstStyle/>
+          <a:p>
+            <a:r>
+              <a:rPr lang="en-CA" dirty="0">
+                <a:latin typeface="+mj-lt"/>
+              </a:rPr>
+              <a:t>5</a:t>
+            </a:r>
+          </a:p>
+        </p:txBody>
+      </p:sp>
+      <p:cxnSp>
+        <p:nvCxnSpPr>
+          <p:cNvPr id="14" name="Straight Arrow Connector 13">
+            <a:extLst>
+              <a:ext uri="{FF2B5EF4-FFF2-40B4-BE49-F238E27FC236}">
+                <a16:creationId xmlns:a16="http://schemas.microsoft.com/office/drawing/2014/main" id="{9FA55470-3CAE-58FB-7BF6-6C266C47CC02}"/>
+              </a:ext>
+            </a:extLst>
+          </p:cNvPr>
+          <p:cNvCxnSpPr>
+            <a:cxnSpLocks/>
+            <a:stCxn id="15" idx="1"/>
+          </p:cNvCxnSpPr>
+          <p:nvPr/>
+        </p:nvCxnSpPr>
+        <p:spPr>
+          <a:xfrm flipH="1">
+            <a:off x="8585732" y="2779097"/>
+            <a:ext cx="3119404" cy="0"/>
+          </a:xfrm>
+          <a:prstGeom prst="straightConnector1">
+            <a:avLst/>
+          </a:prstGeom>
+          <a:ln>
+            <a:solidFill>
+              <a:srgbClr val="1670FF"/>
+            </a:solidFill>
+            <a:tailEnd type="triangle"/>
+          </a:ln>
+          <a:effectLst>
+            <a:outerShdw blurRad="63500" sx="102000" sy="102000" algn="ctr" rotWithShape="0">
+              <a:prstClr val="black">
+                <a:alpha val="40000"/>
+              </a:prstClr>
+            </a:outerShdw>
+          </a:effectLst>
+        </p:spPr>
+        <p:style>
+          <a:lnRef idx="2">
+            <a:schemeClr val="accent1"/>
+          </a:lnRef>
+          <a:fillRef idx="0">
+            <a:schemeClr val="accent1"/>
+          </a:fillRef>
+          <a:effectRef idx="1">
+            <a:schemeClr val="accent1"/>
+          </a:effectRef>
+          <a:fontRef idx="minor">
+            <a:schemeClr val="tx1"/>
+          </a:fontRef>
+        </p:style>
+      </p:cxnSp>
+      <p:sp>
+        <p:nvSpPr>
+          <p:cNvPr id="15" name="TextBox 14">
+            <a:extLst>
+              <a:ext uri="{FF2B5EF4-FFF2-40B4-BE49-F238E27FC236}">
+                <a16:creationId xmlns:a16="http://schemas.microsoft.com/office/drawing/2014/main" id="{4AB58B5A-2201-FC80-846D-352676ADB62A}"/>
+              </a:ext>
+            </a:extLst>
+          </p:cNvPr>
+          <p:cNvSpPr txBox="1"/>
+          <p:nvPr/>
+        </p:nvSpPr>
+        <p:spPr>
+          <a:xfrm>
+            <a:off x="11705136" y="2594431"/>
+            <a:ext cx="287910" cy="369332"/>
+          </a:xfrm>
+          <a:prstGeom prst="rect">
+            <a:avLst/>
+          </a:prstGeom>
+          <a:noFill/>
+        </p:spPr>
+        <p:txBody>
+          <a:bodyPr wrap="square">
+            <a:spAutoFit/>
+          </a:bodyPr>
+          <a:lstStyle/>
+          <a:p>
+            <a:r>
+              <a:rPr lang="en-CA" dirty="0">
+                <a:latin typeface="+mj-lt"/>
+              </a:rPr>
+              <a:t>6</a:t>
+            </a:r>
+          </a:p>
+        </p:txBody>
+      </p:sp>
     </p:spTree>
     <p:extLst>
       <p:ext uri="{BB962C8B-B14F-4D97-AF65-F5344CB8AC3E}">
-        <p14:creationId xmlns:p14="http://schemas.microsoft.com/office/powerpoint/2010/main" val="1213342565"/>
+        <p14:creationId xmlns:p14="http://schemas.microsoft.com/office/powerpoint/2010/main" val="2114230146"/>
       </p:ext>
     </p:extLst>
   </p:cSld>
@@ -26502,15 +28001,52 @@
               <a:rPr lang="en-CA" b="1" dirty="0">
                 <a:latin typeface="+mj-lt"/>
               </a:rPr>
-              <a:t>AAAAA</a:t>
+              <a:t>Preview Your Action</a:t>
             </a:r>
           </a:p>
         </p:txBody>
       </p:sp>
+      <p:pic>
+        <p:nvPicPr>
+          <p:cNvPr id="3" name="Picture 2">
+            <a:extLst>
+              <a:ext uri="{FF2B5EF4-FFF2-40B4-BE49-F238E27FC236}">
+                <a16:creationId xmlns:a16="http://schemas.microsoft.com/office/drawing/2014/main" id="{90744AE2-6CF0-7B26-C2C9-7F01B3205A75}"/>
+              </a:ext>
+            </a:extLst>
+          </p:cNvPr>
+          <p:cNvPicPr>
+            <a:picLocks noChangeAspect="1"/>
+          </p:cNvPicPr>
+          <p:nvPr/>
+        </p:nvPicPr>
+        <p:blipFill>
+          <a:blip r:embed="rId2"/>
+          <a:stretch>
+            <a:fillRect/>
+          </a:stretch>
+        </p:blipFill>
+        <p:spPr>
+          <a:xfrm>
+            <a:off x="4226532" y="972152"/>
+            <a:ext cx="3738936" cy="5478170"/>
+          </a:xfrm>
+          <a:prstGeom prst="rect">
+            <a:avLst/>
+          </a:prstGeom>
+          <a:effectLst>
+            <a:outerShdw blurRad="63500" sx="102000" sy="102000" algn="ctr" rotWithShape="0">
+              <a:prstClr val="black">
+                <a:alpha val="40000"/>
+              </a:prstClr>
+            </a:outerShdw>
+          </a:effectLst>
+        </p:spPr>
+      </p:pic>
     </p:spTree>
     <p:extLst>
       <p:ext uri="{BB962C8B-B14F-4D97-AF65-F5344CB8AC3E}">
-        <p14:creationId xmlns:p14="http://schemas.microsoft.com/office/powerpoint/2010/main" val="2789412019"/>
+        <p14:creationId xmlns:p14="http://schemas.microsoft.com/office/powerpoint/2010/main" val="3839877947"/>
       </p:ext>
     </p:extLst>
   </p:cSld>
@@ -26537,12 +28073,49 @@
           <a:chExt cx="0" cy="0"/>
         </a:xfrm>
       </p:grpSpPr>
+      <p:pic>
+        <p:nvPicPr>
+          <p:cNvPr id="3" name="Picture 2">
+            <a:extLst>
+              <a:ext uri="{FF2B5EF4-FFF2-40B4-BE49-F238E27FC236}">
+                <a16:creationId xmlns:a16="http://schemas.microsoft.com/office/drawing/2014/main" id="{2A232238-5EB4-092E-6CE3-95D050A67BEA}"/>
+              </a:ext>
+            </a:extLst>
+          </p:cNvPr>
+          <p:cNvPicPr>
+            <a:picLocks noChangeAspect="1"/>
+          </p:cNvPicPr>
+          <p:nvPr/>
+        </p:nvPicPr>
+        <p:blipFill>
+          <a:blip r:embed="rId2"/>
+          <a:stretch>
+            <a:fillRect/>
+          </a:stretch>
+        </p:blipFill>
+        <p:spPr>
+          <a:xfrm>
+            <a:off x="1997264" y="959929"/>
+            <a:ext cx="8197472" cy="5452700"/>
+          </a:xfrm>
+          <a:prstGeom prst="rect">
+            <a:avLst/>
+          </a:prstGeom>
+          <a:effectLst>
+            <a:outerShdw blurRad="63500" sx="102000" sy="102000" algn="ctr" rotWithShape="0">
+              <a:prstClr val="black">
+                <a:alpha val="40000"/>
+              </a:prstClr>
+            </a:outerShdw>
+          </a:effectLst>
+        </p:spPr>
+      </p:pic>
       <p:sp>
         <p:nvSpPr>
-          <p:cNvPr id="6" name="Title 5">
+          <p:cNvPr id="5" name="Title 4">
             <a:extLst>
               <a:ext uri="{FF2B5EF4-FFF2-40B4-BE49-F238E27FC236}">
-                <a16:creationId xmlns:a16="http://schemas.microsoft.com/office/drawing/2014/main" id="{4ED1E0B2-0440-F85E-027D-40EBDA946C15}"/>
+                <a16:creationId xmlns:a16="http://schemas.microsoft.com/office/drawing/2014/main" id="{E164C9CA-47E7-5B76-54C2-D3CB1CA576C9}"/>
               </a:ext>
             </a:extLst>
           </p:cNvPr>
@@ -26553,24 +28126,194 @@
             <p:ph type="title"/>
           </p:nvPr>
         </p:nvSpPr>
-        <p:spPr>
-          <a:xfrm>
-            <a:off x="990600" y="3207757"/>
-            <a:ext cx="10210800" cy="442486"/>
-          </a:xfrm>
-        </p:spPr>
+        <p:spPr/>
         <p:txBody>
-          <a:bodyPr>
-            <a:noAutofit/>
+          <a:bodyPr/>
+          <a:lstStyle/>
+          <a:p>
+            <a:r>
+              <a:rPr lang="en-CA" b="1" dirty="0">
+                <a:latin typeface="+mj-lt"/>
+              </a:rPr>
+              <a:t>Create Another Clarification Step</a:t>
+            </a:r>
+          </a:p>
+        </p:txBody>
+      </p:sp>
+      <p:cxnSp>
+        <p:nvCxnSpPr>
+          <p:cNvPr id="9" name="Straight Arrow Connector 8">
+            <a:extLst>
+              <a:ext uri="{FF2B5EF4-FFF2-40B4-BE49-F238E27FC236}">
+                <a16:creationId xmlns:a16="http://schemas.microsoft.com/office/drawing/2014/main" id="{9624A099-BE34-9EE7-00AF-FB5EA60E60B6}"/>
+              </a:ext>
+            </a:extLst>
+          </p:cNvPr>
+          <p:cNvCxnSpPr>
+            <a:cxnSpLocks/>
+            <a:stCxn id="10" idx="1"/>
+          </p:cNvCxnSpPr>
+          <p:nvPr/>
+        </p:nvCxnSpPr>
+        <p:spPr>
+          <a:xfrm flipH="1">
+            <a:off x="9832147" y="2737768"/>
+            <a:ext cx="654516" cy="0"/>
+          </a:xfrm>
+          <a:prstGeom prst="straightConnector1">
+            <a:avLst/>
+          </a:prstGeom>
+          <a:ln>
+            <a:solidFill>
+              <a:srgbClr val="1670FF"/>
+            </a:solidFill>
+            <a:tailEnd type="triangle"/>
+          </a:ln>
+          <a:effectLst>
+            <a:outerShdw blurRad="63500" sx="102000" sy="102000" algn="ctr" rotWithShape="0">
+              <a:prstClr val="black">
+                <a:alpha val="40000"/>
+              </a:prstClr>
+            </a:outerShdw>
+          </a:effectLst>
+        </p:spPr>
+        <p:style>
+          <a:lnRef idx="2">
+            <a:schemeClr val="accent1"/>
+          </a:lnRef>
+          <a:fillRef idx="0">
+            <a:schemeClr val="accent1"/>
+          </a:fillRef>
+          <a:effectRef idx="1">
+            <a:schemeClr val="accent1"/>
+          </a:effectRef>
+          <a:fontRef idx="minor">
+            <a:schemeClr val="tx1"/>
+          </a:fontRef>
+        </p:style>
+      </p:cxnSp>
+      <p:sp>
+        <p:nvSpPr>
+          <p:cNvPr id="10" name="TextBox 9">
+            <a:extLst>
+              <a:ext uri="{FF2B5EF4-FFF2-40B4-BE49-F238E27FC236}">
+                <a16:creationId xmlns:a16="http://schemas.microsoft.com/office/drawing/2014/main" id="{4E01CCD3-ADA6-B378-753A-4E2E23800360}"/>
+              </a:ext>
+            </a:extLst>
+          </p:cNvPr>
+          <p:cNvSpPr txBox="1"/>
+          <p:nvPr/>
+        </p:nvSpPr>
+        <p:spPr>
+          <a:xfrm>
+            <a:off x="10486663" y="2553102"/>
+            <a:ext cx="287910" cy="369332"/>
+          </a:xfrm>
+          <a:prstGeom prst="rect">
+            <a:avLst/>
+          </a:prstGeom>
+          <a:noFill/>
+        </p:spPr>
+        <p:txBody>
+          <a:bodyPr wrap="square">
+            <a:spAutoFit/>
           </a:bodyPr>
           <a:lstStyle/>
           <a:p>
-            <a:pPr algn="ctr"/>
-            <a:r>
-              <a:rPr lang="en-US" sz="4500" b="1" dirty="0">
+            <a:r>
+              <a:rPr lang="en-CA" dirty="0">
                 <a:latin typeface="+mj-lt"/>
               </a:rPr>
-              <a:t>Integrate with Db2</a:t>
+              <a:t>7</a:t>
+            </a:r>
+          </a:p>
+        </p:txBody>
+      </p:sp>
+      <p:cxnSp>
+        <p:nvCxnSpPr>
+          <p:cNvPr id="7" name="Straight Arrow Connector 6">
+            <a:extLst>
+              <a:ext uri="{FF2B5EF4-FFF2-40B4-BE49-F238E27FC236}">
+                <a16:creationId xmlns:a16="http://schemas.microsoft.com/office/drawing/2014/main" id="{4DC38F18-7E62-CD8D-3A98-F83737E642A5}"/>
+              </a:ext>
+            </a:extLst>
+          </p:cNvPr>
+          <p:cNvCxnSpPr>
+            <a:cxnSpLocks/>
+            <a:stCxn id="8" idx="3"/>
+          </p:cNvCxnSpPr>
+          <p:nvPr/>
+        </p:nvCxnSpPr>
+        <p:spPr>
+          <a:xfrm>
+            <a:off x="1664410" y="5090945"/>
+            <a:ext cx="2926841" cy="0"/>
+          </a:xfrm>
+          <a:prstGeom prst="straightConnector1">
+            <a:avLst/>
+          </a:prstGeom>
+          <a:ln>
+            <a:solidFill>
+              <a:srgbClr val="1670FF"/>
+            </a:solidFill>
+            <a:tailEnd type="triangle"/>
+          </a:ln>
+          <a:effectLst>
+            <a:outerShdw blurRad="63500" sx="102000" sy="102000" algn="ctr" rotWithShape="0">
+              <a:prstClr val="black">
+                <a:alpha val="40000"/>
+              </a:prstClr>
+            </a:outerShdw>
+          </a:effectLst>
+        </p:spPr>
+        <p:style>
+          <a:lnRef idx="2">
+            <a:schemeClr val="accent1"/>
+          </a:lnRef>
+          <a:fillRef idx="0">
+            <a:schemeClr val="accent1"/>
+          </a:fillRef>
+          <a:effectRef idx="1">
+            <a:schemeClr val="accent1"/>
+          </a:effectRef>
+          <a:fontRef idx="minor">
+            <a:schemeClr val="tx1"/>
+          </a:fontRef>
+        </p:style>
+      </p:cxnSp>
+      <p:sp>
+        <p:nvSpPr>
+          <p:cNvPr id="8" name="TextBox 7">
+            <a:extLst>
+              <a:ext uri="{FF2B5EF4-FFF2-40B4-BE49-F238E27FC236}">
+                <a16:creationId xmlns:a16="http://schemas.microsoft.com/office/drawing/2014/main" id="{99B52097-2075-1889-A85A-810E70E60BEA}"/>
+              </a:ext>
+            </a:extLst>
+          </p:cNvPr>
+          <p:cNvSpPr txBox="1"/>
+          <p:nvPr/>
+        </p:nvSpPr>
+        <p:spPr>
+          <a:xfrm>
+            <a:off x="1376500" y="4906279"/>
+            <a:ext cx="287910" cy="369332"/>
+          </a:xfrm>
+          <a:prstGeom prst="rect">
+            <a:avLst/>
+          </a:prstGeom>
+          <a:noFill/>
+        </p:spPr>
+        <p:txBody>
+          <a:bodyPr wrap="square">
+            <a:spAutoFit/>
+          </a:bodyPr>
+          <a:lstStyle/>
+          <a:p>
+            <a:r>
+              <a:rPr lang="en-CA" dirty="0">
+                <a:latin typeface="+mj-lt"/>
+              </a:rPr>
+              <a:t>8</a:t>
             </a:r>
           </a:p>
         </p:txBody>
@@ -26578,7 +28321,7 @@
     </p:spTree>
     <p:extLst>
       <p:ext uri="{BB962C8B-B14F-4D97-AF65-F5344CB8AC3E}">
-        <p14:creationId xmlns:p14="http://schemas.microsoft.com/office/powerpoint/2010/main" val="2669331647"/>
+        <p14:creationId xmlns:p14="http://schemas.microsoft.com/office/powerpoint/2010/main" val="2279517942"/>
       </p:ext>
     </p:extLst>
   </p:cSld>
@@ -26605,6 +28348,43 @@
           <a:chExt cx="0" cy="0"/>
         </a:xfrm>
       </p:grpSpPr>
+      <p:pic>
+        <p:nvPicPr>
+          <p:cNvPr id="3" name="Picture 2">
+            <a:extLst>
+              <a:ext uri="{FF2B5EF4-FFF2-40B4-BE49-F238E27FC236}">
+                <a16:creationId xmlns:a16="http://schemas.microsoft.com/office/drawing/2014/main" id="{6C971E81-EF48-709B-7C7C-998CC3E8E720}"/>
+              </a:ext>
+            </a:extLst>
+          </p:cNvPr>
+          <p:cNvPicPr>
+            <a:picLocks noChangeAspect="1"/>
+          </p:cNvPicPr>
+          <p:nvPr/>
+        </p:nvPicPr>
+        <p:blipFill>
+          <a:blip r:embed="rId2"/>
+          <a:stretch>
+            <a:fillRect/>
+          </a:stretch>
+        </p:blipFill>
+        <p:spPr>
+          <a:xfrm>
+            <a:off x="2128016" y="1679062"/>
+            <a:ext cx="7935968" cy="3499876"/>
+          </a:xfrm>
+          <a:prstGeom prst="rect">
+            <a:avLst/>
+          </a:prstGeom>
+          <a:effectLst>
+            <a:outerShdw blurRad="63500" sx="102000" sy="102000" algn="ctr" rotWithShape="0">
+              <a:prstClr val="black">
+                <a:alpha val="40000"/>
+              </a:prstClr>
+            </a:outerShdw>
+          </a:effectLst>
+        </p:spPr>
+      </p:pic>
       <p:sp>
         <p:nvSpPr>
           <p:cNvPr id="5" name="Title 4">
@@ -26630,7 +28410,185 @@
               <a:rPr lang="en-CA" b="1" dirty="0">
                 <a:latin typeface="+mj-lt"/>
               </a:rPr>
-              <a:t>AAAAA</a:t>
+              <a:t>Add Condition</a:t>
+            </a:r>
+          </a:p>
+        </p:txBody>
+      </p:sp>
+      <p:cxnSp>
+        <p:nvCxnSpPr>
+          <p:cNvPr id="9" name="Straight Arrow Connector 8">
+            <a:extLst>
+              <a:ext uri="{FF2B5EF4-FFF2-40B4-BE49-F238E27FC236}">
+                <a16:creationId xmlns:a16="http://schemas.microsoft.com/office/drawing/2014/main" id="{9624A099-BE34-9EE7-00AF-FB5EA60E60B6}"/>
+              </a:ext>
+            </a:extLst>
+          </p:cNvPr>
+          <p:cNvCxnSpPr>
+            <a:cxnSpLocks/>
+            <a:stCxn id="10" idx="1"/>
+          </p:cNvCxnSpPr>
+          <p:nvPr/>
+        </p:nvCxnSpPr>
+        <p:spPr>
+          <a:xfrm flipH="1">
+            <a:off x="9914022" y="3507789"/>
+            <a:ext cx="442761" cy="0"/>
+          </a:xfrm>
+          <a:prstGeom prst="straightConnector1">
+            <a:avLst/>
+          </a:prstGeom>
+          <a:ln>
+            <a:solidFill>
+              <a:srgbClr val="1670FF"/>
+            </a:solidFill>
+            <a:tailEnd type="triangle"/>
+          </a:ln>
+          <a:effectLst>
+            <a:outerShdw blurRad="63500" sx="102000" sy="102000" algn="ctr" rotWithShape="0">
+              <a:prstClr val="black">
+                <a:alpha val="40000"/>
+              </a:prstClr>
+            </a:outerShdw>
+          </a:effectLst>
+        </p:spPr>
+        <p:style>
+          <a:lnRef idx="2">
+            <a:schemeClr val="accent1"/>
+          </a:lnRef>
+          <a:fillRef idx="0">
+            <a:schemeClr val="accent1"/>
+          </a:fillRef>
+          <a:effectRef idx="1">
+            <a:schemeClr val="accent1"/>
+          </a:effectRef>
+          <a:fontRef idx="minor">
+            <a:schemeClr val="tx1"/>
+          </a:fontRef>
+        </p:style>
+      </p:cxnSp>
+      <p:sp>
+        <p:nvSpPr>
+          <p:cNvPr id="10" name="TextBox 9">
+            <a:extLst>
+              <a:ext uri="{FF2B5EF4-FFF2-40B4-BE49-F238E27FC236}">
+                <a16:creationId xmlns:a16="http://schemas.microsoft.com/office/drawing/2014/main" id="{4E01CCD3-ADA6-B378-753A-4E2E23800360}"/>
+              </a:ext>
+            </a:extLst>
+          </p:cNvPr>
+          <p:cNvSpPr txBox="1"/>
+          <p:nvPr/>
+        </p:nvSpPr>
+        <p:spPr>
+          <a:xfrm>
+            <a:off x="10356783" y="3323123"/>
+            <a:ext cx="462013" cy="369332"/>
+          </a:xfrm>
+          <a:prstGeom prst="rect">
+            <a:avLst/>
+          </a:prstGeom>
+          <a:noFill/>
+        </p:spPr>
+        <p:txBody>
+          <a:bodyPr wrap="square">
+            <a:spAutoFit/>
+          </a:bodyPr>
+          <a:lstStyle/>
+          <a:p>
+            <a:r>
+              <a:rPr lang="en-CA" dirty="0">
+                <a:latin typeface="+mj-lt"/>
+              </a:rPr>
+              <a:t>10</a:t>
+            </a:r>
+          </a:p>
+        </p:txBody>
+      </p:sp>
+      <p:cxnSp>
+        <p:nvCxnSpPr>
+          <p:cNvPr id="6" name="Straight Arrow Connector 5">
+            <a:extLst>
+              <a:ext uri="{FF2B5EF4-FFF2-40B4-BE49-F238E27FC236}">
+                <a16:creationId xmlns:a16="http://schemas.microsoft.com/office/drawing/2014/main" id="{8E61CDCD-FD22-164A-78D0-A3EB55D01717}"/>
+              </a:ext>
+            </a:extLst>
+          </p:cNvPr>
+          <p:cNvCxnSpPr>
+            <a:cxnSpLocks/>
+            <a:stCxn id="7" idx="3"/>
+          </p:cNvCxnSpPr>
+          <p:nvPr/>
+        </p:nvCxnSpPr>
+        <p:spPr>
+          <a:xfrm>
+            <a:off x="1844842" y="2241870"/>
+            <a:ext cx="380979" cy="0"/>
+          </a:xfrm>
+          <a:prstGeom prst="straightConnector1">
+            <a:avLst/>
+          </a:prstGeom>
+          <a:ln>
+            <a:solidFill>
+              <a:srgbClr val="1670FF"/>
+            </a:solidFill>
+            <a:tailEnd type="triangle"/>
+          </a:ln>
+          <a:effectLst>
+            <a:outerShdw blurRad="63500" sx="102000" sy="102000" algn="ctr" rotWithShape="0">
+              <a:prstClr val="black">
+                <a:alpha val="40000"/>
+              </a:prstClr>
+            </a:outerShdw>
+          </a:effectLst>
+        </p:spPr>
+        <p:style>
+          <a:lnRef idx="2">
+            <a:schemeClr val="accent1"/>
+          </a:lnRef>
+          <a:fillRef idx="0">
+            <a:schemeClr val="accent1"/>
+          </a:fillRef>
+          <a:effectRef idx="1">
+            <a:schemeClr val="accent1"/>
+          </a:effectRef>
+          <a:fontRef idx="minor">
+            <a:schemeClr val="tx1"/>
+          </a:fontRef>
+        </p:style>
+      </p:cxnSp>
+      <p:sp>
+        <p:nvSpPr>
+          <p:cNvPr id="7" name="TextBox 6">
+            <a:extLst>
+              <a:ext uri="{FF2B5EF4-FFF2-40B4-BE49-F238E27FC236}">
+                <a16:creationId xmlns:a16="http://schemas.microsoft.com/office/drawing/2014/main" id="{9C1B3202-1F25-A7F3-F938-A6A6FA847CB0}"/>
+              </a:ext>
+            </a:extLst>
+          </p:cNvPr>
+          <p:cNvSpPr txBox="1"/>
+          <p:nvPr/>
+        </p:nvSpPr>
+        <p:spPr>
+          <a:xfrm>
+            <a:off x="1556932" y="2057204"/>
+            <a:ext cx="287910" cy="369332"/>
+          </a:xfrm>
+          <a:prstGeom prst="rect">
+            <a:avLst/>
+          </a:prstGeom>
+          <a:noFill/>
+        </p:spPr>
+        <p:txBody>
+          <a:bodyPr wrap="square">
+            <a:spAutoFit/>
+          </a:bodyPr>
+          <a:lstStyle/>
+          <a:p>
+            <a:r>
+              <a:rPr lang="en-CA" dirty="0">
+                <a:latin typeface="+mj-lt"/>
+              </a:rPr>
+              <a:t>9</a:t>
             </a:r>
           </a:p>
         </p:txBody>
@@ -26638,7 +28596,7 @@
     </p:spTree>
     <p:extLst>
       <p:ext uri="{BB962C8B-B14F-4D97-AF65-F5344CB8AC3E}">
-        <p14:creationId xmlns:p14="http://schemas.microsoft.com/office/powerpoint/2010/main" val="2651884429"/>
+        <p14:creationId xmlns:p14="http://schemas.microsoft.com/office/powerpoint/2010/main" val="1748263588"/>
       </p:ext>
     </p:extLst>
   </p:cSld>
@@ -26690,17 +28648,17 @@
               <a:rPr lang="en-CA" b="1" dirty="0">
                 <a:latin typeface="+mj-lt"/>
               </a:rPr>
-              <a:t>Assistant Architecture</a:t>
+              <a:t>Create an Agent Handoff Step</a:t>
             </a:r>
           </a:p>
         </p:txBody>
       </p:sp>
       <p:pic>
         <p:nvPicPr>
-          <p:cNvPr id="6" name="Picture 5">
+          <p:cNvPr id="3" name="Picture 2">
             <a:extLst>
               <a:ext uri="{FF2B5EF4-FFF2-40B4-BE49-F238E27FC236}">
-                <a16:creationId xmlns:a16="http://schemas.microsoft.com/office/drawing/2014/main" id="{0A3A6916-BCFF-0945-141B-A3A190D7DBC5}"/>
+                <a16:creationId xmlns:a16="http://schemas.microsoft.com/office/drawing/2014/main" id="{FD8891CA-E310-3D78-E3F9-3EB05F0F92AF}"/>
               </a:ext>
             </a:extLst>
           </p:cNvPr>
@@ -26717,18 +28675,203 @@
         </p:blipFill>
         <p:spPr>
           <a:xfrm>
-            <a:off x="425908" y="1239520"/>
-            <a:ext cx="11411303" cy="4709160"/>
+            <a:off x="1665171" y="893857"/>
+            <a:ext cx="8393230" cy="5587136"/>
           </a:xfrm>
           <a:prstGeom prst="rect">
             <a:avLst/>
           </a:prstGeom>
+          <a:effectLst>
+            <a:outerShdw blurRad="63500" sx="102000" sy="102000" algn="ctr" rotWithShape="0">
+              <a:prstClr val="black">
+                <a:alpha val="40000"/>
+              </a:prstClr>
+            </a:outerShdw>
+          </a:effectLst>
         </p:spPr>
       </p:pic>
+      <p:cxnSp>
+        <p:nvCxnSpPr>
+          <p:cNvPr id="4" name="Straight Arrow Connector 3">
+            <a:extLst>
+              <a:ext uri="{FF2B5EF4-FFF2-40B4-BE49-F238E27FC236}">
+                <a16:creationId xmlns:a16="http://schemas.microsoft.com/office/drawing/2014/main" id="{EE918425-D6AB-94B2-E959-38DE6921574E}"/>
+              </a:ext>
+            </a:extLst>
+          </p:cNvPr>
+          <p:cNvCxnSpPr>
+            <a:cxnSpLocks/>
+            <a:stCxn id="6" idx="1"/>
+          </p:cNvCxnSpPr>
+          <p:nvPr/>
+        </p:nvCxnSpPr>
+        <p:spPr>
+          <a:xfrm flipH="1">
+            <a:off x="9812895" y="4393314"/>
+            <a:ext cx="442761" cy="0"/>
+          </a:xfrm>
+          <a:prstGeom prst="straightConnector1">
+            <a:avLst/>
+          </a:prstGeom>
+          <a:ln>
+            <a:solidFill>
+              <a:srgbClr val="1670FF"/>
+            </a:solidFill>
+            <a:tailEnd type="triangle"/>
+          </a:ln>
+          <a:effectLst>
+            <a:outerShdw blurRad="63500" sx="102000" sy="102000" algn="ctr" rotWithShape="0">
+              <a:prstClr val="black">
+                <a:alpha val="40000"/>
+              </a:prstClr>
+            </a:outerShdw>
+          </a:effectLst>
+        </p:spPr>
+        <p:style>
+          <a:lnRef idx="2">
+            <a:schemeClr val="accent1"/>
+          </a:lnRef>
+          <a:fillRef idx="0">
+            <a:schemeClr val="accent1"/>
+          </a:fillRef>
+          <a:effectRef idx="1">
+            <a:schemeClr val="accent1"/>
+          </a:effectRef>
+          <a:fontRef idx="minor">
+            <a:schemeClr val="tx1"/>
+          </a:fontRef>
+        </p:style>
+      </p:cxnSp>
+      <p:sp>
+        <p:nvSpPr>
+          <p:cNvPr id="6" name="TextBox 5">
+            <a:extLst>
+              <a:ext uri="{FF2B5EF4-FFF2-40B4-BE49-F238E27FC236}">
+                <a16:creationId xmlns:a16="http://schemas.microsoft.com/office/drawing/2014/main" id="{A7DE4B8E-4FEB-9D3B-5875-49AFA5971292}"/>
+              </a:ext>
+            </a:extLst>
+          </p:cNvPr>
+          <p:cNvSpPr txBox="1"/>
+          <p:nvPr/>
+        </p:nvSpPr>
+        <p:spPr>
+          <a:xfrm>
+            <a:off x="10255656" y="4208648"/>
+            <a:ext cx="462013" cy="369332"/>
+          </a:xfrm>
+          <a:prstGeom prst="rect">
+            <a:avLst/>
+          </a:prstGeom>
+          <a:noFill/>
+        </p:spPr>
+        <p:txBody>
+          <a:bodyPr wrap="square">
+            <a:spAutoFit/>
+          </a:bodyPr>
+          <a:lstStyle/>
+          <a:p>
+            <a:r>
+              <a:rPr lang="en-CA" dirty="0">
+                <a:latin typeface="+mj-lt"/>
+              </a:rPr>
+              <a:t>12</a:t>
+            </a:r>
+          </a:p>
+        </p:txBody>
+      </p:sp>
+      <p:cxnSp>
+        <p:nvCxnSpPr>
+          <p:cNvPr id="13" name="Straight Arrow Connector 12">
+            <a:extLst>
+              <a:ext uri="{FF2B5EF4-FFF2-40B4-BE49-F238E27FC236}">
+                <a16:creationId xmlns:a16="http://schemas.microsoft.com/office/drawing/2014/main" id="{8A26FF8E-4BF8-92FA-CFD0-AB0885FC6A8C}"/>
+              </a:ext>
+            </a:extLst>
+          </p:cNvPr>
+          <p:cNvCxnSpPr>
+            <a:cxnSpLocks/>
+            <a:stCxn id="14" idx="3"/>
+          </p:cNvCxnSpPr>
+          <p:nvPr/>
+        </p:nvCxnSpPr>
+        <p:spPr>
+          <a:xfrm>
+            <a:off x="1366785" y="2588379"/>
+            <a:ext cx="3311092" cy="0"/>
+          </a:xfrm>
+          <a:prstGeom prst="straightConnector1">
+            <a:avLst/>
+          </a:prstGeom>
+          <a:ln>
+            <a:solidFill>
+              <a:srgbClr val="1670FF"/>
+            </a:solidFill>
+            <a:tailEnd type="triangle"/>
+          </a:ln>
+          <a:effectLst>
+            <a:outerShdw blurRad="63500" sx="102000" sy="102000" algn="ctr" rotWithShape="0">
+              <a:prstClr val="black">
+                <a:alpha val="40000"/>
+              </a:prstClr>
+            </a:outerShdw>
+          </a:effectLst>
+        </p:spPr>
+        <p:style>
+          <a:lnRef idx="2">
+            <a:schemeClr val="accent1"/>
+          </a:lnRef>
+          <a:fillRef idx="0">
+            <a:schemeClr val="accent1"/>
+          </a:fillRef>
+          <a:effectRef idx="1">
+            <a:schemeClr val="accent1"/>
+          </a:effectRef>
+          <a:fontRef idx="minor">
+            <a:schemeClr val="tx1"/>
+          </a:fontRef>
+        </p:style>
+      </p:cxnSp>
+      <p:sp>
+        <p:nvSpPr>
+          <p:cNvPr id="14" name="TextBox 13">
+            <a:extLst>
+              <a:ext uri="{FF2B5EF4-FFF2-40B4-BE49-F238E27FC236}">
+                <a16:creationId xmlns:a16="http://schemas.microsoft.com/office/drawing/2014/main" id="{5AE780C9-01A0-774B-1111-69F600B717A1}"/>
+              </a:ext>
+            </a:extLst>
+          </p:cNvPr>
+          <p:cNvSpPr txBox="1"/>
+          <p:nvPr/>
+        </p:nvSpPr>
+        <p:spPr>
+          <a:xfrm>
+            <a:off x="900024" y="2403713"/>
+            <a:ext cx="466761" cy="369332"/>
+          </a:xfrm>
+          <a:prstGeom prst="rect">
+            <a:avLst/>
+          </a:prstGeom>
+          <a:noFill/>
+        </p:spPr>
+        <p:txBody>
+          <a:bodyPr wrap="square">
+            <a:spAutoFit/>
+          </a:bodyPr>
+          <a:lstStyle/>
+          <a:p>
+            <a:r>
+              <a:rPr lang="en-CA" dirty="0">
+                <a:latin typeface="+mj-lt"/>
+              </a:rPr>
+              <a:t>11</a:t>
+            </a:r>
+          </a:p>
+        </p:txBody>
+      </p:sp>
     </p:spTree>
     <p:extLst>
       <p:ext uri="{BB962C8B-B14F-4D97-AF65-F5344CB8AC3E}">
-        <p14:creationId xmlns:p14="http://schemas.microsoft.com/office/powerpoint/2010/main" val="23873489"/>
+        <p14:creationId xmlns:p14="http://schemas.microsoft.com/office/powerpoint/2010/main" val="3849859121"/>
       </p:ext>
     </p:extLst>
   </p:cSld>
@@ -26755,12 +28898,49 @@
           <a:chExt cx="0" cy="0"/>
         </a:xfrm>
       </p:grpSpPr>
+      <p:pic>
+        <p:nvPicPr>
+          <p:cNvPr id="12" name="Picture 11">
+            <a:extLst>
+              <a:ext uri="{FF2B5EF4-FFF2-40B4-BE49-F238E27FC236}">
+                <a16:creationId xmlns:a16="http://schemas.microsoft.com/office/drawing/2014/main" id="{B2BECB8B-DD70-ECFE-2537-25ABAAEB312D}"/>
+              </a:ext>
+            </a:extLst>
+          </p:cNvPr>
+          <p:cNvPicPr>
+            <a:picLocks noChangeAspect="1"/>
+          </p:cNvPicPr>
+          <p:nvPr/>
+        </p:nvPicPr>
+        <p:blipFill>
+          <a:blip r:embed="rId2"/>
+          <a:stretch>
+            <a:fillRect/>
+          </a:stretch>
+        </p:blipFill>
+        <p:spPr>
+          <a:xfrm>
+            <a:off x="3013273" y="3497885"/>
+            <a:ext cx="5959018" cy="3054240"/>
+          </a:xfrm>
+          <a:prstGeom prst="rect">
+            <a:avLst/>
+          </a:prstGeom>
+          <a:effectLst>
+            <a:outerShdw blurRad="63500" sx="102000" sy="102000" algn="ctr" rotWithShape="0">
+              <a:prstClr val="black">
+                <a:alpha val="40000"/>
+              </a:prstClr>
+            </a:outerShdw>
+          </a:effectLst>
+        </p:spPr>
+      </p:pic>
       <p:sp>
         <p:nvSpPr>
-          <p:cNvPr id="6" name="Title 5">
+          <p:cNvPr id="5" name="Title 4">
             <a:extLst>
               <a:ext uri="{FF2B5EF4-FFF2-40B4-BE49-F238E27FC236}">
-                <a16:creationId xmlns:a16="http://schemas.microsoft.com/office/drawing/2014/main" id="{4ED1E0B2-0440-F85E-027D-40EBDA946C15}"/>
+                <a16:creationId xmlns:a16="http://schemas.microsoft.com/office/drawing/2014/main" id="{E164C9CA-47E7-5B76-54C2-D3CB1CA576C9}"/>
               </a:ext>
             </a:extLst>
           </p:cNvPr>
@@ -26771,24 +28951,142 @@
             <p:ph type="title"/>
           </p:nvPr>
         </p:nvSpPr>
-        <p:spPr>
-          <a:xfrm>
-            <a:off x="990600" y="3207757"/>
-            <a:ext cx="10210800" cy="442486"/>
-          </a:xfrm>
-        </p:spPr>
+        <p:spPr/>
         <p:txBody>
-          <a:bodyPr>
-            <a:noAutofit/>
+          <a:bodyPr/>
+          <a:lstStyle/>
+          <a:p>
+            <a:r>
+              <a:rPr lang="en-CA" b="1" dirty="0">
+                <a:latin typeface="+mj-lt"/>
+              </a:rPr>
+              <a:t>Connect to agent</a:t>
+            </a:r>
+          </a:p>
+        </p:txBody>
+      </p:sp>
+      <p:pic>
+        <p:nvPicPr>
+          <p:cNvPr id="3" name="Picture 2">
+            <a:extLst>
+              <a:ext uri="{FF2B5EF4-FFF2-40B4-BE49-F238E27FC236}">
+                <a16:creationId xmlns:a16="http://schemas.microsoft.com/office/drawing/2014/main" id="{41ADC4CF-3ACB-FDD3-FF3A-A087F09B993F}"/>
+              </a:ext>
+            </a:extLst>
+          </p:cNvPr>
+          <p:cNvPicPr>
+            <a:picLocks noChangeAspect="1"/>
+          </p:cNvPicPr>
+          <p:nvPr/>
+        </p:nvPicPr>
+        <p:blipFill>
+          <a:blip r:embed="rId3"/>
+          <a:stretch>
+            <a:fillRect/>
+          </a:stretch>
+        </p:blipFill>
+        <p:spPr>
+          <a:xfrm>
+            <a:off x="3013273" y="922116"/>
+            <a:ext cx="5959018" cy="2274183"/>
+          </a:xfrm>
+          <a:prstGeom prst="rect">
+            <a:avLst/>
+          </a:prstGeom>
+          <a:effectLst>
+            <a:outerShdw blurRad="63500" sx="102000" sy="102000" algn="ctr" rotWithShape="0">
+              <a:prstClr val="black">
+                <a:alpha val="40000"/>
+              </a:prstClr>
+            </a:outerShdw>
+          </a:effectLst>
+        </p:spPr>
+      </p:pic>
+      <p:cxnSp>
+        <p:nvCxnSpPr>
+          <p:cNvPr id="7" name="Straight Arrow Connector 6">
+            <a:extLst>
+              <a:ext uri="{FF2B5EF4-FFF2-40B4-BE49-F238E27FC236}">
+                <a16:creationId xmlns:a16="http://schemas.microsoft.com/office/drawing/2014/main" id="{724814D3-75AC-0061-74EE-8EE2A853D693}"/>
+              </a:ext>
+            </a:extLst>
+          </p:cNvPr>
+          <p:cNvCxnSpPr>
+            <a:cxnSpLocks/>
+            <a:stCxn id="8" idx="1"/>
+          </p:cNvCxnSpPr>
+          <p:nvPr/>
+        </p:nvCxnSpPr>
+        <p:spPr>
+          <a:xfrm flipH="1">
+            <a:off x="8735966" y="5184222"/>
+            <a:ext cx="442761" cy="0"/>
+          </a:xfrm>
+          <a:prstGeom prst="straightConnector1">
+            <a:avLst/>
+          </a:prstGeom>
+          <a:ln>
+            <a:solidFill>
+              <a:srgbClr val="1670FF"/>
+            </a:solidFill>
+            <a:tailEnd type="triangle"/>
+          </a:ln>
+          <a:effectLst>
+            <a:outerShdw blurRad="63500" sx="102000" sy="102000" algn="ctr" rotWithShape="0">
+              <a:prstClr val="black">
+                <a:alpha val="40000"/>
+              </a:prstClr>
+            </a:outerShdw>
+          </a:effectLst>
+        </p:spPr>
+        <p:style>
+          <a:lnRef idx="2">
+            <a:schemeClr val="accent1"/>
+          </a:lnRef>
+          <a:fillRef idx="0">
+            <a:schemeClr val="accent1"/>
+          </a:fillRef>
+          <a:effectRef idx="1">
+            <a:schemeClr val="accent1"/>
+          </a:effectRef>
+          <a:fontRef idx="minor">
+            <a:schemeClr val="tx1"/>
+          </a:fontRef>
+        </p:style>
+      </p:cxnSp>
+      <p:sp>
+        <p:nvSpPr>
+          <p:cNvPr id="8" name="TextBox 7">
+            <a:extLst>
+              <a:ext uri="{FF2B5EF4-FFF2-40B4-BE49-F238E27FC236}">
+                <a16:creationId xmlns:a16="http://schemas.microsoft.com/office/drawing/2014/main" id="{EF7A4E98-9EE7-5AF2-007E-D551D90311AB}"/>
+              </a:ext>
+            </a:extLst>
+          </p:cNvPr>
+          <p:cNvSpPr txBox="1"/>
+          <p:nvPr/>
+        </p:nvSpPr>
+        <p:spPr>
+          <a:xfrm>
+            <a:off x="9178727" y="4999556"/>
+            <a:ext cx="462013" cy="369332"/>
+          </a:xfrm>
+          <a:prstGeom prst="rect">
+            <a:avLst/>
+          </a:prstGeom>
+          <a:noFill/>
+        </p:spPr>
+        <p:txBody>
+          <a:bodyPr wrap="square">
+            <a:spAutoFit/>
           </a:bodyPr>
           <a:lstStyle/>
           <a:p>
-            <a:pPr algn="ctr"/>
-            <a:r>
-              <a:rPr lang="en-US" sz="4500" b="1" dirty="0">
+            <a:r>
+              <a:rPr lang="en-CA" dirty="0">
                 <a:latin typeface="+mj-lt"/>
               </a:rPr>
-              <a:t>Next Steps</a:t>
+              <a:t>13</a:t>
             </a:r>
           </a:p>
         </p:txBody>
@@ -26796,7 +29094,7 @@
     </p:spTree>
     <p:extLst>
       <p:ext uri="{BB962C8B-B14F-4D97-AF65-F5344CB8AC3E}">
-        <p14:creationId xmlns:p14="http://schemas.microsoft.com/office/powerpoint/2010/main" val="507248870"/>
+        <p14:creationId xmlns:p14="http://schemas.microsoft.com/office/powerpoint/2010/main" val="3148555906"/>
       </p:ext>
     </p:extLst>
   </p:cSld>
@@ -26848,17 +29146,17 @@
               <a:rPr lang="en-CA" b="1" dirty="0">
                 <a:latin typeface="+mj-lt"/>
               </a:rPr>
-              <a:t>30 Day Free Trial!</a:t>
+              <a:t>Create Final Response Step</a:t>
             </a:r>
           </a:p>
         </p:txBody>
       </p:sp>
       <p:pic>
         <p:nvPicPr>
-          <p:cNvPr id="7" name="Picture 6">
+          <p:cNvPr id="3" name="Picture 2">
             <a:extLst>
               <a:ext uri="{FF2B5EF4-FFF2-40B4-BE49-F238E27FC236}">
-                <a16:creationId xmlns:a16="http://schemas.microsoft.com/office/drawing/2014/main" id="{4BC59FD2-2BAD-E624-B5B1-ED785124F320}"/>
+                <a16:creationId xmlns:a16="http://schemas.microsoft.com/office/drawing/2014/main" id="{3F063566-86AA-FA0D-973A-56542BDDE5B3}"/>
               </a:ext>
             </a:extLst>
           </p:cNvPr>
@@ -26875,8 +29173,8 @@
         </p:blipFill>
         <p:spPr>
           <a:xfrm>
-            <a:off x="1268122" y="926228"/>
-            <a:ext cx="9655755" cy="5494055"/>
+            <a:off x="2385621" y="934953"/>
+            <a:ext cx="7420758" cy="5478020"/>
           </a:xfrm>
           <a:prstGeom prst="rect">
             <a:avLst/>
@@ -26890,10 +29188,188 @@
           </a:effectLst>
         </p:spPr>
       </p:pic>
+      <p:cxnSp>
+        <p:nvCxnSpPr>
+          <p:cNvPr id="13" name="Straight Arrow Connector 12">
+            <a:extLst>
+              <a:ext uri="{FF2B5EF4-FFF2-40B4-BE49-F238E27FC236}">
+                <a16:creationId xmlns:a16="http://schemas.microsoft.com/office/drawing/2014/main" id="{DD95174D-22B8-E0B5-14FE-94BEC4D869EA}"/>
+              </a:ext>
+            </a:extLst>
+          </p:cNvPr>
+          <p:cNvCxnSpPr>
+            <a:cxnSpLocks/>
+            <a:stCxn id="14" idx="1"/>
+          </p:cNvCxnSpPr>
+          <p:nvPr/>
+        </p:nvCxnSpPr>
+        <p:spPr>
+          <a:xfrm flipH="1">
+            <a:off x="9581889" y="5387422"/>
+            <a:ext cx="442761" cy="0"/>
+          </a:xfrm>
+          <a:prstGeom prst="straightConnector1">
+            <a:avLst/>
+          </a:prstGeom>
+          <a:ln>
+            <a:solidFill>
+              <a:srgbClr val="1670FF"/>
+            </a:solidFill>
+            <a:tailEnd type="triangle"/>
+          </a:ln>
+          <a:effectLst>
+            <a:outerShdw blurRad="63500" sx="102000" sy="102000" algn="ctr" rotWithShape="0">
+              <a:prstClr val="black">
+                <a:alpha val="40000"/>
+              </a:prstClr>
+            </a:outerShdw>
+          </a:effectLst>
+        </p:spPr>
+        <p:style>
+          <a:lnRef idx="2">
+            <a:schemeClr val="accent1"/>
+          </a:lnRef>
+          <a:fillRef idx="0">
+            <a:schemeClr val="accent1"/>
+          </a:fillRef>
+          <a:effectRef idx="1">
+            <a:schemeClr val="accent1"/>
+          </a:effectRef>
+          <a:fontRef idx="minor">
+            <a:schemeClr val="tx1"/>
+          </a:fontRef>
+        </p:style>
+      </p:cxnSp>
+      <p:sp>
+        <p:nvSpPr>
+          <p:cNvPr id="14" name="TextBox 13">
+            <a:extLst>
+              <a:ext uri="{FF2B5EF4-FFF2-40B4-BE49-F238E27FC236}">
+                <a16:creationId xmlns:a16="http://schemas.microsoft.com/office/drawing/2014/main" id="{28F2BBC2-001C-BDD2-F2A1-576B75B88B5C}"/>
+              </a:ext>
+            </a:extLst>
+          </p:cNvPr>
+          <p:cNvSpPr txBox="1"/>
+          <p:nvPr/>
+        </p:nvSpPr>
+        <p:spPr>
+          <a:xfrm>
+            <a:off x="10024650" y="5202756"/>
+            <a:ext cx="462013" cy="369332"/>
+          </a:xfrm>
+          <a:prstGeom prst="rect">
+            <a:avLst/>
+          </a:prstGeom>
+          <a:noFill/>
+        </p:spPr>
+        <p:txBody>
+          <a:bodyPr wrap="square">
+            <a:spAutoFit/>
+          </a:bodyPr>
+          <a:lstStyle/>
+          <a:p>
+            <a:r>
+              <a:rPr lang="en-CA" dirty="0">
+                <a:latin typeface="+mj-lt"/>
+              </a:rPr>
+              <a:t>15</a:t>
+            </a:r>
+          </a:p>
+        </p:txBody>
+      </p:sp>
+      <p:cxnSp>
+        <p:nvCxnSpPr>
+          <p:cNvPr id="17" name="Straight Arrow Connector 16">
+            <a:extLst>
+              <a:ext uri="{FF2B5EF4-FFF2-40B4-BE49-F238E27FC236}">
+                <a16:creationId xmlns:a16="http://schemas.microsoft.com/office/drawing/2014/main" id="{6B96745D-817C-8B5F-B44A-EF956EB22484}"/>
+              </a:ext>
+            </a:extLst>
+          </p:cNvPr>
+          <p:cNvCxnSpPr>
+            <a:cxnSpLocks/>
+            <a:stCxn id="18" idx="3"/>
+          </p:cNvCxnSpPr>
+          <p:nvPr/>
+        </p:nvCxnSpPr>
+        <p:spPr>
+          <a:xfrm>
+            <a:off x="2083065" y="2324219"/>
+            <a:ext cx="441695" cy="0"/>
+          </a:xfrm>
+          <a:prstGeom prst="straightConnector1">
+            <a:avLst/>
+          </a:prstGeom>
+          <a:ln>
+            <a:solidFill>
+              <a:srgbClr val="1670FF"/>
+            </a:solidFill>
+            <a:tailEnd type="triangle"/>
+          </a:ln>
+          <a:effectLst>
+            <a:outerShdw blurRad="63500" sx="102000" sy="102000" algn="ctr" rotWithShape="0">
+              <a:prstClr val="black">
+                <a:alpha val="40000"/>
+              </a:prstClr>
+            </a:outerShdw>
+          </a:effectLst>
+        </p:spPr>
+        <p:style>
+          <a:lnRef idx="2">
+            <a:schemeClr val="accent1"/>
+          </a:lnRef>
+          <a:fillRef idx="0">
+            <a:schemeClr val="accent1"/>
+          </a:fillRef>
+          <a:effectRef idx="1">
+            <a:schemeClr val="accent1"/>
+          </a:effectRef>
+          <a:fontRef idx="minor">
+            <a:schemeClr val="tx1"/>
+          </a:fontRef>
+        </p:style>
+      </p:cxnSp>
+      <p:sp>
+        <p:nvSpPr>
+          <p:cNvPr id="18" name="TextBox 17">
+            <a:extLst>
+              <a:ext uri="{FF2B5EF4-FFF2-40B4-BE49-F238E27FC236}">
+                <a16:creationId xmlns:a16="http://schemas.microsoft.com/office/drawing/2014/main" id="{43914CFB-1575-9913-78C7-A108524E3FC8}"/>
+              </a:ext>
+            </a:extLst>
+          </p:cNvPr>
+          <p:cNvSpPr txBox="1"/>
+          <p:nvPr/>
+        </p:nvSpPr>
+        <p:spPr>
+          <a:xfrm>
+            <a:off x="1616304" y="2139553"/>
+            <a:ext cx="466761" cy="369332"/>
+          </a:xfrm>
+          <a:prstGeom prst="rect">
+            <a:avLst/>
+          </a:prstGeom>
+          <a:noFill/>
+        </p:spPr>
+        <p:txBody>
+          <a:bodyPr wrap="square">
+            <a:spAutoFit/>
+          </a:bodyPr>
+          <a:lstStyle/>
+          <a:p>
+            <a:r>
+              <a:rPr lang="en-CA" dirty="0">
+                <a:latin typeface="+mj-lt"/>
+              </a:rPr>
+              <a:t>14</a:t>
+            </a:r>
+          </a:p>
+        </p:txBody>
+      </p:sp>
     </p:spTree>
     <p:extLst>
       <p:ext uri="{BB962C8B-B14F-4D97-AF65-F5344CB8AC3E}">
-        <p14:creationId xmlns:p14="http://schemas.microsoft.com/office/powerpoint/2010/main" val="2399075014"/>
+        <p14:creationId xmlns:p14="http://schemas.microsoft.com/office/powerpoint/2010/main" val="1268310247"/>
       </p:ext>
     </p:extLst>
   </p:cSld>
@@ -26945,47 +29421,39 @@
               <a:rPr lang="en-CA" b="1" dirty="0">
                 <a:latin typeface="+mj-lt"/>
               </a:rPr>
-              <a:t>Quick Start With Templates</a:t>
+              <a:t>Edit Response in JSON View</a:t>
             </a:r>
           </a:p>
         </p:txBody>
       </p:sp>
       <p:pic>
         <p:nvPicPr>
-          <p:cNvPr id="1026" name="Picture 2" descr="Template details">
+          <p:cNvPr id="4" name="Picture 3">
             <a:extLst>
               <a:ext uri="{FF2B5EF4-FFF2-40B4-BE49-F238E27FC236}">
-                <a16:creationId xmlns:a16="http://schemas.microsoft.com/office/drawing/2014/main" id="{A49D8EA1-354E-4994-2A72-DD5B67E99345}"/>
+                <a16:creationId xmlns:a16="http://schemas.microsoft.com/office/drawing/2014/main" id="{6C197531-4DE8-F14B-A82A-6A30D552F10E}"/>
               </a:ext>
             </a:extLst>
           </p:cNvPr>
           <p:cNvPicPr>
-            <a:picLocks noChangeAspect="1" noChangeArrowheads="1"/>
+            <a:picLocks noChangeAspect="1"/>
           </p:cNvPicPr>
           <p:nvPr/>
         </p:nvPicPr>
         <p:blipFill>
-          <a:blip r:embed="rId2">
-            <a:extLst>
-              <a:ext uri="{28A0092B-C50C-407E-A947-70E740481C1C}">
-                <a14:useLocalDpi xmlns:a14="http://schemas.microsoft.com/office/drawing/2010/main" val="0"/>
-              </a:ext>
-            </a:extLst>
-          </a:blip>
-          <a:srcRect/>
+          <a:blip r:embed="rId2"/>
           <a:stretch>
             <a:fillRect/>
           </a:stretch>
         </p:blipFill>
-        <p:spPr bwMode="auto">
-          <a:xfrm>
-            <a:off x="1652899" y="913975"/>
-            <a:ext cx="8886202" cy="5530672"/>
+        <p:spPr>
+          <a:xfrm>
+            <a:off x="984049" y="1247140"/>
+            <a:ext cx="10223902" cy="4363720"/>
           </a:xfrm>
           <a:prstGeom prst="rect">
             <a:avLst/>
           </a:prstGeom>
-          <a:noFill/>
           <a:effectLst>
             <a:outerShdw blurRad="63500" sx="102000" sy="102000" algn="ctr" rotWithShape="0">
               <a:prstClr val="black">
@@ -26993,21 +29461,12 @@
               </a:prstClr>
             </a:outerShdw>
           </a:effectLst>
-          <a:extLst>
-            <a:ext uri="{909E8E84-426E-40DD-AFC4-6F175D3DCCD1}">
-              <a14:hiddenFill xmlns:a14="http://schemas.microsoft.com/office/drawing/2010/main">
-                <a:solidFill>
-                  <a:srgbClr val="FFFFFF"/>
-                </a:solidFill>
-              </a14:hiddenFill>
-            </a:ext>
-          </a:extLst>
         </p:spPr>
       </p:pic>
     </p:spTree>
     <p:extLst>
       <p:ext uri="{BB962C8B-B14F-4D97-AF65-F5344CB8AC3E}">
-        <p14:creationId xmlns:p14="http://schemas.microsoft.com/office/powerpoint/2010/main" val="3049015888"/>
+        <p14:creationId xmlns:p14="http://schemas.microsoft.com/office/powerpoint/2010/main" val="3881367306"/>
       </p:ext>
     </p:extLst>
   </p:cSld>
@@ -27036,10 +29495,10 @@
       </p:grpSpPr>
       <p:sp>
         <p:nvSpPr>
-          <p:cNvPr id="6" name="Title 5">
+          <p:cNvPr id="5" name="Title 4">
             <a:extLst>
               <a:ext uri="{FF2B5EF4-FFF2-40B4-BE49-F238E27FC236}">
-                <a16:creationId xmlns:a16="http://schemas.microsoft.com/office/drawing/2014/main" id="{4ED1E0B2-0440-F85E-027D-40EBDA946C15}"/>
+                <a16:creationId xmlns:a16="http://schemas.microsoft.com/office/drawing/2014/main" id="{E164C9CA-47E7-5B76-54C2-D3CB1CA576C9}"/>
               </a:ext>
             </a:extLst>
           </p:cNvPr>
@@ -27050,35 +29509,150 @@
             <p:ph type="title"/>
           </p:nvPr>
         </p:nvSpPr>
-        <p:spPr>
-          <a:xfrm>
-            <a:off x="990600" y="3207757"/>
-            <a:ext cx="10210800" cy="442486"/>
-          </a:xfrm>
-        </p:spPr>
+        <p:spPr/>
         <p:txBody>
-          <a:bodyPr>
-            <a:noAutofit/>
+          <a:bodyPr/>
+          <a:lstStyle/>
+          <a:p>
+            <a:r>
+              <a:rPr lang="en-CA" b="1" dirty="0">
+                <a:latin typeface="+mj-lt"/>
+              </a:rPr>
+              <a:t>End the Action</a:t>
+            </a:r>
+          </a:p>
+        </p:txBody>
+      </p:sp>
+      <p:pic>
+        <p:nvPicPr>
+          <p:cNvPr id="3" name="Picture 2">
+            <a:extLst>
+              <a:ext uri="{FF2B5EF4-FFF2-40B4-BE49-F238E27FC236}">
+                <a16:creationId xmlns:a16="http://schemas.microsoft.com/office/drawing/2014/main" id="{BAFD927C-F651-6DA0-0BBB-041A86E77B34}"/>
+              </a:ext>
+            </a:extLst>
+          </p:cNvPr>
+          <p:cNvPicPr>
+            <a:picLocks noChangeAspect="1"/>
+          </p:cNvPicPr>
+          <p:nvPr/>
+        </p:nvPicPr>
+        <p:blipFill>
+          <a:blip r:embed="rId2"/>
+          <a:stretch>
+            <a:fillRect/>
+          </a:stretch>
+        </p:blipFill>
+        <p:spPr>
+          <a:xfrm>
+            <a:off x="908230" y="1472669"/>
+            <a:ext cx="10375540" cy="3912662"/>
+          </a:xfrm>
+          <a:prstGeom prst="rect">
+            <a:avLst/>
+          </a:prstGeom>
+          <a:effectLst>
+            <a:outerShdw blurRad="63500" sx="102000" sy="102000" algn="ctr" rotWithShape="0">
+              <a:prstClr val="black">
+                <a:alpha val="40000"/>
+              </a:prstClr>
+            </a:outerShdw>
+          </a:effectLst>
+        </p:spPr>
+      </p:pic>
+      <p:cxnSp>
+        <p:nvCxnSpPr>
+          <p:cNvPr id="4" name="Straight Arrow Connector 3">
+            <a:extLst>
+              <a:ext uri="{FF2B5EF4-FFF2-40B4-BE49-F238E27FC236}">
+                <a16:creationId xmlns:a16="http://schemas.microsoft.com/office/drawing/2014/main" id="{0DBA8465-8E0B-38C3-7E5B-8384F90507A0}"/>
+              </a:ext>
+            </a:extLst>
+          </p:cNvPr>
+          <p:cNvCxnSpPr>
+            <a:cxnSpLocks/>
+            <a:stCxn id="6" idx="3"/>
+          </p:cNvCxnSpPr>
+          <p:nvPr/>
+        </p:nvCxnSpPr>
+        <p:spPr>
+          <a:xfrm>
+            <a:off x="731785" y="5092819"/>
+            <a:ext cx="441695" cy="0"/>
+          </a:xfrm>
+          <a:prstGeom prst="straightConnector1">
+            <a:avLst/>
+          </a:prstGeom>
+          <a:ln>
+            <a:solidFill>
+              <a:srgbClr val="1670FF"/>
+            </a:solidFill>
+            <a:tailEnd type="triangle"/>
+          </a:ln>
+          <a:effectLst>
+            <a:outerShdw blurRad="63500" sx="102000" sy="102000" algn="ctr" rotWithShape="0">
+              <a:prstClr val="black">
+                <a:alpha val="40000"/>
+              </a:prstClr>
+            </a:outerShdw>
+          </a:effectLst>
+        </p:spPr>
+        <p:style>
+          <a:lnRef idx="2">
+            <a:schemeClr val="accent1"/>
+          </a:lnRef>
+          <a:fillRef idx="0">
+            <a:schemeClr val="accent1"/>
+          </a:fillRef>
+          <a:effectRef idx="1">
+            <a:schemeClr val="accent1"/>
+          </a:effectRef>
+          <a:fontRef idx="minor">
+            <a:schemeClr val="tx1"/>
+          </a:fontRef>
+        </p:style>
+      </p:cxnSp>
+      <p:sp>
+        <p:nvSpPr>
+          <p:cNvPr id="6" name="TextBox 5">
+            <a:extLst>
+              <a:ext uri="{FF2B5EF4-FFF2-40B4-BE49-F238E27FC236}">
+                <a16:creationId xmlns:a16="http://schemas.microsoft.com/office/drawing/2014/main" id="{631030F4-A84E-0419-5434-C44387FD0165}"/>
+              </a:ext>
+            </a:extLst>
+          </p:cNvPr>
+          <p:cNvSpPr txBox="1"/>
+          <p:nvPr/>
+        </p:nvSpPr>
+        <p:spPr>
+          <a:xfrm>
+            <a:off x="265024" y="4908153"/>
+            <a:ext cx="466761" cy="369332"/>
+          </a:xfrm>
+          <a:prstGeom prst="rect">
+            <a:avLst/>
+          </a:prstGeom>
+          <a:noFill/>
+        </p:spPr>
+        <p:txBody>
+          <a:bodyPr wrap="square">
+            <a:spAutoFit/>
           </a:bodyPr>
           <a:lstStyle/>
           <a:p>
-            <a:pPr algn="ctr"/>
-            <a:r>
-              <a:rPr lang="en-US" sz="4500" b="1" dirty="0">
+            <a:r>
+              <a:rPr lang="en-CA" dirty="0">
                 <a:latin typeface="+mj-lt"/>
               </a:rPr>
-              <a:t>Any Questions?</a:t>
-            </a:r>
-            <a:endParaRPr lang="en-CA" sz="4500" b="1" dirty="0">
-              <a:latin typeface="+mj-lt"/>
-            </a:endParaRPr>
+              <a:t>16</a:t>
+            </a:r>
           </a:p>
         </p:txBody>
       </p:sp>
     </p:spTree>
     <p:extLst>
       <p:ext uri="{BB962C8B-B14F-4D97-AF65-F5344CB8AC3E}">
-        <p14:creationId xmlns:p14="http://schemas.microsoft.com/office/powerpoint/2010/main" val="3476654400"/>
+        <p14:creationId xmlns:p14="http://schemas.microsoft.com/office/powerpoint/2010/main" val="2537849843"/>
       </p:ext>
     </p:extLst>
   </p:cSld>
@@ -27130,96 +29704,89 @@
               <a:rPr lang="en-CA" b="1" dirty="0">
                 <a:latin typeface="+mj-lt"/>
               </a:rPr>
-              <a:t>Important Links</a:t>
+              <a:t>Use Visualization Tool</a:t>
             </a:r>
           </a:p>
         </p:txBody>
       </p:sp>
-      <p:sp>
-        <p:nvSpPr>
-          <p:cNvPr id="6" name="Text Placeholder 5">
+      <p:pic>
+        <p:nvPicPr>
+          <p:cNvPr id="9" name="Picture 8">
             <a:extLst>
               <a:ext uri="{FF2B5EF4-FFF2-40B4-BE49-F238E27FC236}">
-                <a16:creationId xmlns:a16="http://schemas.microsoft.com/office/drawing/2014/main" id="{92CCBB2A-9653-B3A8-B8CF-E55B1670D895}"/>
+                <a16:creationId xmlns:a16="http://schemas.microsoft.com/office/drawing/2014/main" id="{34D4CFB2-D336-2F39-C4AF-3AA2089B19D3}"/>
               </a:ext>
             </a:extLst>
           </p:cNvPr>
-          <p:cNvSpPr>
-            <a:spLocks noGrp="1"/>
-          </p:cNvSpPr>
-          <p:nvPr>
-            <p:ph type="body" sz="quarter" idx="15"/>
-          </p:nvPr>
-        </p:nvSpPr>
-        <p:spPr>
-          <a:xfrm>
-            <a:off x="310896" y="832104"/>
-            <a:ext cx="11473226" cy="5673471"/>
-          </a:xfrm>
-        </p:spPr>
-        <p:txBody>
-          <a:bodyPr/>
-          <a:lstStyle/>
-          <a:p>
-            <a:pPr marL="0" indent="0">
-              <a:buNone/>
-            </a:pPr>
-            <a:r>
-              <a:rPr lang="en-CA" b="1" dirty="0">
-                <a:latin typeface="+mj-lt"/>
-              </a:rPr>
-              <a:t>IBM </a:t>
-            </a:r>
-            <a:r>
-              <a:rPr lang="en-CA" b="1" dirty="0" err="1">
-                <a:latin typeface="+mj-lt"/>
-              </a:rPr>
-              <a:t>Watsonx</a:t>
-            </a:r>
-            <a:r>
-              <a:rPr lang="en-CA" b="1" dirty="0">
-                <a:latin typeface="+mj-lt"/>
-              </a:rPr>
-              <a:t> Assistant</a:t>
-            </a:r>
-          </a:p>
-          <a:p>
-            <a:r>
-              <a:rPr lang="en-CA" sz="1600" dirty="0">
-                <a:latin typeface="+mj-lt"/>
-              </a:rPr>
-              <a:t>Documentation			</a:t>
-            </a:r>
-            <a:r>
-              <a:rPr lang="en-CA" sz="1600" dirty="0">
-                <a:latin typeface="+mj-lt"/>
-                <a:hlinkClick r:id="rId2"/>
-              </a:rPr>
-              <a:t>https://cloud.ibm.com/docs/watson-assistant</a:t>
-            </a:r>
-            <a:endParaRPr lang="en-CA" sz="1600" dirty="0">
-              <a:latin typeface="+mj-lt"/>
-            </a:endParaRPr>
-          </a:p>
-          <a:p>
-            <a:endParaRPr lang="en-CA" sz="1600" dirty="0">
-              <a:latin typeface="+mj-lt"/>
-            </a:endParaRPr>
-          </a:p>
-          <a:p>
-            <a:r>
-              <a:rPr lang="en-CA" sz="1600" dirty="0">
-                <a:latin typeface="+mj-lt"/>
-              </a:rPr>
-              <a:t>B					B</a:t>
-            </a:r>
-          </a:p>
-        </p:txBody>
-      </p:sp>
+          <p:cNvPicPr>
+            <a:picLocks noChangeAspect="1"/>
+          </p:cNvPicPr>
+          <p:nvPr/>
+        </p:nvPicPr>
+        <p:blipFill>
+          <a:blip r:embed="rId2"/>
+          <a:stretch>
+            <a:fillRect/>
+          </a:stretch>
+        </p:blipFill>
+        <p:spPr>
+          <a:xfrm>
+            <a:off x="580877" y="1341414"/>
+            <a:ext cx="5170671" cy="4500291"/>
+          </a:xfrm>
+          <a:prstGeom prst="rect">
+            <a:avLst/>
+          </a:prstGeom>
+          <a:effectLst>
+            <a:outerShdw blurRad="63500" sx="102000" sy="102000" algn="ctr" rotWithShape="0">
+              <a:prstClr val="black">
+                <a:alpha val="40000"/>
+              </a:prstClr>
+            </a:outerShdw>
+          </a:effectLst>
+        </p:spPr>
+      </p:pic>
+      <p:pic>
+        <p:nvPicPr>
+          <p:cNvPr id="11" name="Picture 10">
+            <a:extLst>
+              <a:ext uri="{FF2B5EF4-FFF2-40B4-BE49-F238E27FC236}">
+                <a16:creationId xmlns:a16="http://schemas.microsoft.com/office/drawing/2014/main" id="{3D15E165-90E6-E340-B4C5-8AB5AD39644D}"/>
+              </a:ext>
+            </a:extLst>
+          </p:cNvPr>
+          <p:cNvPicPr>
+            <a:picLocks noChangeAspect="1"/>
+          </p:cNvPicPr>
+          <p:nvPr/>
+        </p:nvPicPr>
+        <p:blipFill>
+          <a:blip r:embed="rId3"/>
+          <a:stretch>
+            <a:fillRect/>
+          </a:stretch>
+        </p:blipFill>
+        <p:spPr>
+          <a:xfrm>
+            <a:off x="6460774" y="1341414"/>
+            <a:ext cx="5102241" cy="4500291"/>
+          </a:xfrm>
+          <a:prstGeom prst="rect">
+            <a:avLst/>
+          </a:prstGeom>
+          <a:effectLst>
+            <a:outerShdw blurRad="63500" sx="102000" sy="102000" algn="ctr" rotWithShape="0">
+              <a:prstClr val="black">
+                <a:alpha val="40000"/>
+              </a:prstClr>
+            </a:outerShdw>
+          </a:effectLst>
+        </p:spPr>
+      </p:pic>
     </p:spTree>
     <p:extLst>
       <p:ext uri="{BB962C8B-B14F-4D97-AF65-F5344CB8AC3E}">
-        <p14:creationId xmlns:p14="http://schemas.microsoft.com/office/powerpoint/2010/main" val="1214461386"/>
+        <p14:creationId xmlns:p14="http://schemas.microsoft.com/office/powerpoint/2010/main" val="532032090"/>
       </p:ext>
     </p:extLst>
   </p:cSld>
@@ -27328,6 +29895,2654 @@
       </p:grpSpPr>
       <p:sp>
         <p:nvSpPr>
+          <p:cNvPr id="6" name="Title 5">
+            <a:extLst>
+              <a:ext uri="{FF2B5EF4-FFF2-40B4-BE49-F238E27FC236}">
+                <a16:creationId xmlns:a16="http://schemas.microsoft.com/office/drawing/2014/main" id="{4ED1E0B2-0440-F85E-027D-40EBDA946C15}"/>
+              </a:ext>
+            </a:extLst>
+          </p:cNvPr>
+          <p:cNvSpPr>
+            <a:spLocks noGrp="1"/>
+          </p:cNvSpPr>
+          <p:nvPr>
+            <p:ph type="title"/>
+          </p:nvPr>
+        </p:nvSpPr>
+        <p:spPr>
+          <a:xfrm>
+            <a:off x="990600" y="3207757"/>
+            <a:ext cx="10210800" cy="442486"/>
+          </a:xfrm>
+        </p:spPr>
+        <p:txBody>
+          <a:bodyPr>
+            <a:noAutofit/>
+          </a:bodyPr>
+          <a:lstStyle/>
+          <a:p>
+            <a:pPr algn="ctr"/>
+            <a:r>
+              <a:rPr lang="en-US" sz="4500" b="1" dirty="0">
+                <a:latin typeface="+mj-lt"/>
+              </a:rPr>
+              <a:t>Refine Your Assistant</a:t>
+            </a:r>
+          </a:p>
+        </p:txBody>
+      </p:sp>
+    </p:spTree>
+    <p:extLst>
+      <p:ext uri="{BB962C8B-B14F-4D97-AF65-F5344CB8AC3E}">
+        <p14:creationId xmlns:p14="http://schemas.microsoft.com/office/powerpoint/2010/main" val="1027759065"/>
+      </p:ext>
+    </p:extLst>
+  </p:cSld>
+  <p:clrMapOvr>
+    <a:masterClrMapping/>
+  </p:clrMapOvr>
+</p:sld>
+</file>
+
+<file path=ppt/slides/slide31.xml><?xml version="1.0" encoding="utf-8"?>
+<p:sld xmlns:a="http://schemas.openxmlformats.org/drawingml/2006/main" xmlns:r="http://schemas.openxmlformats.org/officeDocument/2006/relationships" xmlns:p="http://schemas.openxmlformats.org/presentationml/2006/main">
+  <p:cSld>
+    <p:spTree>
+      <p:nvGrpSpPr>
+        <p:cNvPr id="1" name=""/>
+        <p:cNvGrpSpPr/>
+        <p:nvPr/>
+      </p:nvGrpSpPr>
+      <p:grpSpPr>
+        <a:xfrm>
+          <a:off x="0" y="0"/>
+          <a:ext cx="0" cy="0"/>
+          <a:chOff x="0" y="0"/>
+          <a:chExt cx="0" cy="0"/>
+        </a:xfrm>
+      </p:grpSpPr>
+      <p:sp>
+        <p:nvSpPr>
+          <p:cNvPr id="5" name="Title 4">
+            <a:extLst>
+              <a:ext uri="{FF2B5EF4-FFF2-40B4-BE49-F238E27FC236}">
+                <a16:creationId xmlns:a16="http://schemas.microsoft.com/office/drawing/2014/main" id="{E164C9CA-47E7-5B76-54C2-D3CB1CA576C9}"/>
+              </a:ext>
+            </a:extLst>
+          </p:cNvPr>
+          <p:cNvSpPr>
+            <a:spLocks noGrp="1"/>
+          </p:cNvSpPr>
+          <p:nvPr>
+            <p:ph type="title"/>
+          </p:nvPr>
+        </p:nvSpPr>
+        <p:spPr/>
+        <p:txBody>
+          <a:bodyPr/>
+          <a:lstStyle/>
+          <a:p>
+            <a:r>
+              <a:rPr lang="en-CA" b="1" dirty="0">
+                <a:latin typeface="+mj-lt"/>
+              </a:rPr>
+              <a:t>Adjust Default Actions</a:t>
+            </a:r>
+          </a:p>
+        </p:txBody>
+      </p:sp>
+      <p:pic>
+        <p:nvPicPr>
+          <p:cNvPr id="3" name="Picture 2">
+            <a:extLst>
+              <a:ext uri="{FF2B5EF4-FFF2-40B4-BE49-F238E27FC236}">
+                <a16:creationId xmlns:a16="http://schemas.microsoft.com/office/drawing/2014/main" id="{A6B07AF8-69AB-0391-6F52-3FC3DB4E3497}"/>
+              </a:ext>
+            </a:extLst>
+          </p:cNvPr>
+          <p:cNvPicPr>
+            <a:picLocks noChangeAspect="1"/>
+          </p:cNvPicPr>
+          <p:nvPr/>
+        </p:nvPicPr>
+        <p:blipFill>
+          <a:blip r:embed="rId2"/>
+          <a:stretch>
+            <a:fillRect/>
+          </a:stretch>
+        </p:blipFill>
+        <p:spPr>
+          <a:xfrm>
+            <a:off x="720909" y="1836566"/>
+            <a:ext cx="10750181" cy="3184868"/>
+          </a:xfrm>
+          <a:prstGeom prst="rect">
+            <a:avLst/>
+          </a:prstGeom>
+          <a:effectLst>
+            <a:outerShdw blurRad="63500" sx="102000" sy="102000" algn="ctr" rotWithShape="0">
+              <a:prstClr val="black">
+                <a:alpha val="40000"/>
+              </a:prstClr>
+            </a:outerShdw>
+          </a:effectLst>
+        </p:spPr>
+      </p:pic>
+    </p:spTree>
+    <p:extLst>
+      <p:ext uri="{BB962C8B-B14F-4D97-AF65-F5344CB8AC3E}">
+        <p14:creationId xmlns:p14="http://schemas.microsoft.com/office/powerpoint/2010/main" val="3574967707"/>
+      </p:ext>
+    </p:extLst>
+  </p:cSld>
+  <p:clrMapOvr>
+    <a:masterClrMapping/>
+  </p:clrMapOvr>
+</p:sld>
+</file>
+
+<file path=ppt/slides/slide32.xml><?xml version="1.0" encoding="utf-8"?>
+<p:sld xmlns:a="http://schemas.openxmlformats.org/drawingml/2006/main" xmlns:r="http://schemas.openxmlformats.org/officeDocument/2006/relationships" xmlns:p="http://schemas.openxmlformats.org/presentationml/2006/main">
+  <p:cSld>
+    <p:spTree>
+      <p:nvGrpSpPr>
+        <p:cNvPr id="1" name=""/>
+        <p:cNvGrpSpPr/>
+        <p:nvPr/>
+      </p:nvGrpSpPr>
+      <p:grpSpPr>
+        <a:xfrm>
+          <a:off x="0" y="0"/>
+          <a:ext cx="0" cy="0"/>
+          <a:chOff x="0" y="0"/>
+          <a:chExt cx="0" cy="0"/>
+        </a:xfrm>
+      </p:grpSpPr>
+      <p:sp>
+        <p:nvSpPr>
+          <p:cNvPr id="5" name="Title 4">
+            <a:extLst>
+              <a:ext uri="{FF2B5EF4-FFF2-40B4-BE49-F238E27FC236}">
+                <a16:creationId xmlns:a16="http://schemas.microsoft.com/office/drawing/2014/main" id="{E164C9CA-47E7-5B76-54C2-D3CB1CA576C9}"/>
+              </a:ext>
+            </a:extLst>
+          </p:cNvPr>
+          <p:cNvSpPr>
+            <a:spLocks noGrp="1"/>
+          </p:cNvSpPr>
+          <p:nvPr>
+            <p:ph type="title"/>
+          </p:nvPr>
+        </p:nvSpPr>
+        <p:spPr/>
+        <p:txBody>
+          <a:bodyPr/>
+          <a:lstStyle/>
+          <a:p>
+            <a:r>
+              <a:rPr lang="en-CA" b="1" dirty="0">
+                <a:latin typeface="+mj-lt"/>
+              </a:rPr>
+              <a:t>Adjust Global Settings</a:t>
+            </a:r>
+          </a:p>
+        </p:txBody>
+      </p:sp>
+      <p:pic>
+        <p:nvPicPr>
+          <p:cNvPr id="7" name="Picture 6">
+            <a:extLst>
+              <a:ext uri="{FF2B5EF4-FFF2-40B4-BE49-F238E27FC236}">
+                <a16:creationId xmlns:a16="http://schemas.microsoft.com/office/drawing/2014/main" id="{E639ADB0-9701-10B5-4089-74D8A3960BA7}"/>
+              </a:ext>
+            </a:extLst>
+          </p:cNvPr>
+          <p:cNvPicPr>
+            <a:picLocks noChangeAspect="1"/>
+          </p:cNvPicPr>
+          <p:nvPr/>
+        </p:nvPicPr>
+        <p:blipFill>
+          <a:blip r:embed="rId2"/>
+          <a:stretch>
+            <a:fillRect/>
+          </a:stretch>
+        </p:blipFill>
+        <p:spPr>
+          <a:xfrm>
+            <a:off x="493670" y="2861508"/>
+            <a:ext cx="3762460" cy="2995356"/>
+          </a:xfrm>
+          <a:prstGeom prst="rect">
+            <a:avLst/>
+          </a:prstGeom>
+          <a:effectLst>
+            <a:outerShdw blurRad="63500" sx="102000" sy="102000" algn="ctr" rotWithShape="0">
+              <a:prstClr val="black">
+                <a:alpha val="40000"/>
+              </a:prstClr>
+            </a:outerShdw>
+          </a:effectLst>
+        </p:spPr>
+      </p:pic>
+      <p:sp>
+        <p:nvSpPr>
+          <p:cNvPr id="9" name="TextBox 8">
+            <a:extLst>
+              <a:ext uri="{FF2B5EF4-FFF2-40B4-BE49-F238E27FC236}">
+                <a16:creationId xmlns:a16="http://schemas.microsoft.com/office/drawing/2014/main" id="{55C8B9A5-91DB-116D-6C75-EF5816034825}"/>
+              </a:ext>
+            </a:extLst>
+          </p:cNvPr>
+          <p:cNvSpPr txBox="1"/>
+          <p:nvPr/>
+        </p:nvSpPr>
+        <p:spPr>
+          <a:xfrm>
+            <a:off x="493670" y="1461185"/>
+            <a:ext cx="3762460" cy="1200329"/>
+          </a:xfrm>
+          <a:prstGeom prst="rect">
+            <a:avLst/>
+          </a:prstGeom>
+          <a:noFill/>
+        </p:spPr>
+        <p:txBody>
+          <a:bodyPr wrap="square">
+            <a:spAutoFit/>
+          </a:bodyPr>
+          <a:lstStyle/>
+          <a:p>
+            <a:pPr algn="ctr"/>
+            <a:r>
+              <a:rPr lang="en-CA" u="sng" dirty="0">
+                <a:solidFill>
+                  <a:srgbClr val="1670FF"/>
+                </a:solidFill>
+                <a:latin typeface="+mj-lt"/>
+              </a:rPr>
+              <a:t>Clarifying Questions</a:t>
+            </a:r>
+          </a:p>
+          <a:p>
+            <a:pPr algn="ctr"/>
+            <a:r>
+              <a:rPr lang="en-US" dirty="0">
+                <a:latin typeface="+mj-lt"/>
+              </a:rPr>
+              <a:t>Show options when multiple actions seem to match what the customer wants</a:t>
+            </a:r>
+            <a:endParaRPr lang="en-CA" dirty="0">
+              <a:latin typeface="+mj-lt"/>
+            </a:endParaRPr>
+          </a:p>
+        </p:txBody>
+      </p:sp>
+      <p:pic>
+        <p:nvPicPr>
+          <p:cNvPr id="11" name="Picture 10">
+            <a:extLst>
+              <a:ext uri="{FF2B5EF4-FFF2-40B4-BE49-F238E27FC236}">
+                <a16:creationId xmlns:a16="http://schemas.microsoft.com/office/drawing/2014/main" id="{C09EF824-C8DF-565F-F8DC-54F5CD9F2BCF}"/>
+              </a:ext>
+            </a:extLst>
+          </p:cNvPr>
+          <p:cNvPicPr>
+            <a:picLocks noChangeAspect="1"/>
+          </p:cNvPicPr>
+          <p:nvPr/>
+        </p:nvPicPr>
+        <p:blipFill>
+          <a:blip r:embed="rId3"/>
+          <a:stretch>
+            <a:fillRect/>
+          </a:stretch>
+        </p:blipFill>
+        <p:spPr>
+          <a:xfrm>
+            <a:off x="4739555" y="2861508"/>
+            <a:ext cx="3215140" cy="2995356"/>
+          </a:xfrm>
+          <a:prstGeom prst="rect">
+            <a:avLst/>
+          </a:prstGeom>
+          <a:effectLst>
+            <a:outerShdw blurRad="63500" sx="102000" sy="102000" algn="ctr" rotWithShape="0">
+              <a:prstClr val="black">
+                <a:alpha val="40000"/>
+              </a:prstClr>
+            </a:outerShdw>
+          </a:effectLst>
+        </p:spPr>
+      </p:pic>
+      <p:sp>
+        <p:nvSpPr>
+          <p:cNvPr id="12" name="TextBox 11">
+            <a:extLst>
+              <a:ext uri="{FF2B5EF4-FFF2-40B4-BE49-F238E27FC236}">
+                <a16:creationId xmlns:a16="http://schemas.microsoft.com/office/drawing/2014/main" id="{B9827509-B442-4FF3-84D7-97D24099EA2D}"/>
+              </a:ext>
+            </a:extLst>
+          </p:cNvPr>
+          <p:cNvSpPr txBox="1"/>
+          <p:nvPr/>
+        </p:nvSpPr>
+        <p:spPr>
+          <a:xfrm>
+            <a:off x="4739555" y="1461184"/>
+            <a:ext cx="3215140" cy="1200329"/>
+          </a:xfrm>
+          <a:prstGeom prst="rect">
+            <a:avLst/>
+          </a:prstGeom>
+          <a:noFill/>
+        </p:spPr>
+        <p:txBody>
+          <a:bodyPr wrap="square">
+            <a:spAutoFit/>
+          </a:bodyPr>
+          <a:lstStyle/>
+          <a:p>
+            <a:pPr algn="ctr"/>
+            <a:r>
+              <a:rPr lang="en-CA" u="sng" dirty="0">
+                <a:solidFill>
+                  <a:srgbClr val="1670FF"/>
+                </a:solidFill>
+                <a:latin typeface="+mj-lt"/>
+              </a:rPr>
+              <a:t>Change Conversation Topics</a:t>
+            </a:r>
+            <a:br>
+              <a:rPr lang="en-CA" dirty="0">
+                <a:solidFill>
+                  <a:srgbClr val="1670FF"/>
+                </a:solidFill>
+                <a:latin typeface="+mj-lt"/>
+              </a:rPr>
+            </a:br>
+            <a:r>
+              <a:rPr lang="en-US" dirty="0">
+                <a:latin typeface="+mj-lt"/>
+              </a:rPr>
+              <a:t>Switch to other actions when customers ask about other topics</a:t>
+            </a:r>
+            <a:endParaRPr lang="en-CA" dirty="0">
+              <a:latin typeface="+mj-lt"/>
+            </a:endParaRPr>
+          </a:p>
+        </p:txBody>
+      </p:sp>
+      <p:pic>
+        <p:nvPicPr>
+          <p:cNvPr id="16" name="Picture 15">
+            <a:extLst>
+              <a:ext uri="{FF2B5EF4-FFF2-40B4-BE49-F238E27FC236}">
+                <a16:creationId xmlns:a16="http://schemas.microsoft.com/office/drawing/2014/main" id="{A14B4671-B834-669E-BD7E-E4978FCD9468}"/>
+              </a:ext>
+            </a:extLst>
+          </p:cNvPr>
+          <p:cNvPicPr>
+            <a:picLocks noChangeAspect="1"/>
+          </p:cNvPicPr>
+          <p:nvPr/>
+        </p:nvPicPr>
+        <p:blipFill>
+          <a:blip r:embed="rId4"/>
+          <a:stretch>
+            <a:fillRect/>
+          </a:stretch>
+        </p:blipFill>
+        <p:spPr>
+          <a:xfrm>
+            <a:off x="8438120" y="2817594"/>
+            <a:ext cx="3215140" cy="3040337"/>
+          </a:xfrm>
+          <a:prstGeom prst="rect">
+            <a:avLst/>
+          </a:prstGeom>
+          <a:effectLst>
+            <a:outerShdw blurRad="63500" sx="102000" sy="102000" algn="ctr" rotWithShape="0">
+              <a:prstClr val="black">
+                <a:alpha val="40000"/>
+              </a:prstClr>
+            </a:outerShdw>
+          </a:effectLst>
+        </p:spPr>
+      </p:pic>
+      <p:sp>
+        <p:nvSpPr>
+          <p:cNvPr id="17" name="TextBox 16">
+            <a:extLst>
+              <a:ext uri="{FF2B5EF4-FFF2-40B4-BE49-F238E27FC236}">
+                <a16:creationId xmlns:a16="http://schemas.microsoft.com/office/drawing/2014/main" id="{6D3C5293-FBBE-2E81-3AA8-C502C447E8B9}"/>
+              </a:ext>
+            </a:extLst>
+          </p:cNvPr>
+          <p:cNvSpPr txBox="1"/>
+          <p:nvPr/>
+        </p:nvSpPr>
+        <p:spPr>
+          <a:xfrm>
+            <a:off x="8219550" y="1461184"/>
+            <a:ext cx="3652280" cy="1200329"/>
+          </a:xfrm>
+          <a:prstGeom prst="rect">
+            <a:avLst/>
+          </a:prstGeom>
+          <a:noFill/>
+        </p:spPr>
+        <p:txBody>
+          <a:bodyPr wrap="square">
+            <a:spAutoFit/>
+          </a:bodyPr>
+          <a:lstStyle/>
+          <a:p>
+            <a:pPr algn="ctr"/>
+            <a:r>
+              <a:rPr lang="en-CA" u="sng" dirty="0">
+                <a:solidFill>
+                  <a:srgbClr val="1670FF"/>
+                </a:solidFill>
+                <a:latin typeface="+mj-lt"/>
+              </a:rPr>
+              <a:t>Intelligent Information Gathering</a:t>
+            </a:r>
+            <a:br>
+              <a:rPr lang="en-CA" dirty="0">
+                <a:solidFill>
+                  <a:srgbClr val="1670FF"/>
+                </a:solidFill>
+                <a:latin typeface="+mj-lt"/>
+              </a:rPr>
+            </a:br>
+            <a:r>
+              <a:rPr lang="en-US" dirty="0">
+                <a:latin typeface="+mj-lt"/>
+              </a:rPr>
+              <a:t>The assistant retrieves and uses prior inputs to streamline the conversation</a:t>
+            </a:r>
+            <a:endParaRPr lang="en-CA" dirty="0">
+              <a:latin typeface="+mj-lt"/>
+            </a:endParaRPr>
+          </a:p>
+        </p:txBody>
+      </p:sp>
+    </p:spTree>
+    <p:extLst>
+      <p:ext uri="{BB962C8B-B14F-4D97-AF65-F5344CB8AC3E}">
+        <p14:creationId xmlns:p14="http://schemas.microsoft.com/office/powerpoint/2010/main" val="2588886530"/>
+      </p:ext>
+    </p:extLst>
+  </p:cSld>
+  <p:clrMapOvr>
+    <a:masterClrMapping/>
+  </p:clrMapOvr>
+</p:sld>
+</file>
+
+<file path=ppt/slides/slide33.xml><?xml version="1.0" encoding="utf-8"?>
+<p:sld xmlns:a="http://schemas.openxmlformats.org/drawingml/2006/main" xmlns:r="http://schemas.openxmlformats.org/officeDocument/2006/relationships" xmlns:p="http://schemas.openxmlformats.org/presentationml/2006/main">
+  <p:cSld>
+    <p:spTree>
+      <p:nvGrpSpPr>
+        <p:cNvPr id="1" name=""/>
+        <p:cNvGrpSpPr/>
+        <p:nvPr/>
+      </p:nvGrpSpPr>
+      <p:grpSpPr>
+        <a:xfrm>
+          <a:off x="0" y="0"/>
+          <a:ext cx="0" cy="0"/>
+          <a:chOff x="0" y="0"/>
+          <a:chExt cx="0" cy="0"/>
+        </a:xfrm>
+      </p:grpSpPr>
+      <p:sp>
+        <p:nvSpPr>
+          <p:cNvPr id="5" name="Title 4">
+            <a:extLst>
+              <a:ext uri="{FF2B5EF4-FFF2-40B4-BE49-F238E27FC236}">
+                <a16:creationId xmlns:a16="http://schemas.microsoft.com/office/drawing/2014/main" id="{E164C9CA-47E7-5B76-54C2-D3CB1CA576C9}"/>
+              </a:ext>
+            </a:extLst>
+          </p:cNvPr>
+          <p:cNvSpPr>
+            <a:spLocks noGrp="1"/>
+          </p:cNvSpPr>
+          <p:nvPr>
+            <p:ph type="title"/>
+          </p:nvPr>
+        </p:nvSpPr>
+        <p:spPr/>
+        <p:txBody>
+          <a:bodyPr/>
+          <a:lstStyle/>
+          <a:p>
+            <a:r>
+              <a:rPr lang="en-CA" b="1" dirty="0">
+                <a:latin typeface="+mj-lt"/>
+              </a:rPr>
+              <a:t>Add More Actions with Templates</a:t>
+            </a:r>
+          </a:p>
+        </p:txBody>
+      </p:sp>
+      <p:pic>
+        <p:nvPicPr>
+          <p:cNvPr id="1026" name="Picture 2" descr="Template details">
+            <a:extLst>
+              <a:ext uri="{FF2B5EF4-FFF2-40B4-BE49-F238E27FC236}">
+                <a16:creationId xmlns:a16="http://schemas.microsoft.com/office/drawing/2014/main" id="{A49D8EA1-354E-4994-2A72-DD5B67E99345}"/>
+              </a:ext>
+            </a:extLst>
+          </p:cNvPr>
+          <p:cNvPicPr>
+            <a:picLocks noChangeAspect="1" noChangeArrowheads="1"/>
+          </p:cNvPicPr>
+          <p:nvPr/>
+        </p:nvPicPr>
+        <p:blipFill>
+          <a:blip r:embed="rId2">
+            <a:extLst>
+              <a:ext uri="{28A0092B-C50C-407E-A947-70E740481C1C}">
+                <a14:useLocalDpi xmlns:a14="http://schemas.microsoft.com/office/drawing/2010/main" val="0"/>
+              </a:ext>
+            </a:extLst>
+          </a:blip>
+          <a:srcRect/>
+          <a:stretch>
+            <a:fillRect/>
+          </a:stretch>
+        </p:blipFill>
+        <p:spPr bwMode="auto">
+          <a:xfrm>
+            <a:off x="1652899" y="913975"/>
+            <a:ext cx="8886202" cy="5530672"/>
+          </a:xfrm>
+          <a:prstGeom prst="rect">
+            <a:avLst/>
+          </a:prstGeom>
+          <a:noFill/>
+          <a:effectLst>
+            <a:outerShdw blurRad="63500" sx="102000" sy="102000" algn="ctr" rotWithShape="0">
+              <a:prstClr val="black">
+                <a:alpha val="40000"/>
+              </a:prstClr>
+            </a:outerShdw>
+          </a:effectLst>
+          <a:extLst>
+            <a:ext uri="{909E8E84-426E-40DD-AFC4-6F175D3DCCD1}">
+              <a14:hiddenFill xmlns:a14="http://schemas.microsoft.com/office/drawing/2010/main">
+                <a:solidFill>
+                  <a:srgbClr val="FFFFFF"/>
+                </a:solidFill>
+              </a14:hiddenFill>
+            </a:ext>
+          </a:extLst>
+        </p:spPr>
+      </p:pic>
+    </p:spTree>
+    <p:extLst>
+      <p:ext uri="{BB962C8B-B14F-4D97-AF65-F5344CB8AC3E}">
+        <p14:creationId xmlns:p14="http://schemas.microsoft.com/office/powerpoint/2010/main" val="3049015888"/>
+      </p:ext>
+    </p:extLst>
+  </p:cSld>
+  <p:clrMapOvr>
+    <a:masterClrMapping/>
+  </p:clrMapOvr>
+</p:sld>
+</file>
+
+<file path=ppt/slides/slide34.xml><?xml version="1.0" encoding="utf-8"?>
+<p:sld xmlns:a="http://schemas.openxmlformats.org/drawingml/2006/main" xmlns:r="http://schemas.openxmlformats.org/officeDocument/2006/relationships" xmlns:p="http://schemas.openxmlformats.org/presentationml/2006/main">
+  <p:cSld>
+    <p:spTree>
+      <p:nvGrpSpPr>
+        <p:cNvPr id="1" name=""/>
+        <p:cNvGrpSpPr/>
+        <p:nvPr/>
+      </p:nvGrpSpPr>
+      <p:grpSpPr>
+        <a:xfrm>
+          <a:off x="0" y="0"/>
+          <a:ext cx="0" cy="0"/>
+          <a:chOff x="0" y="0"/>
+          <a:chExt cx="0" cy="0"/>
+        </a:xfrm>
+      </p:grpSpPr>
+      <p:sp>
+        <p:nvSpPr>
+          <p:cNvPr id="6" name="Title 5">
+            <a:extLst>
+              <a:ext uri="{FF2B5EF4-FFF2-40B4-BE49-F238E27FC236}">
+                <a16:creationId xmlns:a16="http://schemas.microsoft.com/office/drawing/2014/main" id="{4ED1E0B2-0440-F85E-027D-40EBDA946C15}"/>
+              </a:ext>
+            </a:extLst>
+          </p:cNvPr>
+          <p:cNvSpPr>
+            <a:spLocks noGrp="1"/>
+          </p:cNvSpPr>
+          <p:nvPr>
+            <p:ph type="title"/>
+          </p:nvPr>
+        </p:nvSpPr>
+        <p:spPr>
+          <a:xfrm>
+            <a:off x="990600" y="3207757"/>
+            <a:ext cx="10210800" cy="442486"/>
+          </a:xfrm>
+        </p:spPr>
+        <p:txBody>
+          <a:bodyPr>
+            <a:noAutofit/>
+          </a:bodyPr>
+          <a:lstStyle/>
+          <a:p>
+            <a:pPr algn="ctr"/>
+            <a:r>
+              <a:rPr lang="en-US" sz="4500" b="1" dirty="0">
+                <a:latin typeface="+mj-lt"/>
+              </a:rPr>
+              <a:t>Integrate with </a:t>
+            </a:r>
+            <a:r>
+              <a:rPr lang="en-US" sz="4500" b="1" dirty="0" err="1">
+                <a:latin typeface="+mj-lt"/>
+              </a:rPr>
+              <a:t>Watsonx</a:t>
+            </a:r>
+            <a:r>
+              <a:rPr lang="en-US" sz="4500" b="1" dirty="0">
+                <a:latin typeface="+mj-lt"/>
+              </a:rPr>
+              <a:t> Discovery</a:t>
+            </a:r>
+          </a:p>
+        </p:txBody>
+      </p:sp>
+    </p:spTree>
+    <p:extLst>
+      <p:ext uri="{BB962C8B-B14F-4D97-AF65-F5344CB8AC3E}">
+        <p14:creationId xmlns:p14="http://schemas.microsoft.com/office/powerpoint/2010/main" val="1779444805"/>
+      </p:ext>
+    </p:extLst>
+  </p:cSld>
+  <p:clrMapOvr>
+    <a:masterClrMapping/>
+  </p:clrMapOvr>
+</p:sld>
+</file>
+
+<file path=ppt/slides/slide35.xml><?xml version="1.0" encoding="utf-8"?>
+<p:sld xmlns:a="http://schemas.openxmlformats.org/drawingml/2006/main" xmlns:r="http://schemas.openxmlformats.org/officeDocument/2006/relationships" xmlns:p="http://schemas.openxmlformats.org/presentationml/2006/main">
+  <p:cSld>
+    <p:spTree>
+      <p:nvGrpSpPr>
+        <p:cNvPr id="1" name=""/>
+        <p:cNvGrpSpPr/>
+        <p:nvPr/>
+      </p:nvGrpSpPr>
+      <p:grpSpPr>
+        <a:xfrm>
+          <a:off x="0" y="0"/>
+          <a:ext cx="0" cy="0"/>
+          <a:chOff x="0" y="0"/>
+          <a:chExt cx="0" cy="0"/>
+        </a:xfrm>
+      </p:grpSpPr>
+      <p:sp>
+        <p:nvSpPr>
+          <p:cNvPr id="5" name="Title 4">
+            <a:extLst>
+              <a:ext uri="{FF2B5EF4-FFF2-40B4-BE49-F238E27FC236}">
+                <a16:creationId xmlns:a16="http://schemas.microsoft.com/office/drawing/2014/main" id="{E164C9CA-47E7-5B76-54C2-D3CB1CA576C9}"/>
+              </a:ext>
+            </a:extLst>
+          </p:cNvPr>
+          <p:cNvSpPr>
+            <a:spLocks noGrp="1"/>
+          </p:cNvSpPr>
+          <p:nvPr>
+            <p:ph type="title"/>
+          </p:nvPr>
+        </p:nvSpPr>
+        <p:spPr/>
+        <p:txBody>
+          <a:bodyPr/>
+          <a:lstStyle/>
+          <a:p>
+            <a:r>
+              <a:rPr lang="en-CA" b="1" dirty="0">
+                <a:latin typeface="+mj-lt"/>
+              </a:rPr>
+              <a:t>ADD TEXT HERE</a:t>
+            </a:r>
+          </a:p>
+        </p:txBody>
+      </p:sp>
+      <p:pic>
+        <p:nvPicPr>
+          <p:cNvPr id="2050" name="Picture 2" descr="High-level archicture">
+            <a:extLst>
+              <a:ext uri="{FF2B5EF4-FFF2-40B4-BE49-F238E27FC236}">
+                <a16:creationId xmlns:a16="http://schemas.microsoft.com/office/drawing/2014/main" id="{342A3BF2-ECCA-352F-A565-78D6131B9432}"/>
+              </a:ext>
+            </a:extLst>
+          </p:cNvPr>
+          <p:cNvPicPr>
+            <a:picLocks noChangeAspect="1" noChangeArrowheads="1"/>
+          </p:cNvPicPr>
+          <p:nvPr/>
+        </p:nvPicPr>
+        <p:blipFill>
+          <a:blip r:embed="rId2" cstate="print">
+            <a:extLst>
+              <a:ext uri="{28A0092B-C50C-407E-A947-70E740481C1C}">
+                <a14:useLocalDpi xmlns:a14="http://schemas.microsoft.com/office/drawing/2010/main" val="0"/>
+              </a:ext>
+            </a:extLst>
+          </a:blip>
+          <a:srcRect/>
+          <a:stretch>
+            <a:fillRect/>
+          </a:stretch>
+        </p:blipFill>
+        <p:spPr bwMode="auto">
+          <a:xfrm>
+            <a:off x="2581952" y="2131944"/>
+            <a:ext cx="6817152" cy="3421891"/>
+          </a:xfrm>
+          <a:prstGeom prst="rect">
+            <a:avLst/>
+          </a:prstGeom>
+          <a:noFill/>
+          <a:extLst>
+            <a:ext uri="{909E8E84-426E-40DD-AFC4-6F175D3DCCD1}">
+              <a14:hiddenFill xmlns:a14="http://schemas.microsoft.com/office/drawing/2010/main">
+                <a:solidFill>
+                  <a:srgbClr val="FFFFFF"/>
+                </a:solidFill>
+              </a14:hiddenFill>
+            </a:ext>
+          </a:extLst>
+        </p:spPr>
+      </p:pic>
+    </p:spTree>
+    <p:extLst>
+      <p:ext uri="{BB962C8B-B14F-4D97-AF65-F5344CB8AC3E}">
+        <p14:creationId xmlns:p14="http://schemas.microsoft.com/office/powerpoint/2010/main" val="1213342565"/>
+      </p:ext>
+    </p:extLst>
+  </p:cSld>
+  <p:clrMapOvr>
+    <a:masterClrMapping/>
+  </p:clrMapOvr>
+</p:sld>
+</file>
+
+<file path=ppt/slides/slide36.xml><?xml version="1.0" encoding="utf-8"?>
+<p:sld xmlns:a="http://schemas.openxmlformats.org/drawingml/2006/main" xmlns:r="http://schemas.openxmlformats.org/officeDocument/2006/relationships" xmlns:p="http://schemas.openxmlformats.org/presentationml/2006/main">
+  <p:cSld>
+    <p:spTree>
+      <p:nvGrpSpPr>
+        <p:cNvPr id="1" name=""/>
+        <p:cNvGrpSpPr/>
+        <p:nvPr/>
+      </p:nvGrpSpPr>
+      <p:grpSpPr>
+        <a:xfrm>
+          <a:off x="0" y="0"/>
+          <a:ext cx="0" cy="0"/>
+          <a:chOff x="0" y="0"/>
+          <a:chExt cx="0" cy="0"/>
+        </a:xfrm>
+      </p:grpSpPr>
+      <p:sp>
+        <p:nvSpPr>
+          <p:cNvPr id="5" name="Title 4">
+            <a:extLst>
+              <a:ext uri="{FF2B5EF4-FFF2-40B4-BE49-F238E27FC236}">
+                <a16:creationId xmlns:a16="http://schemas.microsoft.com/office/drawing/2014/main" id="{E164C9CA-47E7-5B76-54C2-D3CB1CA576C9}"/>
+              </a:ext>
+            </a:extLst>
+          </p:cNvPr>
+          <p:cNvSpPr>
+            <a:spLocks noGrp="1"/>
+          </p:cNvSpPr>
+          <p:nvPr>
+            <p:ph type="title"/>
+          </p:nvPr>
+        </p:nvSpPr>
+        <p:spPr/>
+        <p:txBody>
+          <a:bodyPr/>
+          <a:lstStyle/>
+          <a:p>
+            <a:r>
+              <a:rPr lang="en-CA" b="1" dirty="0">
+                <a:latin typeface="+mj-lt"/>
+              </a:rPr>
+              <a:t>ADD TEXT HERE</a:t>
+            </a:r>
+          </a:p>
+        </p:txBody>
+      </p:sp>
+    </p:spTree>
+    <p:extLst>
+      <p:ext uri="{BB962C8B-B14F-4D97-AF65-F5344CB8AC3E}">
+        <p14:creationId xmlns:p14="http://schemas.microsoft.com/office/powerpoint/2010/main" val="2789412019"/>
+      </p:ext>
+    </p:extLst>
+  </p:cSld>
+  <p:clrMapOvr>
+    <a:masterClrMapping/>
+  </p:clrMapOvr>
+</p:sld>
+</file>
+
+<file path=ppt/slides/slide37.xml><?xml version="1.0" encoding="utf-8"?>
+<p:sld xmlns:a="http://schemas.openxmlformats.org/drawingml/2006/main" xmlns:r="http://schemas.openxmlformats.org/officeDocument/2006/relationships" xmlns:p="http://schemas.openxmlformats.org/presentationml/2006/main">
+  <p:cSld>
+    <p:spTree>
+      <p:nvGrpSpPr>
+        <p:cNvPr id="1" name=""/>
+        <p:cNvGrpSpPr/>
+        <p:nvPr/>
+      </p:nvGrpSpPr>
+      <p:grpSpPr>
+        <a:xfrm>
+          <a:off x="0" y="0"/>
+          <a:ext cx="0" cy="0"/>
+          <a:chOff x="0" y="0"/>
+          <a:chExt cx="0" cy="0"/>
+        </a:xfrm>
+      </p:grpSpPr>
+      <p:sp>
+        <p:nvSpPr>
+          <p:cNvPr id="6" name="Title 5">
+            <a:extLst>
+              <a:ext uri="{FF2B5EF4-FFF2-40B4-BE49-F238E27FC236}">
+                <a16:creationId xmlns:a16="http://schemas.microsoft.com/office/drawing/2014/main" id="{4ED1E0B2-0440-F85E-027D-40EBDA946C15}"/>
+              </a:ext>
+            </a:extLst>
+          </p:cNvPr>
+          <p:cNvSpPr>
+            <a:spLocks noGrp="1"/>
+          </p:cNvSpPr>
+          <p:nvPr>
+            <p:ph type="title"/>
+          </p:nvPr>
+        </p:nvSpPr>
+        <p:spPr>
+          <a:xfrm>
+            <a:off x="990600" y="3207757"/>
+            <a:ext cx="10210800" cy="442486"/>
+          </a:xfrm>
+        </p:spPr>
+        <p:txBody>
+          <a:bodyPr>
+            <a:noAutofit/>
+          </a:bodyPr>
+          <a:lstStyle/>
+          <a:p>
+            <a:pPr algn="ctr"/>
+            <a:r>
+              <a:rPr lang="en-US" sz="4500" b="1" dirty="0">
+                <a:latin typeface="+mj-lt"/>
+              </a:rPr>
+              <a:t>Integrate with Db2</a:t>
+            </a:r>
+          </a:p>
+        </p:txBody>
+      </p:sp>
+    </p:spTree>
+    <p:extLst>
+      <p:ext uri="{BB962C8B-B14F-4D97-AF65-F5344CB8AC3E}">
+        <p14:creationId xmlns:p14="http://schemas.microsoft.com/office/powerpoint/2010/main" val="2669331647"/>
+      </p:ext>
+    </p:extLst>
+  </p:cSld>
+  <p:clrMapOvr>
+    <a:masterClrMapping/>
+  </p:clrMapOvr>
+</p:sld>
+</file>
+
+<file path=ppt/slides/slide38.xml><?xml version="1.0" encoding="utf-8"?>
+<p:sld xmlns:a="http://schemas.openxmlformats.org/drawingml/2006/main" xmlns:r="http://schemas.openxmlformats.org/officeDocument/2006/relationships" xmlns:p="http://schemas.openxmlformats.org/presentationml/2006/main">
+  <p:cSld>
+    <p:spTree>
+      <p:nvGrpSpPr>
+        <p:cNvPr id="1" name=""/>
+        <p:cNvGrpSpPr/>
+        <p:nvPr/>
+      </p:nvGrpSpPr>
+      <p:grpSpPr>
+        <a:xfrm>
+          <a:off x="0" y="0"/>
+          <a:ext cx="0" cy="0"/>
+          <a:chOff x="0" y="0"/>
+          <a:chExt cx="0" cy="0"/>
+        </a:xfrm>
+      </p:grpSpPr>
+      <p:sp>
+        <p:nvSpPr>
+          <p:cNvPr id="5" name="Title 4">
+            <a:extLst>
+              <a:ext uri="{FF2B5EF4-FFF2-40B4-BE49-F238E27FC236}">
+                <a16:creationId xmlns:a16="http://schemas.microsoft.com/office/drawing/2014/main" id="{E164C9CA-47E7-5B76-54C2-D3CB1CA576C9}"/>
+              </a:ext>
+            </a:extLst>
+          </p:cNvPr>
+          <p:cNvSpPr>
+            <a:spLocks noGrp="1"/>
+          </p:cNvSpPr>
+          <p:nvPr>
+            <p:ph type="title"/>
+          </p:nvPr>
+        </p:nvSpPr>
+        <p:spPr/>
+        <p:txBody>
+          <a:bodyPr/>
+          <a:lstStyle/>
+          <a:p>
+            <a:r>
+              <a:rPr lang="en-CA" b="1" dirty="0">
+                <a:latin typeface="+mj-lt"/>
+              </a:rPr>
+              <a:t>Create Db2 Database in IBM Cloud</a:t>
+            </a:r>
+          </a:p>
+        </p:txBody>
+      </p:sp>
+      <p:pic>
+        <p:nvPicPr>
+          <p:cNvPr id="3" name="Picture 2">
+            <a:extLst>
+              <a:ext uri="{FF2B5EF4-FFF2-40B4-BE49-F238E27FC236}">
+                <a16:creationId xmlns:a16="http://schemas.microsoft.com/office/drawing/2014/main" id="{2714384F-6573-63F2-4607-C0251A838432}"/>
+              </a:ext>
+            </a:extLst>
+          </p:cNvPr>
+          <p:cNvPicPr>
+            <a:picLocks noChangeAspect="1"/>
+          </p:cNvPicPr>
+          <p:nvPr/>
+        </p:nvPicPr>
+        <p:blipFill>
+          <a:blip r:embed="rId2"/>
+          <a:stretch>
+            <a:fillRect/>
+          </a:stretch>
+        </p:blipFill>
+        <p:spPr>
+          <a:xfrm>
+            <a:off x="729207" y="940200"/>
+            <a:ext cx="10733586" cy="5290408"/>
+          </a:xfrm>
+          <a:prstGeom prst="rect">
+            <a:avLst/>
+          </a:prstGeom>
+          <a:effectLst>
+            <a:outerShdw blurRad="63500" sx="102000" sy="102000" algn="ctr" rotWithShape="0">
+              <a:prstClr val="black">
+                <a:alpha val="40000"/>
+              </a:prstClr>
+            </a:outerShdw>
+          </a:effectLst>
+        </p:spPr>
+      </p:pic>
+    </p:spTree>
+    <p:extLst>
+      <p:ext uri="{BB962C8B-B14F-4D97-AF65-F5344CB8AC3E}">
+        <p14:creationId xmlns:p14="http://schemas.microsoft.com/office/powerpoint/2010/main" val="1606336023"/>
+      </p:ext>
+    </p:extLst>
+  </p:cSld>
+  <p:clrMapOvr>
+    <a:masterClrMapping/>
+  </p:clrMapOvr>
+</p:sld>
+</file>
+
+<file path=ppt/slides/slide39.xml><?xml version="1.0" encoding="utf-8"?>
+<p:sld xmlns:a="http://schemas.openxmlformats.org/drawingml/2006/main" xmlns:r="http://schemas.openxmlformats.org/officeDocument/2006/relationships" xmlns:p="http://schemas.openxmlformats.org/presentationml/2006/main">
+  <p:cSld>
+    <p:spTree>
+      <p:nvGrpSpPr>
+        <p:cNvPr id="1" name=""/>
+        <p:cNvGrpSpPr/>
+        <p:nvPr/>
+      </p:nvGrpSpPr>
+      <p:grpSpPr>
+        <a:xfrm>
+          <a:off x="0" y="0"/>
+          <a:ext cx="0" cy="0"/>
+          <a:chOff x="0" y="0"/>
+          <a:chExt cx="0" cy="0"/>
+        </a:xfrm>
+      </p:grpSpPr>
+      <p:sp>
+        <p:nvSpPr>
+          <p:cNvPr id="5" name="Title 4">
+            <a:extLst>
+              <a:ext uri="{FF2B5EF4-FFF2-40B4-BE49-F238E27FC236}">
+                <a16:creationId xmlns:a16="http://schemas.microsoft.com/office/drawing/2014/main" id="{E164C9CA-47E7-5B76-54C2-D3CB1CA576C9}"/>
+              </a:ext>
+            </a:extLst>
+          </p:cNvPr>
+          <p:cNvSpPr>
+            <a:spLocks noGrp="1"/>
+          </p:cNvSpPr>
+          <p:nvPr>
+            <p:ph type="title"/>
+          </p:nvPr>
+        </p:nvSpPr>
+        <p:spPr/>
+        <p:txBody>
+          <a:bodyPr/>
+          <a:lstStyle/>
+          <a:p>
+            <a:r>
+              <a:rPr lang="en-CA" b="1" dirty="0">
+                <a:latin typeface="+mj-lt"/>
+              </a:rPr>
+              <a:t>Create Service Credentials</a:t>
+            </a:r>
+          </a:p>
+        </p:txBody>
+      </p:sp>
+      <p:pic>
+        <p:nvPicPr>
+          <p:cNvPr id="3" name="Picture 2">
+            <a:extLst>
+              <a:ext uri="{FF2B5EF4-FFF2-40B4-BE49-F238E27FC236}">
+                <a16:creationId xmlns:a16="http://schemas.microsoft.com/office/drawing/2014/main" id="{97E1FB29-2F33-A3BA-70AA-1BFDF8FB6EE2}"/>
+              </a:ext>
+            </a:extLst>
+          </p:cNvPr>
+          <p:cNvPicPr>
+            <a:picLocks noChangeAspect="1"/>
+          </p:cNvPicPr>
+          <p:nvPr/>
+        </p:nvPicPr>
+        <p:blipFill>
+          <a:blip r:embed="rId2"/>
+          <a:stretch>
+            <a:fillRect/>
+          </a:stretch>
+        </p:blipFill>
+        <p:spPr>
+          <a:xfrm>
+            <a:off x="610867" y="1330044"/>
+            <a:ext cx="7483979" cy="4197911"/>
+          </a:xfrm>
+          <a:prstGeom prst="rect">
+            <a:avLst/>
+          </a:prstGeom>
+          <a:effectLst>
+            <a:outerShdw blurRad="63500" sx="102000" sy="102000" algn="ctr" rotWithShape="0">
+              <a:prstClr val="black">
+                <a:alpha val="40000"/>
+              </a:prstClr>
+            </a:outerShdw>
+          </a:effectLst>
+        </p:spPr>
+      </p:pic>
+      <p:sp>
+        <p:nvSpPr>
+          <p:cNvPr id="6" name="TextBox 5">
+            <a:extLst>
+              <a:ext uri="{FF2B5EF4-FFF2-40B4-BE49-F238E27FC236}">
+                <a16:creationId xmlns:a16="http://schemas.microsoft.com/office/drawing/2014/main" id="{3B138665-6F0E-1990-C8CE-6838D52D5DB2}"/>
+              </a:ext>
+            </a:extLst>
+          </p:cNvPr>
+          <p:cNvSpPr txBox="1"/>
+          <p:nvPr/>
+        </p:nvSpPr>
+        <p:spPr>
+          <a:xfrm>
+            <a:off x="9362974" y="2644169"/>
+            <a:ext cx="1985211" cy="1569660"/>
+          </a:xfrm>
+          <a:prstGeom prst="rect">
+            <a:avLst/>
+          </a:prstGeom>
+          <a:noFill/>
+        </p:spPr>
+        <p:txBody>
+          <a:bodyPr wrap="square">
+            <a:spAutoFit/>
+          </a:bodyPr>
+          <a:lstStyle/>
+          <a:p>
+            <a:r>
+              <a:rPr lang="en-CA" sz="1600" dirty="0">
+                <a:latin typeface="+mj-lt"/>
+              </a:rPr>
+              <a:t>Note the following:</a:t>
+            </a:r>
+          </a:p>
+          <a:p>
+            <a:pPr marL="285750" indent="-285750">
+              <a:buFont typeface="Arial" panose="020B0604020202020204" pitchFamily="34" charset="0"/>
+              <a:buChar char="•"/>
+            </a:pPr>
+            <a:r>
+              <a:rPr lang="en-CA" sz="1600" dirty="0">
+                <a:latin typeface="+mj-lt"/>
+              </a:rPr>
+              <a:t>database</a:t>
+            </a:r>
+          </a:p>
+          <a:p>
+            <a:pPr marL="285750" indent="-285750">
+              <a:buFont typeface="Arial" panose="020B0604020202020204" pitchFamily="34" charset="0"/>
+              <a:buChar char="•"/>
+            </a:pPr>
+            <a:r>
+              <a:rPr lang="en-CA" sz="1600" dirty="0">
+                <a:latin typeface="+mj-lt"/>
+              </a:rPr>
+              <a:t>hostname</a:t>
+            </a:r>
+          </a:p>
+          <a:p>
+            <a:pPr marL="285750" indent="-285750">
+              <a:buFont typeface="Arial" panose="020B0604020202020204" pitchFamily="34" charset="0"/>
+              <a:buChar char="•"/>
+            </a:pPr>
+            <a:r>
+              <a:rPr lang="en-CA" sz="1600" dirty="0">
+                <a:latin typeface="+mj-lt"/>
+              </a:rPr>
+              <a:t>port</a:t>
+            </a:r>
+          </a:p>
+          <a:p>
+            <a:pPr marL="285750" indent="-285750">
+              <a:buFont typeface="Arial" panose="020B0604020202020204" pitchFamily="34" charset="0"/>
+              <a:buChar char="•"/>
+            </a:pPr>
+            <a:r>
+              <a:rPr lang="en-CA" sz="1600" dirty="0">
+                <a:latin typeface="+mj-lt"/>
+              </a:rPr>
+              <a:t>username</a:t>
+            </a:r>
+          </a:p>
+          <a:p>
+            <a:pPr marL="285750" indent="-285750">
+              <a:buFont typeface="Arial" panose="020B0604020202020204" pitchFamily="34" charset="0"/>
+              <a:buChar char="•"/>
+            </a:pPr>
+            <a:r>
+              <a:rPr lang="en-CA" sz="1600" dirty="0">
+                <a:latin typeface="+mj-lt"/>
+              </a:rPr>
+              <a:t>password</a:t>
+            </a:r>
+          </a:p>
+        </p:txBody>
+      </p:sp>
+      <p:cxnSp>
+        <p:nvCxnSpPr>
+          <p:cNvPr id="7" name="Straight Arrow Connector 6">
+            <a:extLst>
+              <a:ext uri="{FF2B5EF4-FFF2-40B4-BE49-F238E27FC236}">
+                <a16:creationId xmlns:a16="http://schemas.microsoft.com/office/drawing/2014/main" id="{70D68C9E-B33E-364F-5F59-F060722FF250}"/>
+              </a:ext>
+            </a:extLst>
+          </p:cNvPr>
+          <p:cNvCxnSpPr>
+            <a:cxnSpLocks/>
+            <a:stCxn id="3" idx="3"/>
+            <a:endCxn id="6" idx="1"/>
+          </p:cNvCxnSpPr>
+          <p:nvPr/>
+        </p:nvCxnSpPr>
+        <p:spPr>
+          <a:xfrm flipV="1">
+            <a:off x="8094846" y="3428999"/>
+            <a:ext cx="1268128" cy="1"/>
+          </a:xfrm>
+          <a:prstGeom prst="straightConnector1">
+            <a:avLst/>
+          </a:prstGeom>
+          <a:ln>
+            <a:solidFill>
+              <a:srgbClr val="1670FF"/>
+            </a:solidFill>
+            <a:tailEnd type="triangle"/>
+          </a:ln>
+          <a:effectLst>
+            <a:outerShdw blurRad="63500" sx="102000" sy="102000" algn="ctr" rotWithShape="0">
+              <a:prstClr val="black">
+                <a:alpha val="40000"/>
+              </a:prstClr>
+            </a:outerShdw>
+          </a:effectLst>
+        </p:spPr>
+        <p:style>
+          <a:lnRef idx="2">
+            <a:schemeClr val="accent1"/>
+          </a:lnRef>
+          <a:fillRef idx="0">
+            <a:schemeClr val="accent1"/>
+          </a:fillRef>
+          <a:effectRef idx="1">
+            <a:schemeClr val="accent1"/>
+          </a:effectRef>
+          <a:fontRef idx="minor">
+            <a:schemeClr val="tx1"/>
+          </a:fontRef>
+        </p:style>
+      </p:cxnSp>
+    </p:spTree>
+    <p:extLst>
+      <p:ext uri="{BB962C8B-B14F-4D97-AF65-F5344CB8AC3E}">
+        <p14:creationId xmlns:p14="http://schemas.microsoft.com/office/powerpoint/2010/main" val="663120837"/>
+      </p:ext>
+    </p:extLst>
+  </p:cSld>
+  <p:clrMapOvr>
+    <a:masterClrMapping/>
+  </p:clrMapOvr>
+</p:sld>
+</file>
+
+<file path=ppt/slides/slide4.xml><?xml version="1.0" encoding="utf-8"?>
+<p:sld xmlns:a="http://schemas.openxmlformats.org/drawingml/2006/main" xmlns:r="http://schemas.openxmlformats.org/officeDocument/2006/relationships" xmlns:p="http://schemas.openxmlformats.org/presentationml/2006/main">
+  <p:cSld>
+    <p:spTree>
+      <p:nvGrpSpPr>
+        <p:cNvPr id="1" name=""/>
+        <p:cNvGrpSpPr/>
+        <p:nvPr/>
+      </p:nvGrpSpPr>
+      <p:grpSpPr>
+        <a:xfrm>
+          <a:off x="0" y="0"/>
+          <a:ext cx="0" cy="0"/>
+          <a:chOff x="0" y="0"/>
+          <a:chExt cx="0" cy="0"/>
+        </a:xfrm>
+      </p:grpSpPr>
+      <p:sp>
+        <p:nvSpPr>
+          <p:cNvPr id="5" name="Title 4">
+            <a:extLst>
+              <a:ext uri="{FF2B5EF4-FFF2-40B4-BE49-F238E27FC236}">
+                <a16:creationId xmlns:a16="http://schemas.microsoft.com/office/drawing/2014/main" id="{E164C9CA-47E7-5B76-54C2-D3CB1CA576C9}"/>
+              </a:ext>
+            </a:extLst>
+          </p:cNvPr>
+          <p:cNvSpPr>
+            <a:spLocks noGrp="1"/>
+          </p:cNvSpPr>
+          <p:nvPr>
+            <p:ph type="title"/>
+          </p:nvPr>
+        </p:nvSpPr>
+        <p:spPr/>
+        <p:txBody>
+          <a:bodyPr/>
+          <a:lstStyle/>
+          <a:p>
+            <a:r>
+              <a:rPr lang="en-CA" b="1" dirty="0">
+                <a:latin typeface="+mj-lt"/>
+              </a:rPr>
+              <a:t>What is </a:t>
+            </a:r>
+            <a:r>
+              <a:rPr lang="en-CA" b="1" dirty="0" err="1">
+                <a:latin typeface="+mj-lt"/>
+              </a:rPr>
+              <a:t>Watsonx</a:t>
+            </a:r>
+            <a:r>
+              <a:rPr lang="en-CA" b="1" dirty="0">
+                <a:latin typeface="+mj-lt"/>
+              </a:rPr>
+              <a:t> Assistant?</a:t>
+            </a:r>
+          </a:p>
+        </p:txBody>
+      </p:sp>
+      <p:sp>
+        <p:nvSpPr>
+          <p:cNvPr id="6" name="Text Placeholder 5">
+            <a:extLst>
+              <a:ext uri="{FF2B5EF4-FFF2-40B4-BE49-F238E27FC236}">
+                <a16:creationId xmlns:a16="http://schemas.microsoft.com/office/drawing/2014/main" id="{92CCBB2A-9653-B3A8-B8CF-E55B1670D895}"/>
+              </a:ext>
+            </a:extLst>
+          </p:cNvPr>
+          <p:cNvSpPr>
+            <a:spLocks noGrp="1"/>
+          </p:cNvSpPr>
+          <p:nvPr>
+            <p:ph type="body" sz="quarter" idx="15"/>
+          </p:nvPr>
+        </p:nvSpPr>
+        <p:spPr>
+          <a:xfrm>
+            <a:off x="310897" y="1044454"/>
+            <a:ext cx="5831487" cy="5128592"/>
+          </a:xfrm>
+        </p:spPr>
+        <p:txBody>
+          <a:bodyPr/>
+          <a:lstStyle/>
+          <a:p>
+            <a:pPr marL="0" indent="0" algn="ctr">
+              <a:buNone/>
+            </a:pPr>
+            <a:r>
+              <a:rPr lang="en-US" dirty="0">
+                <a:latin typeface="+mj-lt"/>
+              </a:rPr>
+              <a:t>“Conversational AI solution that empowers anyone to effortlessly build generative AI Assistants that deliver frictionless self-service experiences to customers”</a:t>
+            </a:r>
+          </a:p>
+          <a:p>
+            <a:pPr marL="0" indent="0" algn="ctr">
+              <a:buNone/>
+            </a:pPr>
+            <a:r>
+              <a:rPr lang="en-US" dirty="0">
+                <a:latin typeface="+mj-lt"/>
+              </a:rPr>
+              <a:t>↓</a:t>
+            </a:r>
+          </a:p>
+          <a:p>
+            <a:pPr marL="0" indent="0" algn="ctr">
+              <a:buNone/>
+            </a:pPr>
+            <a:r>
+              <a:rPr lang="en-US" dirty="0">
+                <a:solidFill>
+                  <a:srgbClr val="1670FF"/>
+                </a:solidFill>
+                <a:latin typeface="+mj-lt"/>
+              </a:rPr>
+              <a:t>Use </a:t>
+            </a:r>
+            <a:r>
+              <a:rPr lang="en-US" dirty="0" err="1">
+                <a:solidFill>
+                  <a:srgbClr val="1670FF"/>
+                </a:solidFill>
+                <a:latin typeface="+mj-lt"/>
+              </a:rPr>
+              <a:t>Watsonx</a:t>
+            </a:r>
+            <a:r>
+              <a:rPr lang="en-US" dirty="0">
+                <a:solidFill>
+                  <a:srgbClr val="1670FF"/>
+                </a:solidFill>
+                <a:latin typeface="+mj-lt"/>
+              </a:rPr>
+              <a:t> Assistant to build your own branded live chatbot</a:t>
+            </a:r>
+          </a:p>
+          <a:p>
+            <a:pPr marL="0" indent="0">
+              <a:buNone/>
+            </a:pPr>
+            <a:endParaRPr lang="en-US" dirty="0">
+              <a:latin typeface="+mj-lt"/>
+            </a:endParaRPr>
+          </a:p>
+          <a:p>
+            <a:endParaRPr lang="en-US" dirty="0">
+              <a:latin typeface="+mj-lt"/>
+            </a:endParaRPr>
+          </a:p>
+          <a:p>
+            <a:r>
+              <a:rPr lang="en-US" dirty="0">
+                <a:latin typeface="+mj-lt"/>
+              </a:rPr>
+              <a:t>💻 Bring the assistant to your customers, where they are</a:t>
+            </a:r>
+          </a:p>
+          <a:p>
+            <a:endParaRPr lang="en-US" dirty="0">
+              <a:latin typeface="+mj-lt"/>
+            </a:endParaRPr>
+          </a:p>
+          <a:p>
+            <a:r>
+              <a:rPr lang="en-US" dirty="0">
+                <a:latin typeface="+mj-lt"/>
+              </a:rPr>
+              <a:t>🧠 Create AI-driven conversational flows</a:t>
+            </a:r>
+          </a:p>
+          <a:p>
+            <a:endParaRPr lang="en-US" dirty="0">
+              <a:latin typeface="+mj-lt"/>
+            </a:endParaRPr>
+          </a:p>
+          <a:p>
+            <a:r>
+              <a:rPr lang="en-US" dirty="0">
+                <a:latin typeface="+mj-lt"/>
+              </a:rPr>
+              <a:t>📑 Embed existing help content</a:t>
+            </a:r>
+          </a:p>
+          <a:p>
+            <a:endParaRPr lang="en-US" dirty="0">
+              <a:latin typeface="+mj-lt"/>
+            </a:endParaRPr>
+          </a:p>
+          <a:p>
+            <a:r>
+              <a:rPr lang="en-US" dirty="0">
+                <a:latin typeface="+mj-lt"/>
+              </a:rPr>
+              <a:t>🤝 Connect to your customer service teams</a:t>
+            </a:r>
+          </a:p>
+          <a:p>
+            <a:endParaRPr lang="en-CA" dirty="0">
+              <a:latin typeface="+mj-lt"/>
+            </a:endParaRPr>
+          </a:p>
+          <a:p>
+            <a:r>
+              <a:rPr lang="en-US" dirty="0">
+                <a:latin typeface="+mj-lt"/>
+              </a:rPr>
+              <a:t>🎯 Track customer engagement and satisfaction</a:t>
+            </a:r>
+            <a:endParaRPr lang="en-CA" dirty="0">
+              <a:latin typeface="+mj-lt"/>
+            </a:endParaRPr>
+          </a:p>
+        </p:txBody>
+      </p:sp>
+      <p:pic>
+        <p:nvPicPr>
+          <p:cNvPr id="4098" name="Picture 2">
+            <a:extLst>
+              <a:ext uri="{FF2B5EF4-FFF2-40B4-BE49-F238E27FC236}">
+                <a16:creationId xmlns:a16="http://schemas.microsoft.com/office/drawing/2014/main" id="{70754815-AFE5-3BF3-180C-020FA221878C}"/>
+              </a:ext>
+            </a:extLst>
+          </p:cNvPr>
+          <p:cNvPicPr>
+            <a:picLocks noChangeAspect="1" noChangeArrowheads="1"/>
+          </p:cNvPicPr>
+          <p:nvPr/>
+        </p:nvPicPr>
+        <p:blipFill>
+          <a:blip r:embed="rId2" cstate="print">
+            <a:extLst>
+              <a:ext uri="{28A0092B-C50C-407E-A947-70E740481C1C}">
+                <a14:useLocalDpi xmlns:a14="http://schemas.microsoft.com/office/drawing/2010/main" val="0"/>
+              </a:ext>
+            </a:extLst>
+          </a:blip>
+          <a:srcRect/>
+          <a:stretch>
+            <a:fillRect/>
+          </a:stretch>
+        </p:blipFill>
+        <p:spPr bwMode="auto">
+          <a:xfrm>
+            <a:off x="6315042" y="1658196"/>
+            <a:ext cx="5499480" cy="3901109"/>
+          </a:xfrm>
+          <a:prstGeom prst="rect">
+            <a:avLst/>
+          </a:prstGeom>
+          <a:noFill/>
+          <a:extLst>
+            <a:ext uri="{909E8E84-426E-40DD-AFC4-6F175D3DCCD1}">
+              <a14:hiddenFill xmlns:a14="http://schemas.microsoft.com/office/drawing/2010/main">
+                <a:solidFill>
+                  <a:srgbClr val="FFFFFF"/>
+                </a:solidFill>
+              </a14:hiddenFill>
+            </a:ext>
+          </a:extLst>
+        </p:spPr>
+      </p:pic>
+    </p:spTree>
+    <p:extLst>
+      <p:ext uri="{BB962C8B-B14F-4D97-AF65-F5344CB8AC3E}">
+        <p14:creationId xmlns:p14="http://schemas.microsoft.com/office/powerpoint/2010/main" val="3209928252"/>
+      </p:ext>
+    </p:extLst>
+  </p:cSld>
+  <p:clrMapOvr>
+    <a:masterClrMapping/>
+  </p:clrMapOvr>
+</p:sld>
+</file>
+
+<file path=ppt/slides/slide40.xml><?xml version="1.0" encoding="utf-8"?>
+<p:sld xmlns:a="http://schemas.openxmlformats.org/drawingml/2006/main" xmlns:r="http://schemas.openxmlformats.org/officeDocument/2006/relationships" xmlns:p="http://schemas.openxmlformats.org/presentationml/2006/main">
+  <p:cSld>
+    <p:spTree>
+      <p:nvGrpSpPr>
+        <p:cNvPr id="1" name=""/>
+        <p:cNvGrpSpPr/>
+        <p:nvPr/>
+      </p:nvGrpSpPr>
+      <p:grpSpPr>
+        <a:xfrm>
+          <a:off x="0" y="0"/>
+          <a:ext cx="0" cy="0"/>
+          <a:chOff x="0" y="0"/>
+          <a:chExt cx="0" cy="0"/>
+        </a:xfrm>
+      </p:grpSpPr>
+      <p:sp>
+        <p:nvSpPr>
+          <p:cNvPr id="5" name="Title 4">
+            <a:extLst>
+              <a:ext uri="{FF2B5EF4-FFF2-40B4-BE49-F238E27FC236}">
+                <a16:creationId xmlns:a16="http://schemas.microsoft.com/office/drawing/2014/main" id="{E164C9CA-47E7-5B76-54C2-D3CB1CA576C9}"/>
+              </a:ext>
+            </a:extLst>
+          </p:cNvPr>
+          <p:cNvSpPr>
+            <a:spLocks noGrp="1"/>
+          </p:cNvSpPr>
+          <p:nvPr>
+            <p:ph type="title"/>
+          </p:nvPr>
+        </p:nvSpPr>
+        <p:spPr/>
+        <p:txBody>
+          <a:bodyPr/>
+          <a:lstStyle/>
+          <a:p>
+            <a:r>
+              <a:rPr lang="en-CA" b="1" dirty="0">
+                <a:latin typeface="+mj-lt"/>
+              </a:rPr>
+              <a:t>Create Account Table and Insert Data</a:t>
+            </a:r>
+          </a:p>
+        </p:txBody>
+      </p:sp>
+      <p:pic>
+        <p:nvPicPr>
+          <p:cNvPr id="15" name="Picture 14">
+            <a:extLst>
+              <a:ext uri="{FF2B5EF4-FFF2-40B4-BE49-F238E27FC236}">
+                <a16:creationId xmlns:a16="http://schemas.microsoft.com/office/drawing/2014/main" id="{3D9C2A57-7F0E-CEE6-3815-B643BED9470D}"/>
+              </a:ext>
+            </a:extLst>
+          </p:cNvPr>
+          <p:cNvPicPr>
+            <a:picLocks noChangeAspect="1"/>
+          </p:cNvPicPr>
+          <p:nvPr/>
+        </p:nvPicPr>
+        <p:blipFill>
+          <a:blip r:embed="rId2"/>
+          <a:stretch>
+            <a:fillRect/>
+          </a:stretch>
+        </p:blipFill>
+        <p:spPr>
+          <a:xfrm>
+            <a:off x="422580" y="1158872"/>
+            <a:ext cx="11346840" cy="4540256"/>
+          </a:xfrm>
+          <a:prstGeom prst="rect">
+            <a:avLst/>
+          </a:prstGeom>
+          <a:effectLst>
+            <a:outerShdw blurRad="63500" sx="102000" sy="102000" algn="ctr" rotWithShape="0">
+              <a:prstClr val="black">
+                <a:alpha val="40000"/>
+              </a:prstClr>
+            </a:outerShdw>
+          </a:effectLst>
+        </p:spPr>
+      </p:pic>
+    </p:spTree>
+    <p:extLst>
+      <p:ext uri="{BB962C8B-B14F-4D97-AF65-F5344CB8AC3E}">
+        <p14:creationId xmlns:p14="http://schemas.microsoft.com/office/powerpoint/2010/main" val="1109067121"/>
+      </p:ext>
+    </p:extLst>
+  </p:cSld>
+  <p:clrMapOvr>
+    <a:masterClrMapping/>
+  </p:clrMapOvr>
+</p:sld>
+</file>
+
+<file path=ppt/slides/slide41.xml><?xml version="1.0" encoding="utf-8"?>
+<p:sld xmlns:a="http://schemas.openxmlformats.org/drawingml/2006/main" xmlns:r="http://schemas.openxmlformats.org/officeDocument/2006/relationships" xmlns:p="http://schemas.openxmlformats.org/presentationml/2006/main">
+  <p:cSld>
+    <p:spTree>
+      <p:nvGrpSpPr>
+        <p:cNvPr id="1" name=""/>
+        <p:cNvGrpSpPr/>
+        <p:nvPr/>
+      </p:nvGrpSpPr>
+      <p:grpSpPr>
+        <a:xfrm>
+          <a:off x="0" y="0"/>
+          <a:ext cx="0" cy="0"/>
+          <a:chOff x="0" y="0"/>
+          <a:chExt cx="0" cy="0"/>
+        </a:xfrm>
+      </p:grpSpPr>
+      <p:sp>
+        <p:nvSpPr>
+          <p:cNvPr id="5" name="Title 4">
+            <a:extLst>
+              <a:ext uri="{FF2B5EF4-FFF2-40B4-BE49-F238E27FC236}">
+                <a16:creationId xmlns:a16="http://schemas.microsoft.com/office/drawing/2014/main" id="{E164C9CA-47E7-5B76-54C2-D3CB1CA576C9}"/>
+              </a:ext>
+            </a:extLst>
+          </p:cNvPr>
+          <p:cNvSpPr>
+            <a:spLocks noGrp="1"/>
+          </p:cNvSpPr>
+          <p:nvPr>
+            <p:ph type="title"/>
+          </p:nvPr>
+        </p:nvSpPr>
+        <p:spPr/>
+        <p:txBody>
+          <a:bodyPr/>
+          <a:lstStyle/>
+          <a:p>
+            <a:r>
+              <a:rPr lang="en-CA" b="1" dirty="0">
+                <a:latin typeface="+mj-lt"/>
+              </a:rPr>
+              <a:t>Verify Data</a:t>
+            </a:r>
+          </a:p>
+        </p:txBody>
+      </p:sp>
+      <p:pic>
+        <p:nvPicPr>
+          <p:cNvPr id="3" name="Picture 2">
+            <a:extLst>
+              <a:ext uri="{FF2B5EF4-FFF2-40B4-BE49-F238E27FC236}">
+                <a16:creationId xmlns:a16="http://schemas.microsoft.com/office/drawing/2014/main" id="{9415BE13-FDEB-B0C2-C6AA-61DFD1038D58}"/>
+              </a:ext>
+            </a:extLst>
+          </p:cNvPr>
+          <p:cNvPicPr>
+            <a:picLocks noChangeAspect="1"/>
+          </p:cNvPicPr>
+          <p:nvPr/>
+        </p:nvPicPr>
+        <p:blipFill>
+          <a:blip r:embed="rId2"/>
+          <a:stretch>
+            <a:fillRect/>
+          </a:stretch>
+        </p:blipFill>
+        <p:spPr>
+          <a:xfrm>
+            <a:off x="3325855" y="962527"/>
+            <a:ext cx="5543181" cy="1666017"/>
+          </a:xfrm>
+          <a:prstGeom prst="rect">
+            <a:avLst/>
+          </a:prstGeom>
+          <a:effectLst>
+            <a:outerShdw blurRad="63500" sx="102000" sy="102000" algn="ctr" rotWithShape="0">
+              <a:prstClr val="black">
+                <a:alpha val="40000"/>
+              </a:prstClr>
+            </a:outerShdw>
+          </a:effectLst>
+        </p:spPr>
+      </p:pic>
+      <p:pic>
+        <p:nvPicPr>
+          <p:cNvPr id="6" name="Picture 5">
+            <a:extLst>
+              <a:ext uri="{FF2B5EF4-FFF2-40B4-BE49-F238E27FC236}">
+                <a16:creationId xmlns:a16="http://schemas.microsoft.com/office/drawing/2014/main" id="{BB36B6DC-22E5-27B8-59BB-62889A8ABEF2}"/>
+              </a:ext>
+            </a:extLst>
+          </p:cNvPr>
+          <p:cNvPicPr>
+            <a:picLocks noChangeAspect="1"/>
+          </p:cNvPicPr>
+          <p:nvPr/>
+        </p:nvPicPr>
+        <p:blipFill>
+          <a:blip r:embed="rId3"/>
+          <a:stretch>
+            <a:fillRect/>
+          </a:stretch>
+        </p:blipFill>
+        <p:spPr>
+          <a:xfrm>
+            <a:off x="3325855" y="3077457"/>
+            <a:ext cx="5546073" cy="3124549"/>
+          </a:xfrm>
+          <a:prstGeom prst="rect">
+            <a:avLst/>
+          </a:prstGeom>
+          <a:effectLst>
+            <a:outerShdw blurRad="63500" sx="102000" sy="102000" algn="ctr" rotWithShape="0">
+              <a:prstClr val="black">
+                <a:alpha val="40000"/>
+              </a:prstClr>
+            </a:outerShdw>
+          </a:effectLst>
+        </p:spPr>
+      </p:pic>
+    </p:spTree>
+    <p:extLst>
+      <p:ext uri="{BB962C8B-B14F-4D97-AF65-F5344CB8AC3E}">
+        <p14:creationId xmlns:p14="http://schemas.microsoft.com/office/powerpoint/2010/main" val="1663280882"/>
+      </p:ext>
+    </p:extLst>
+  </p:cSld>
+  <p:clrMapOvr>
+    <a:masterClrMapping/>
+  </p:clrMapOvr>
+</p:sld>
+</file>
+
+<file path=ppt/slides/slide42.xml><?xml version="1.0" encoding="utf-8"?>
+<p:sld xmlns:a="http://schemas.openxmlformats.org/drawingml/2006/main" xmlns:r="http://schemas.openxmlformats.org/officeDocument/2006/relationships" xmlns:p="http://schemas.openxmlformats.org/presentationml/2006/main">
+  <p:cSld>
+    <p:spTree>
+      <p:nvGrpSpPr>
+        <p:cNvPr id="1" name=""/>
+        <p:cNvGrpSpPr/>
+        <p:nvPr/>
+      </p:nvGrpSpPr>
+      <p:grpSpPr>
+        <a:xfrm>
+          <a:off x="0" y="0"/>
+          <a:ext cx="0" cy="0"/>
+          <a:chOff x="0" y="0"/>
+          <a:chExt cx="0" cy="0"/>
+        </a:xfrm>
+      </p:grpSpPr>
+      <p:sp>
+        <p:nvSpPr>
+          <p:cNvPr id="5" name="Title 4">
+            <a:extLst>
+              <a:ext uri="{FF2B5EF4-FFF2-40B4-BE49-F238E27FC236}">
+                <a16:creationId xmlns:a16="http://schemas.microsoft.com/office/drawing/2014/main" id="{E164C9CA-47E7-5B76-54C2-D3CB1CA576C9}"/>
+              </a:ext>
+            </a:extLst>
+          </p:cNvPr>
+          <p:cNvSpPr>
+            <a:spLocks noGrp="1"/>
+          </p:cNvSpPr>
+          <p:nvPr>
+            <p:ph type="title"/>
+          </p:nvPr>
+        </p:nvSpPr>
+        <p:spPr/>
+        <p:txBody>
+          <a:bodyPr/>
+          <a:lstStyle/>
+          <a:p>
+            <a:r>
+              <a:rPr lang="en-CA" b="1" dirty="0">
+                <a:latin typeface="+mj-lt"/>
+              </a:rPr>
+              <a:t>Create IBM Cloud Code Engine Instance</a:t>
+            </a:r>
+          </a:p>
+        </p:txBody>
+      </p:sp>
+      <p:pic>
+        <p:nvPicPr>
+          <p:cNvPr id="3" name="Picture 2">
+            <a:extLst>
+              <a:ext uri="{FF2B5EF4-FFF2-40B4-BE49-F238E27FC236}">
+                <a16:creationId xmlns:a16="http://schemas.microsoft.com/office/drawing/2014/main" id="{EEB7FE65-21EB-E683-CB2B-CC01B44F1E45}"/>
+              </a:ext>
+            </a:extLst>
+          </p:cNvPr>
+          <p:cNvPicPr>
+            <a:picLocks noChangeAspect="1"/>
+          </p:cNvPicPr>
+          <p:nvPr/>
+        </p:nvPicPr>
+        <p:blipFill>
+          <a:blip r:embed="rId2"/>
+          <a:stretch>
+            <a:fillRect/>
+          </a:stretch>
+        </p:blipFill>
+        <p:spPr>
+          <a:xfrm>
+            <a:off x="646502" y="983229"/>
+            <a:ext cx="10898996" cy="5285755"/>
+          </a:xfrm>
+          <a:prstGeom prst="rect">
+            <a:avLst/>
+          </a:prstGeom>
+          <a:effectLst>
+            <a:outerShdw blurRad="63500" sx="102000" sy="102000" algn="ctr" rotWithShape="0">
+              <a:prstClr val="black">
+                <a:alpha val="40000"/>
+              </a:prstClr>
+            </a:outerShdw>
+          </a:effectLst>
+        </p:spPr>
+      </p:pic>
+    </p:spTree>
+    <p:extLst>
+      <p:ext uri="{BB962C8B-B14F-4D97-AF65-F5344CB8AC3E}">
+        <p14:creationId xmlns:p14="http://schemas.microsoft.com/office/powerpoint/2010/main" val="3095514347"/>
+      </p:ext>
+    </p:extLst>
+  </p:cSld>
+  <p:clrMapOvr>
+    <a:masterClrMapping/>
+  </p:clrMapOvr>
+</p:sld>
+</file>
+
+<file path=ppt/slides/slide43.xml><?xml version="1.0" encoding="utf-8"?>
+<p:sld xmlns:a="http://schemas.openxmlformats.org/drawingml/2006/main" xmlns:r="http://schemas.openxmlformats.org/officeDocument/2006/relationships" xmlns:p="http://schemas.openxmlformats.org/presentationml/2006/main">
+  <p:cSld>
+    <p:spTree>
+      <p:nvGrpSpPr>
+        <p:cNvPr id="1" name=""/>
+        <p:cNvGrpSpPr/>
+        <p:nvPr/>
+      </p:nvGrpSpPr>
+      <p:grpSpPr>
+        <a:xfrm>
+          <a:off x="0" y="0"/>
+          <a:ext cx="0" cy="0"/>
+          <a:chOff x="0" y="0"/>
+          <a:chExt cx="0" cy="0"/>
+        </a:xfrm>
+      </p:grpSpPr>
+      <p:sp>
+        <p:nvSpPr>
+          <p:cNvPr id="5" name="Title 4">
+            <a:extLst>
+              <a:ext uri="{FF2B5EF4-FFF2-40B4-BE49-F238E27FC236}">
+                <a16:creationId xmlns:a16="http://schemas.microsoft.com/office/drawing/2014/main" id="{E164C9CA-47E7-5B76-54C2-D3CB1CA576C9}"/>
+              </a:ext>
+            </a:extLst>
+          </p:cNvPr>
+          <p:cNvSpPr>
+            <a:spLocks noGrp="1"/>
+          </p:cNvSpPr>
+          <p:nvPr>
+            <p:ph type="title"/>
+          </p:nvPr>
+        </p:nvSpPr>
+        <p:spPr/>
+        <p:txBody>
+          <a:bodyPr/>
+          <a:lstStyle/>
+          <a:p>
+            <a:r>
+              <a:rPr lang="en-CA" b="1" dirty="0">
+                <a:latin typeface="+mj-lt"/>
+              </a:rPr>
+              <a:t>Create a Project</a:t>
+            </a:r>
+          </a:p>
+        </p:txBody>
+      </p:sp>
+      <p:pic>
+        <p:nvPicPr>
+          <p:cNvPr id="3" name="Picture 2">
+            <a:extLst>
+              <a:ext uri="{FF2B5EF4-FFF2-40B4-BE49-F238E27FC236}">
+                <a16:creationId xmlns:a16="http://schemas.microsoft.com/office/drawing/2014/main" id="{8C44AF8B-0CDC-4079-27EF-A0D77E4BC40C}"/>
+              </a:ext>
+            </a:extLst>
+          </p:cNvPr>
+          <p:cNvPicPr>
+            <a:picLocks noChangeAspect="1"/>
+          </p:cNvPicPr>
+          <p:nvPr/>
+        </p:nvPicPr>
+        <p:blipFill>
+          <a:blip r:embed="rId2"/>
+          <a:stretch>
+            <a:fillRect/>
+          </a:stretch>
+        </p:blipFill>
+        <p:spPr>
+          <a:xfrm>
+            <a:off x="688425" y="1241659"/>
+            <a:ext cx="10815149" cy="4606972"/>
+          </a:xfrm>
+          <a:prstGeom prst="rect">
+            <a:avLst/>
+          </a:prstGeom>
+          <a:effectLst>
+            <a:outerShdw blurRad="63500" sx="102000" sy="102000" algn="ctr" rotWithShape="0">
+              <a:prstClr val="black">
+                <a:alpha val="40000"/>
+              </a:prstClr>
+            </a:outerShdw>
+          </a:effectLst>
+        </p:spPr>
+      </p:pic>
+    </p:spTree>
+    <p:extLst>
+      <p:ext uri="{BB962C8B-B14F-4D97-AF65-F5344CB8AC3E}">
+        <p14:creationId xmlns:p14="http://schemas.microsoft.com/office/powerpoint/2010/main" val="226282557"/>
+      </p:ext>
+    </p:extLst>
+  </p:cSld>
+  <p:clrMapOvr>
+    <a:masterClrMapping/>
+  </p:clrMapOvr>
+</p:sld>
+</file>
+
+<file path=ppt/slides/slide44.xml><?xml version="1.0" encoding="utf-8"?>
+<p:sld xmlns:a="http://schemas.openxmlformats.org/drawingml/2006/main" xmlns:r="http://schemas.openxmlformats.org/officeDocument/2006/relationships" xmlns:p="http://schemas.openxmlformats.org/presentationml/2006/main">
+  <p:cSld>
+    <p:spTree>
+      <p:nvGrpSpPr>
+        <p:cNvPr id="1" name=""/>
+        <p:cNvGrpSpPr/>
+        <p:nvPr/>
+      </p:nvGrpSpPr>
+      <p:grpSpPr>
+        <a:xfrm>
+          <a:off x="0" y="0"/>
+          <a:ext cx="0" cy="0"/>
+          <a:chOff x="0" y="0"/>
+          <a:chExt cx="0" cy="0"/>
+        </a:xfrm>
+      </p:grpSpPr>
+      <p:sp>
+        <p:nvSpPr>
+          <p:cNvPr id="5" name="Title 4">
+            <a:extLst>
+              <a:ext uri="{FF2B5EF4-FFF2-40B4-BE49-F238E27FC236}">
+                <a16:creationId xmlns:a16="http://schemas.microsoft.com/office/drawing/2014/main" id="{E164C9CA-47E7-5B76-54C2-D3CB1CA576C9}"/>
+              </a:ext>
+            </a:extLst>
+          </p:cNvPr>
+          <p:cNvSpPr>
+            <a:spLocks noGrp="1"/>
+          </p:cNvSpPr>
+          <p:nvPr>
+            <p:ph type="title"/>
+          </p:nvPr>
+        </p:nvSpPr>
+        <p:spPr/>
+        <p:txBody>
+          <a:bodyPr/>
+          <a:lstStyle/>
+          <a:p>
+            <a:r>
+              <a:rPr lang="en-CA" b="1" dirty="0">
+                <a:latin typeface="+mj-lt"/>
+              </a:rPr>
+              <a:t>Build Custom Extension</a:t>
+            </a:r>
+          </a:p>
+        </p:txBody>
+      </p:sp>
+      <p:pic>
+        <p:nvPicPr>
+          <p:cNvPr id="6" name="Picture 5">
+            <a:extLst>
+              <a:ext uri="{FF2B5EF4-FFF2-40B4-BE49-F238E27FC236}">
+                <a16:creationId xmlns:a16="http://schemas.microsoft.com/office/drawing/2014/main" id="{568FFED0-1EC6-3ACB-B75B-B539F39B09B5}"/>
+              </a:ext>
+            </a:extLst>
+          </p:cNvPr>
+          <p:cNvPicPr>
+            <a:picLocks noChangeAspect="1"/>
+          </p:cNvPicPr>
+          <p:nvPr/>
+        </p:nvPicPr>
+        <p:blipFill>
+          <a:blip r:embed="rId2"/>
+          <a:stretch>
+            <a:fillRect/>
+          </a:stretch>
+        </p:blipFill>
+        <p:spPr>
+          <a:xfrm>
+            <a:off x="2668729" y="962526"/>
+            <a:ext cx="6854541" cy="5329507"/>
+          </a:xfrm>
+          <a:prstGeom prst="rect">
+            <a:avLst/>
+          </a:prstGeom>
+          <a:effectLst>
+            <a:outerShdw blurRad="63500" sx="102000" sy="102000" algn="ctr" rotWithShape="0">
+              <a:prstClr val="black">
+                <a:alpha val="40000"/>
+              </a:prstClr>
+            </a:outerShdw>
+          </a:effectLst>
+        </p:spPr>
+      </p:pic>
+    </p:spTree>
+    <p:extLst>
+      <p:ext uri="{BB962C8B-B14F-4D97-AF65-F5344CB8AC3E}">
+        <p14:creationId xmlns:p14="http://schemas.microsoft.com/office/powerpoint/2010/main" val="2651884429"/>
+      </p:ext>
+    </p:extLst>
+  </p:cSld>
+  <p:clrMapOvr>
+    <a:masterClrMapping/>
+  </p:clrMapOvr>
+</p:sld>
+</file>
+
+<file path=ppt/slides/slide45.xml><?xml version="1.0" encoding="utf-8"?>
+<p:sld xmlns:a="http://schemas.openxmlformats.org/drawingml/2006/main" xmlns:r="http://schemas.openxmlformats.org/officeDocument/2006/relationships" xmlns:p="http://schemas.openxmlformats.org/presentationml/2006/main">
+  <p:cSld>
+    <p:spTree>
+      <p:nvGrpSpPr>
+        <p:cNvPr id="1" name=""/>
+        <p:cNvGrpSpPr/>
+        <p:nvPr/>
+      </p:nvGrpSpPr>
+      <p:grpSpPr>
+        <a:xfrm>
+          <a:off x="0" y="0"/>
+          <a:ext cx="0" cy="0"/>
+          <a:chOff x="0" y="0"/>
+          <a:chExt cx="0" cy="0"/>
+        </a:xfrm>
+      </p:grpSpPr>
+      <p:sp>
+        <p:nvSpPr>
+          <p:cNvPr id="5" name="Title 4">
+            <a:extLst>
+              <a:ext uri="{FF2B5EF4-FFF2-40B4-BE49-F238E27FC236}">
+                <a16:creationId xmlns:a16="http://schemas.microsoft.com/office/drawing/2014/main" id="{E164C9CA-47E7-5B76-54C2-D3CB1CA576C9}"/>
+              </a:ext>
+            </a:extLst>
+          </p:cNvPr>
+          <p:cNvSpPr>
+            <a:spLocks noGrp="1"/>
+          </p:cNvSpPr>
+          <p:nvPr>
+            <p:ph type="title"/>
+          </p:nvPr>
+        </p:nvSpPr>
+        <p:spPr/>
+        <p:txBody>
+          <a:bodyPr/>
+          <a:lstStyle/>
+          <a:p>
+            <a:r>
+              <a:rPr lang="en-CA" b="1" dirty="0">
+                <a:latin typeface="+mj-lt"/>
+              </a:rPr>
+              <a:t>AAAAA</a:t>
+            </a:r>
+          </a:p>
+        </p:txBody>
+      </p:sp>
+    </p:spTree>
+    <p:extLst>
+      <p:ext uri="{BB962C8B-B14F-4D97-AF65-F5344CB8AC3E}">
+        <p14:creationId xmlns:p14="http://schemas.microsoft.com/office/powerpoint/2010/main" val="2194262443"/>
+      </p:ext>
+    </p:extLst>
+  </p:cSld>
+  <p:clrMapOvr>
+    <a:masterClrMapping/>
+  </p:clrMapOvr>
+</p:sld>
+</file>
+
+<file path=ppt/slides/slide46.xml><?xml version="1.0" encoding="utf-8"?>
+<p:sld xmlns:a="http://schemas.openxmlformats.org/drawingml/2006/main" xmlns:r="http://schemas.openxmlformats.org/officeDocument/2006/relationships" xmlns:p="http://schemas.openxmlformats.org/presentationml/2006/main">
+  <p:cSld>
+    <p:spTree>
+      <p:nvGrpSpPr>
+        <p:cNvPr id="1" name=""/>
+        <p:cNvGrpSpPr/>
+        <p:nvPr/>
+      </p:nvGrpSpPr>
+      <p:grpSpPr>
+        <a:xfrm>
+          <a:off x="0" y="0"/>
+          <a:ext cx="0" cy="0"/>
+          <a:chOff x="0" y="0"/>
+          <a:chExt cx="0" cy="0"/>
+        </a:xfrm>
+      </p:grpSpPr>
+      <p:sp>
+        <p:nvSpPr>
+          <p:cNvPr id="5" name="Title 4">
+            <a:extLst>
+              <a:ext uri="{FF2B5EF4-FFF2-40B4-BE49-F238E27FC236}">
+                <a16:creationId xmlns:a16="http://schemas.microsoft.com/office/drawing/2014/main" id="{E164C9CA-47E7-5B76-54C2-D3CB1CA576C9}"/>
+              </a:ext>
+            </a:extLst>
+          </p:cNvPr>
+          <p:cNvSpPr>
+            <a:spLocks noGrp="1"/>
+          </p:cNvSpPr>
+          <p:nvPr>
+            <p:ph type="title"/>
+          </p:nvPr>
+        </p:nvSpPr>
+        <p:spPr/>
+        <p:txBody>
+          <a:bodyPr/>
+          <a:lstStyle/>
+          <a:p>
+            <a:r>
+              <a:rPr lang="en-CA" b="1" dirty="0">
+                <a:latin typeface="+mj-lt"/>
+              </a:rPr>
+              <a:t>AAAAA</a:t>
+            </a:r>
+          </a:p>
+        </p:txBody>
+      </p:sp>
+    </p:spTree>
+    <p:extLst>
+      <p:ext uri="{BB962C8B-B14F-4D97-AF65-F5344CB8AC3E}">
+        <p14:creationId xmlns:p14="http://schemas.microsoft.com/office/powerpoint/2010/main" val="1110431751"/>
+      </p:ext>
+    </p:extLst>
+  </p:cSld>
+  <p:clrMapOvr>
+    <a:masterClrMapping/>
+  </p:clrMapOvr>
+</p:sld>
+</file>
+
+<file path=ppt/slides/slide47.xml><?xml version="1.0" encoding="utf-8"?>
+<p:sld xmlns:a="http://schemas.openxmlformats.org/drawingml/2006/main" xmlns:r="http://schemas.openxmlformats.org/officeDocument/2006/relationships" xmlns:p="http://schemas.openxmlformats.org/presentationml/2006/main">
+  <p:cSld>
+    <p:spTree>
+      <p:nvGrpSpPr>
+        <p:cNvPr id="1" name=""/>
+        <p:cNvGrpSpPr/>
+        <p:nvPr/>
+      </p:nvGrpSpPr>
+      <p:grpSpPr>
+        <a:xfrm>
+          <a:off x="0" y="0"/>
+          <a:ext cx="0" cy="0"/>
+          <a:chOff x="0" y="0"/>
+          <a:chExt cx="0" cy="0"/>
+        </a:xfrm>
+      </p:grpSpPr>
+      <p:sp>
+        <p:nvSpPr>
+          <p:cNvPr id="5" name="Title 4">
+            <a:extLst>
+              <a:ext uri="{FF2B5EF4-FFF2-40B4-BE49-F238E27FC236}">
+                <a16:creationId xmlns:a16="http://schemas.microsoft.com/office/drawing/2014/main" id="{E164C9CA-47E7-5B76-54C2-D3CB1CA576C9}"/>
+              </a:ext>
+            </a:extLst>
+          </p:cNvPr>
+          <p:cNvSpPr>
+            <a:spLocks noGrp="1"/>
+          </p:cNvSpPr>
+          <p:nvPr>
+            <p:ph type="title"/>
+          </p:nvPr>
+        </p:nvSpPr>
+        <p:spPr/>
+        <p:txBody>
+          <a:bodyPr/>
+          <a:lstStyle/>
+          <a:p>
+            <a:r>
+              <a:rPr lang="en-CA" b="1" dirty="0">
+                <a:latin typeface="+mj-lt"/>
+              </a:rPr>
+              <a:t>AAAAA</a:t>
+            </a:r>
+          </a:p>
+        </p:txBody>
+      </p:sp>
+    </p:spTree>
+    <p:extLst>
+      <p:ext uri="{BB962C8B-B14F-4D97-AF65-F5344CB8AC3E}">
+        <p14:creationId xmlns:p14="http://schemas.microsoft.com/office/powerpoint/2010/main" val="1139023865"/>
+      </p:ext>
+    </p:extLst>
+  </p:cSld>
+  <p:clrMapOvr>
+    <a:masterClrMapping/>
+  </p:clrMapOvr>
+</p:sld>
+</file>
+
+<file path=ppt/slides/slide48.xml><?xml version="1.0" encoding="utf-8"?>
+<p:sld xmlns:a="http://schemas.openxmlformats.org/drawingml/2006/main" xmlns:r="http://schemas.openxmlformats.org/officeDocument/2006/relationships" xmlns:p="http://schemas.openxmlformats.org/presentationml/2006/main">
+  <p:cSld>
+    <p:spTree>
+      <p:nvGrpSpPr>
+        <p:cNvPr id="1" name=""/>
+        <p:cNvGrpSpPr/>
+        <p:nvPr/>
+      </p:nvGrpSpPr>
+      <p:grpSpPr>
+        <a:xfrm>
+          <a:off x="0" y="0"/>
+          <a:ext cx="0" cy="0"/>
+          <a:chOff x="0" y="0"/>
+          <a:chExt cx="0" cy="0"/>
+        </a:xfrm>
+      </p:grpSpPr>
+      <p:sp>
+        <p:nvSpPr>
+          <p:cNvPr id="5" name="Title 4">
+            <a:extLst>
+              <a:ext uri="{FF2B5EF4-FFF2-40B4-BE49-F238E27FC236}">
+                <a16:creationId xmlns:a16="http://schemas.microsoft.com/office/drawing/2014/main" id="{E164C9CA-47E7-5B76-54C2-D3CB1CA576C9}"/>
+              </a:ext>
+            </a:extLst>
+          </p:cNvPr>
+          <p:cNvSpPr>
+            <a:spLocks noGrp="1"/>
+          </p:cNvSpPr>
+          <p:nvPr>
+            <p:ph type="title"/>
+          </p:nvPr>
+        </p:nvSpPr>
+        <p:spPr/>
+        <p:txBody>
+          <a:bodyPr/>
+          <a:lstStyle/>
+          <a:p>
+            <a:r>
+              <a:rPr lang="en-CA" b="1" dirty="0">
+                <a:latin typeface="+mj-lt"/>
+              </a:rPr>
+              <a:t>Assistant Architecture</a:t>
+            </a:r>
+          </a:p>
+        </p:txBody>
+      </p:sp>
+      <p:pic>
+        <p:nvPicPr>
+          <p:cNvPr id="6" name="Picture 5">
+            <a:extLst>
+              <a:ext uri="{FF2B5EF4-FFF2-40B4-BE49-F238E27FC236}">
+                <a16:creationId xmlns:a16="http://schemas.microsoft.com/office/drawing/2014/main" id="{0A3A6916-BCFF-0945-141B-A3A190D7DBC5}"/>
+              </a:ext>
+            </a:extLst>
+          </p:cNvPr>
+          <p:cNvPicPr>
+            <a:picLocks noChangeAspect="1"/>
+          </p:cNvPicPr>
+          <p:nvPr/>
+        </p:nvPicPr>
+        <p:blipFill>
+          <a:blip r:embed="rId2"/>
+          <a:stretch>
+            <a:fillRect/>
+          </a:stretch>
+        </p:blipFill>
+        <p:spPr>
+          <a:xfrm>
+            <a:off x="425908" y="1239520"/>
+            <a:ext cx="11411303" cy="4709160"/>
+          </a:xfrm>
+          <a:prstGeom prst="rect">
+            <a:avLst/>
+          </a:prstGeom>
+        </p:spPr>
+      </p:pic>
+    </p:spTree>
+    <p:extLst>
+      <p:ext uri="{BB962C8B-B14F-4D97-AF65-F5344CB8AC3E}">
+        <p14:creationId xmlns:p14="http://schemas.microsoft.com/office/powerpoint/2010/main" val="23873489"/>
+      </p:ext>
+    </p:extLst>
+  </p:cSld>
+  <p:clrMapOvr>
+    <a:masterClrMapping/>
+  </p:clrMapOvr>
+</p:sld>
+</file>
+
+<file path=ppt/slides/slide49.xml><?xml version="1.0" encoding="utf-8"?>
+<p:sld xmlns:a="http://schemas.openxmlformats.org/drawingml/2006/main" xmlns:r="http://schemas.openxmlformats.org/officeDocument/2006/relationships" xmlns:p="http://schemas.openxmlformats.org/presentationml/2006/main">
+  <p:cSld>
+    <p:spTree>
+      <p:nvGrpSpPr>
+        <p:cNvPr id="1" name=""/>
+        <p:cNvGrpSpPr/>
+        <p:nvPr/>
+      </p:nvGrpSpPr>
+      <p:grpSpPr>
+        <a:xfrm>
+          <a:off x="0" y="0"/>
+          <a:ext cx="0" cy="0"/>
+          <a:chOff x="0" y="0"/>
+          <a:chExt cx="0" cy="0"/>
+        </a:xfrm>
+      </p:grpSpPr>
+      <p:sp>
+        <p:nvSpPr>
+          <p:cNvPr id="6" name="Title 5">
+            <a:extLst>
+              <a:ext uri="{FF2B5EF4-FFF2-40B4-BE49-F238E27FC236}">
+                <a16:creationId xmlns:a16="http://schemas.microsoft.com/office/drawing/2014/main" id="{4ED1E0B2-0440-F85E-027D-40EBDA946C15}"/>
+              </a:ext>
+            </a:extLst>
+          </p:cNvPr>
+          <p:cNvSpPr>
+            <a:spLocks noGrp="1"/>
+          </p:cNvSpPr>
+          <p:nvPr>
+            <p:ph type="title"/>
+          </p:nvPr>
+        </p:nvSpPr>
+        <p:spPr>
+          <a:xfrm>
+            <a:off x="990600" y="3207757"/>
+            <a:ext cx="10210800" cy="442486"/>
+          </a:xfrm>
+        </p:spPr>
+        <p:txBody>
+          <a:bodyPr>
+            <a:noAutofit/>
+          </a:bodyPr>
+          <a:lstStyle/>
+          <a:p>
+            <a:pPr algn="ctr"/>
+            <a:r>
+              <a:rPr lang="en-US" sz="4500" b="1" dirty="0">
+                <a:latin typeface="+mj-lt"/>
+              </a:rPr>
+              <a:t>Any Questions?</a:t>
+            </a:r>
+            <a:endParaRPr lang="en-CA" sz="4500" b="1" dirty="0">
+              <a:latin typeface="+mj-lt"/>
+            </a:endParaRPr>
+          </a:p>
+        </p:txBody>
+      </p:sp>
+    </p:spTree>
+    <p:extLst>
+      <p:ext uri="{BB962C8B-B14F-4D97-AF65-F5344CB8AC3E}">
+        <p14:creationId xmlns:p14="http://schemas.microsoft.com/office/powerpoint/2010/main" val="3476654400"/>
+      </p:ext>
+    </p:extLst>
+  </p:cSld>
+  <p:clrMapOvr>
+    <a:masterClrMapping/>
+  </p:clrMapOvr>
+</p:sld>
+</file>
+
+<file path=ppt/slides/slide5.xml><?xml version="1.0" encoding="utf-8"?>
+<p:sld xmlns:a="http://schemas.openxmlformats.org/drawingml/2006/main" xmlns:r="http://schemas.openxmlformats.org/officeDocument/2006/relationships" xmlns:p="http://schemas.openxmlformats.org/presentationml/2006/main">
+  <p:cSld>
+    <p:spTree>
+      <p:nvGrpSpPr>
+        <p:cNvPr id="1" name=""/>
+        <p:cNvGrpSpPr/>
+        <p:nvPr/>
+      </p:nvGrpSpPr>
+      <p:grpSpPr>
+        <a:xfrm>
+          <a:off x="0" y="0"/>
+          <a:ext cx="0" cy="0"/>
+          <a:chOff x="0" y="0"/>
+          <a:chExt cx="0" cy="0"/>
+        </a:xfrm>
+      </p:grpSpPr>
+      <p:sp>
+        <p:nvSpPr>
+          <p:cNvPr id="5" name="Title 4">
+            <a:extLst>
+              <a:ext uri="{FF2B5EF4-FFF2-40B4-BE49-F238E27FC236}">
+                <a16:creationId xmlns:a16="http://schemas.microsoft.com/office/drawing/2014/main" id="{E164C9CA-47E7-5B76-54C2-D3CB1CA576C9}"/>
+              </a:ext>
+            </a:extLst>
+          </p:cNvPr>
+          <p:cNvSpPr>
+            <a:spLocks noGrp="1"/>
+          </p:cNvSpPr>
+          <p:nvPr>
+            <p:ph type="title"/>
+          </p:nvPr>
+        </p:nvSpPr>
+        <p:spPr/>
+        <p:txBody>
+          <a:bodyPr/>
+          <a:lstStyle/>
+          <a:p>
+            <a:r>
+              <a:rPr lang="en-CA" b="1" dirty="0">
+                <a:latin typeface="+mj-lt"/>
+              </a:rPr>
+              <a:t>How Does It Work?</a:t>
+            </a:r>
+          </a:p>
+        </p:txBody>
+      </p:sp>
+      <p:pic>
+        <p:nvPicPr>
+          <p:cNvPr id="4" name="Picture 3">
+            <a:extLst>
+              <a:ext uri="{FF2B5EF4-FFF2-40B4-BE49-F238E27FC236}">
+                <a16:creationId xmlns:a16="http://schemas.microsoft.com/office/drawing/2014/main" id="{AF670C23-2205-3955-DD78-F2EC74E94A16}"/>
+              </a:ext>
+            </a:extLst>
+          </p:cNvPr>
+          <p:cNvPicPr>
+            <a:picLocks noChangeAspect="1"/>
+          </p:cNvPicPr>
+          <p:nvPr/>
+        </p:nvPicPr>
+        <p:blipFill>
+          <a:blip r:embed="rId2"/>
+          <a:stretch>
+            <a:fillRect/>
+          </a:stretch>
+        </p:blipFill>
+        <p:spPr>
+          <a:xfrm>
+            <a:off x="553339" y="797976"/>
+            <a:ext cx="10975992" cy="5840567"/>
+          </a:xfrm>
+          <a:prstGeom prst="rect">
+            <a:avLst/>
+          </a:prstGeom>
+        </p:spPr>
+      </p:pic>
+    </p:spTree>
+    <p:extLst>
+      <p:ext uri="{BB962C8B-B14F-4D97-AF65-F5344CB8AC3E}">
+        <p14:creationId xmlns:p14="http://schemas.microsoft.com/office/powerpoint/2010/main" val="1988712103"/>
+      </p:ext>
+    </p:extLst>
+  </p:cSld>
+  <p:clrMapOvr>
+    <a:masterClrMapping/>
+  </p:clrMapOvr>
+</p:sld>
+</file>
+
+<file path=ppt/slides/slide50.xml><?xml version="1.0" encoding="utf-8"?>
+<p:sld xmlns:a="http://schemas.openxmlformats.org/drawingml/2006/main" xmlns:r="http://schemas.openxmlformats.org/officeDocument/2006/relationships" xmlns:p="http://schemas.openxmlformats.org/presentationml/2006/main">
+  <p:cSld>
+    <p:spTree>
+      <p:nvGrpSpPr>
+        <p:cNvPr id="1" name=""/>
+        <p:cNvGrpSpPr/>
+        <p:nvPr/>
+      </p:nvGrpSpPr>
+      <p:grpSpPr>
+        <a:xfrm>
+          <a:off x="0" y="0"/>
+          <a:ext cx="0" cy="0"/>
+          <a:chOff x="0" y="0"/>
+          <a:chExt cx="0" cy="0"/>
+        </a:xfrm>
+      </p:grpSpPr>
+      <p:sp>
+        <p:nvSpPr>
+          <p:cNvPr id="5" name="Title 4">
+            <a:extLst>
+              <a:ext uri="{FF2B5EF4-FFF2-40B4-BE49-F238E27FC236}">
+                <a16:creationId xmlns:a16="http://schemas.microsoft.com/office/drawing/2014/main" id="{E164C9CA-47E7-5B76-54C2-D3CB1CA576C9}"/>
+              </a:ext>
+            </a:extLst>
+          </p:cNvPr>
+          <p:cNvSpPr>
+            <a:spLocks noGrp="1"/>
+          </p:cNvSpPr>
+          <p:nvPr>
+            <p:ph type="title"/>
+          </p:nvPr>
+        </p:nvSpPr>
+        <p:spPr/>
+        <p:txBody>
+          <a:bodyPr/>
+          <a:lstStyle/>
+          <a:p>
+            <a:r>
+              <a:rPr lang="en-CA" b="1" dirty="0">
+                <a:latin typeface="+mj-lt"/>
+              </a:rPr>
+              <a:t>Important Links</a:t>
+            </a:r>
+          </a:p>
+        </p:txBody>
+      </p:sp>
+      <p:sp>
+        <p:nvSpPr>
+          <p:cNvPr id="6" name="Text Placeholder 5">
+            <a:extLst>
+              <a:ext uri="{FF2B5EF4-FFF2-40B4-BE49-F238E27FC236}">
+                <a16:creationId xmlns:a16="http://schemas.microsoft.com/office/drawing/2014/main" id="{92CCBB2A-9653-B3A8-B8CF-E55B1670D895}"/>
+              </a:ext>
+            </a:extLst>
+          </p:cNvPr>
+          <p:cNvSpPr>
+            <a:spLocks noGrp="1"/>
+          </p:cNvSpPr>
+          <p:nvPr>
+            <p:ph type="body" sz="quarter" idx="15"/>
+          </p:nvPr>
+        </p:nvSpPr>
+        <p:spPr>
+          <a:xfrm>
+            <a:off x="310896" y="832104"/>
+            <a:ext cx="11473226" cy="5673471"/>
+          </a:xfrm>
+        </p:spPr>
+        <p:txBody>
+          <a:bodyPr/>
+          <a:lstStyle/>
+          <a:p>
+            <a:pPr marL="0" indent="0">
+              <a:buNone/>
+            </a:pPr>
+            <a:r>
+              <a:rPr lang="en-CA" b="1" dirty="0">
+                <a:latin typeface="+mj-lt"/>
+              </a:rPr>
+              <a:t>IBM </a:t>
+            </a:r>
+            <a:r>
+              <a:rPr lang="en-CA" b="1" dirty="0" err="1">
+                <a:latin typeface="+mj-lt"/>
+              </a:rPr>
+              <a:t>Watsonx</a:t>
+            </a:r>
+            <a:r>
+              <a:rPr lang="en-CA" b="1" dirty="0">
+                <a:latin typeface="+mj-lt"/>
+              </a:rPr>
+              <a:t> Assistant</a:t>
+            </a:r>
+          </a:p>
+          <a:p>
+            <a:r>
+              <a:rPr lang="en-CA" sz="1600" dirty="0">
+                <a:latin typeface="+mj-lt"/>
+              </a:rPr>
+              <a:t>Documentation			</a:t>
+            </a:r>
+            <a:r>
+              <a:rPr lang="en-CA" sz="1600" dirty="0">
+                <a:latin typeface="+mj-lt"/>
+                <a:hlinkClick r:id="rId2"/>
+              </a:rPr>
+              <a:t>https://cloud.ibm.com/docs/watson-assistant</a:t>
+            </a:r>
+            <a:endParaRPr lang="en-CA" sz="1600" dirty="0">
+              <a:latin typeface="+mj-lt"/>
+            </a:endParaRPr>
+          </a:p>
+          <a:p>
+            <a:endParaRPr lang="en-CA" sz="1600" dirty="0">
+              <a:latin typeface="+mj-lt"/>
+            </a:endParaRPr>
+          </a:p>
+          <a:p>
+            <a:r>
+              <a:rPr lang="en-CA" sz="1600" dirty="0">
+                <a:latin typeface="+mj-lt"/>
+              </a:rPr>
+              <a:t>B					B</a:t>
+            </a:r>
+          </a:p>
+        </p:txBody>
+      </p:sp>
+    </p:spTree>
+    <p:extLst>
+      <p:ext uri="{BB962C8B-B14F-4D97-AF65-F5344CB8AC3E}">
+        <p14:creationId xmlns:p14="http://schemas.microsoft.com/office/powerpoint/2010/main" val="1214461386"/>
+      </p:ext>
+    </p:extLst>
+  </p:cSld>
+  <p:clrMapOvr>
+    <a:masterClrMapping/>
+  </p:clrMapOvr>
+</p:sld>
+</file>
+
+<file path=ppt/slides/slide51.xml><?xml version="1.0" encoding="utf-8"?>
+<p:sld xmlns:a="http://schemas.openxmlformats.org/drawingml/2006/main" xmlns:r="http://schemas.openxmlformats.org/officeDocument/2006/relationships" xmlns:p="http://schemas.openxmlformats.org/presentationml/2006/main">
+  <p:cSld>
+    <p:spTree>
+      <p:nvGrpSpPr>
+        <p:cNvPr id="1" name=""/>
+        <p:cNvGrpSpPr/>
+        <p:nvPr/>
+      </p:nvGrpSpPr>
+      <p:grpSpPr>
+        <a:xfrm>
+          <a:off x="0" y="0"/>
+          <a:ext cx="0" cy="0"/>
+          <a:chOff x="0" y="0"/>
+          <a:chExt cx="0" cy="0"/>
+        </a:xfrm>
+      </p:grpSpPr>
+      <p:sp>
+        <p:nvSpPr>
           <p:cNvPr id="2" name="Title 1"/>
           <p:cNvSpPr>
             <a:spLocks noGrp="1"/>
@@ -27384,7 +32599,7 @@
                 <a:latin typeface="Arial" panose="020B0604020202020204" pitchFamily="34" charset="0"/>
               </a:rPr>
               <a:pPr defTabSz="914377"/>
-              <a:t>30</a:t>
+              <a:t>51</a:t>
             </a:fld>
             <a:endParaRPr lang="en-US" dirty="0">
               <a:solidFill>
@@ -29505,7 +34720,7 @@
 </p:sld>
 </file>
 
-<file path=ppt/slides/slide31.xml><?xml version="1.0" encoding="utf-8"?>
+<file path=ppt/slides/slide52.xml><?xml version="1.0" encoding="utf-8"?>
 <p:sld xmlns:a="http://schemas.openxmlformats.org/drawingml/2006/main" xmlns:r="http://schemas.openxmlformats.org/officeDocument/2006/relationships" xmlns:p="http://schemas.openxmlformats.org/presentationml/2006/main">
   <p:cSld>
     <p:spTree>
@@ -29526,372 +34741,6 @@
     <p:extLst>
       <p:ext uri="{BB962C8B-B14F-4D97-AF65-F5344CB8AC3E}">
         <p14:creationId xmlns:p14="http://schemas.microsoft.com/office/powerpoint/2010/main" val="1643754911"/>
-      </p:ext>
-    </p:extLst>
-  </p:cSld>
-  <p:clrMapOvr>
-    <a:masterClrMapping/>
-  </p:clrMapOvr>
-</p:sld>
-</file>
-
-<file path=ppt/slides/slide4.xml><?xml version="1.0" encoding="utf-8"?>
-<p:sld xmlns:a="http://schemas.openxmlformats.org/drawingml/2006/main" xmlns:r="http://schemas.openxmlformats.org/officeDocument/2006/relationships" xmlns:p="http://schemas.openxmlformats.org/presentationml/2006/main">
-  <p:cSld>
-    <p:spTree>
-      <p:nvGrpSpPr>
-        <p:cNvPr id="1" name=""/>
-        <p:cNvGrpSpPr/>
-        <p:nvPr/>
-      </p:nvGrpSpPr>
-      <p:grpSpPr>
-        <a:xfrm>
-          <a:off x="0" y="0"/>
-          <a:ext cx="0" cy="0"/>
-          <a:chOff x="0" y="0"/>
-          <a:chExt cx="0" cy="0"/>
-        </a:xfrm>
-      </p:grpSpPr>
-      <p:sp>
-        <p:nvSpPr>
-          <p:cNvPr id="5" name="Title 4">
-            <a:extLst>
-              <a:ext uri="{FF2B5EF4-FFF2-40B4-BE49-F238E27FC236}">
-                <a16:creationId xmlns:a16="http://schemas.microsoft.com/office/drawing/2014/main" id="{E164C9CA-47E7-5B76-54C2-D3CB1CA576C9}"/>
-              </a:ext>
-            </a:extLst>
-          </p:cNvPr>
-          <p:cNvSpPr>
-            <a:spLocks noGrp="1"/>
-          </p:cNvSpPr>
-          <p:nvPr>
-            <p:ph type="title"/>
-          </p:nvPr>
-        </p:nvSpPr>
-        <p:spPr/>
-        <p:txBody>
-          <a:bodyPr/>
-          <a:lstStyle/>
-          <a:p>
-            <a:r>
-              <a:rPr lang="en-CA" b="1" dirty="0">
-                <a:latin typeface="+mj-lt"/>
-              </a:rPr>
-              <a:t>What is </a:t>
-            </a:r>
-            <a:r>
-              <a:rPr lang="en-CA" b="1" dirty="0" err="1">
-                <a:latin typeface="+mj-lt"/>
-              </a:rPr>
-              <a:t>Watsonx</a:t>
-            </a:r>
-            <a:r>
-              <a:rPr lang="en-CA" b="1" dirty="0">
-                <a:latin typeface="+mj-lt"/>
-              </a:rPr>
-              <a:t> Assistant?</a:t>
-            </a:r>
-          </a:p>
-        </p:txBody>
-      </p:sp>
-      <p:sp>
-        <p:nvSpPr>
-          <p:cNvPr id="6" name="Text Placeholder 5">
-            <a:extLst>
-              <a:ext uri="{FF2B5EF4-FFF2-40B4-BE49-F238E27FC236}">
-                <a16:creationId xmlns:a16="http://schemas.microsoft.com/office/drawing/2014/main" id="{92CCBB2A-9653-B3A8-B8CF-E55B1670D895}"/>
-              </a:ext>
-            </a:extLst>
-          </p:cNvPr>
-          <p:cNvSpPr>
-            <a:spLocks noGrp="1"/>
-          </p:cNvSpPr>
-          <p:nvPr>
-            <p:ph type="body" sz="quarter" idx="15"/>
-          </p:nvPr>
-        </p:nvSpPr>
-        <p:spPr>
-          <a:xfrm>
-            <a:off x="310897" y="1044454"/>
-            <a:ext cx="5831487" cy="5128592"/>
-          </a:xfrm>
-        </p:spPr>
-        <p:txBody>
-          <a:bodyPr/>
-          <a:lstStyle/>
-          <a:p>
-            <a:pPr marL="0" indent="0" algn="ctr">
-              <a:buNone/>
-            </a:pPr>
-            <a:r>
-              <a:rPr lang="en-US" dirty="0">
-                <a:latin typeface="+mj-lt"/>
-              </a:rPr>
-              <a:t>“Conversational AI solution that empowers anyone to effortlessly build generative AI Assistants that deliver frictionless self-service experiences to customers”</a:t>
-            </a:r>
-          </a:p>
-          <a:p>
-            <a:pPr marL="0" indent="0" algn="ctr">
-              <a:buNone/>
-            </a:pPr>
-            <a:r>
-              <a:rPr lang="en-US" dirty="0">
-                <a:latin typeface="+mj-lt"/>
-              </a:rPr>
-              <a:t>↓</a:t>
-            </a:r>
-          </a:p>
-          <a:p>
-            <a:pPr marL="0" indent="0" algn="ctr">
-              <a:buNone/>
-            </a:pPr>
-            <a:r>
-              <a:rPr lang="en-US" dirty="0">
-                <a:solidFill>
-                  <a:srgbClr val="1670FF"/>
-                </a:solidFill>
-                <a:latin typeface="+mj-lt"/>
-              </a:rPr>
-              <a:t>Use </a:t>
-            </a:r>
-            <a:r>
-              <a:rPr lang="en-US" dirty="0" err="1">
-                <a:solidFill>
-                  <a:srgbClr val="1670FF"/>
-                </a:solidFill>
-                <a:latin typeface="+mj-lt"/>
-              </a:rPr>
-              <a:t>Watsonx</a:t>
-            </a:r>
-            <a:r>
-              <a:rPr lang="en-US" dirty="0">
-                <a:solidFill>
-                  <a:srgbClr val="1670FF"/>
-                </a:solidFill>
-                <a:latin typeface="+mj-lt"/>
-              </a:rPr>
-              <a:t> Assistant to build your own branded live chatbot</a:t>
-            </a:r>
-          </a:p>
-          <a:p>
-            <a:pPr marL="0" indent="0">
-              <a:buNone/>
-            </a:pPr>
-            <a:endParaRPr lang="en-US" dirty="0">
-              <a:latin typeface="+mj-lt"/>
-            </a:endParaRPr>
-          </a:p>
-          <a:p>
-            <a:endParaRPr lang="en-US" dirty="0">
-              <a:latin typeface="+mj-lt"/>
-            </a:endParaRPr>
-          </a:p>
-          <a:p>
-            <a:r>
-              <a:rPr lang="en-US" dirty="0">
-                <a:latin typeface="+mj-lt"/>
-              </a:rPr>
-              <a:t>💻 Bring the assistant to your customers, where they are</a:t>
-            </a:r>
-          </a:p>
-          <a:p>
-            <a:endParaRPr lang="en-US" dirty="0">
-              <a:latin typeface="+mj-lt"/>
-            </a:endParaRPr>
-          </a:p>
-          <a:p>
-            <a:r>
-              <a:rPr lang="en-US" dirty="0">
-                <a:latin typeface="+mj-lt"/>
-              </a:rPr>
-              <a:t>🧠 Create AI-driven conversational flows</a:t>
-            </a:r>
-          </a:p>
-          <a:p>
-            <a:endParaRPr lang="en-US" dirty="0">
-              <a:latin typeface="+mj-lt"/>
-            </a:endParaRPr>
-          </a:p>
-          <a:p>
-            <a:r>
-              <a:rPr lang="en-US" dirty="0">
-                <a:latin typeface="+mj-lt"/>
-              </a:rPr>
-              <a:t>📑 Embed existing help content</a:t>
-            </a:r>
-          </a:p>
-          <a:p>
-            <a:endParaRPr lang="en-US" dirty="0">
-              <a:latin typeface="+mj-lt"/>
-            </a:endParaRPr>
-          </a:p>
-          <a:p>
-            <a:r>
-              <a:rPr lang="en-US" dirty="0">
-                <a:latin typeface="+mj-lt"/>
-              </a:rPr>
-              <a:t>🤝 Connect to your customer service teams</a:t>
-            </a:r>
-          </a:p>
-          <a:p>
-            <a:endParaRPr lang="en-CA" dirty="0">
-              <a:latin typeface="+mj-lt"/>
-            </a:endParaRPr>
-          </a:p>
-          <a:p>
-            <a:r>
-              <a:rPr lang="en-US" dirty="0">
-                <a:latin typeface="+mj-lt"/>
-              </a:rPr>
-              <a:t>🎯 Track customer engagement and satisfaction</a:t>
-            </a:r>
-            <a:endParaRPr lang="en-CA" dirty="0">
-              <a:latin typeface="+mj-lt"/>
-            </a:endParaRPr>
-          </a:p>
-        </p:txBody>
-      </p:sp>
-      <p:pic>
-        <p:nvPicPr>
-          <p:cNvPr id="4098" name="Picture 2">
-            <a:extLst>
-              <a:ext uri="{FF2B5EF4-FFF2-40B4-BE49-F238E27FC236}">
-                <a16:creationId xmlns:a16="http://schemas.microsoft.com/office/drawing/2014/main" id="{70754815-AFE5-3BF3-180C-020FA221878C}"/>
-              </a:ext>
-            </a:extLst>
-          </p:cNvPr>
-          <p:cNvPicPr>
-            <a:picLocks noChangeAspect="1" noChangeArrowheads="1"/>
-          </p:cNvPicPr>
-          <p:nvPr/>
-        </p:nvPicPr>
-        <p:blipFill>
-          <a:blip r:embed="rId2" cstate="print">
-            <a:extLst>
-              <a:ext uri="{28A0092B-C50C-407E-A947-70E740481C1C}">
-                <a14:useLocalDpi xmlns:a14="http://schemas.microsoft.com/office/drawing/2010/main" val="0"/>
-              </a:ext>
-            </a:extLst>
-          </a:blip>
-          <a:srcRect/>
-          <a:stretch>
-            <a:fillRect/>
-          </a:stretch>
-        </p:blipFill>
-        <p:spPr bwMode="auto">
-          <a:xfrm>
-            <a:off x="6315042" y="1658196"/>
-            <a:ext cx="5499480" cy="3901109"/>
-          </a:xfrm>
-          <a:prstGeom prst="rect">
-            <a:avLst/>
-          </a:prstGeom>
-          <a:noFill/>
-          <a:extLst>
-            <a:ext uri="{909E8E84-426E-40DD-AFC4-6F175D3DCCD1}">
-              <a14:hiddenFill xmlns:a14="http://schemas.microsoft.com/office/drawing/2010/main">
-                <a:solidFill>
-                  <a:srgbClr val="FFFFFF"/>
-                </a:solidFill>
-              </a14:hiddenFill>
-            </a:ext>
-          </a:extLst>
-        </p:spPr>
-      </p:pic>
-    </p:spTree>
-    <p:extLst>
-      <p:ext uri="{BB962C8B-B14F-4D97-AF65-F5344CB8AC3E}">
-        <p14:creationId xmlns:p14="http://schemas.microsoft.com/office/powerpoint/2010/main" val="3209928252"/>
-      </p:ext>
-    </p:extLst>
-  </p:cSld>
-  <p:clrMapOvr>
-    <a:masterClrMapping/>
-  </p:clrMapOvr>
-</p:sld>
-</file>
-
-<file path=ppt/slides/slide5.xml><?xml version="1.0" encoding="utf-8"?>
-<p:sld xmlns:a="http://schemas.openxmlformats.org/drawingml/2006/main" xmlns:r="http://schemas.openxmlformats.org/officeDocument/2006/relationships" xmlns:p="http://schemas.openxmlformats.org/presentationml/2006/main">
-  <p:cSld>
-    <p:spTree>
-      <p:nvGrpSpPr>
-        <p:cNvPr id="1" name=""/>
-        <p:cNvGrpSpPr/>
-        <p:nvPr/>
-      </p:nvGrpSpPr>
-      <p:grpSpPr>
-        <a:xfrm>
-          <a:off x="0" y="0"/>
-          <a:ext cx="0" cy="0"/>
-          <a:chOff x="0" y="0"/>
-          <a:chExt cx="0" cy="0"/>
-        </a:xfrm>
-      </p:grpSpPr>
-      <p:sp>
-        <p:nvSpPr>
-          <p:cNvPr id="5" name="Title 4">
-            <a:extLst>
-              <a:ext uri="{FF2B5EF4-FFF2-40B4-BE49-F238E27FC236}">
-                <a16:creationId xmlns:a16="http://schemas.microsoft.com/office/drawing/2014/main" id="{E164C9CA-47E7-5B76-54C2-D3CB1CA576C9}"/>
-              </a:ext>
-            </a:extLst>
-          </p:cNvPr>
-          <p:cNvSpPr>
-            <a:spLocks noGrp="1"/>
-          </p:cNvSpPr>
-          <p:nvPr>
-            <p:ph type="title"/>
-          </p:nvPr>
-        </p:nvSpPr>
-        <p:spPr/>
-        <p:txBody>
-          <a:bodyPr/>
-          <a:lstStyle/>
-          <a:p>
-            <a:r>
-              <a:rPr lang="en-CA" b="1" dirty="0">
-                <a:latin typeface="+mj-lt"/>
-              </a:rPr>
-              <a:t>How Does It Work?</a:t>
-            </a:r>
-          </a:p>
-        </p:txBody>
-      </p:sp>
-      <p:pic>
-        <p:nvPicPr>
-          <p:cNvPr id="4" name="Picture 3">
-            <a:extLst>
-              <a:ext uri="{FF2B5EF4-FFF2-40B4-BE49-F238E27FC236}">
-                <a16:creationId xmlns:a16="http://schemas.microsoft.com/office/drawing/2014/main" id="{AF670C23-2205-3955-DD78-F2EC74E94A16}"/>
-              </a:ext>
-            </a:extLst>
-          </p:cNvPr>
-          <p:cNvPicPr>
-            <a:picLocks noChangeAspect="1"/>
-          </p:cNvPicPr>
-          <p:nvPr/>
-        </p:nvPicPr>
-        <p:blipFill>
-          <a:blip r:embed="rId2"/>
-          <a:stretch>
-            <a:fillRect/>
-          </a:stretch>
-        </p:blipFill>
-        <p:spPr>
-          <a:xfrm>
-            <a:off x="553339" y="797976"/>
-            <a:ext cx="10975992" cy="5840567"/>
-          </a:xfrm>
-          <a:prstGeom prst="rect">
-            <a:avLst/>
-          </a:prstGeom>
-        </p:spPr>
-      </p:pic>
-    </p:spTree>
-    <p:extLst>
-      <p:ext uri="{BB962C8B-B14F-4D97-AF65-F5344CB8AC3E}">
-        <p14:creationId xmlns:p14="http://schemas.microsoft.com/office/powerpoint/2010/main" val="1988712103"/>
       </p:ext>
     </p:extLst>
   </p:cSld>
@@ -31670,7 +36519,7 @@
               <a:rPr lang="en-US" sz="4500" b="1" dirty="0">
                 <a:latin typeface="+mj-lt"/>
               </a:rPr>
-              <a:t>Let’s Build a Chatbot</a:t>
+              <a:t>Terminology You Should Know</a:t>
             </a:r>
           </a:p>
         </p:txBody>
@@ -31678,7 +36527,7 @@
     </p:spTree>
     <p:extLst>
       <p:ext uri="{BB962C8B-B14F-4D97-AF65-F5344CB8AC3E}">
-        <p14:creationId xmlns:p14="http://schemas.microsoft.com/office/powerpoint/2010/main" val="644033277"/>
+        <p14:creationId xmlns:p14="http://schemas.microsoft.com/office/powerpoint/2010/main" val="2640342689"/>
       </p:ext>
     </p:extLst>
   </p:cSld>
